--- a/presentazione_EN.pptx
+++ b/presentazione_EN.pptx
@@ -4,20 +4,23 @@
   <p:sldMasterIdLst>
     <p:sldMasterId id="2147483660" r:id="rId1"/>
   </p:sldMasterIdLst>
+  <p:notesMasterIdLst>
+    <p:notesMasterId r:id="rId15"/>
+  </p:notesMasterIdLst>
   <p:sldIdLst>
     <p:sldId id="273" r:id="rId2"/>
     <p:sldId id="261" r:id="rId3"/>
     <p:sldId id="274" r:id="rId4"/>
-    <p:sldId id="277" r:id="rId5"/>
-    <p:sldId id="275" r:id="rId6"/>
-    <p:sldId id="276" r:id="rId7"/>
-    <p:sldId id="279" r:id="rId8"/>
-    <p:sldId id="278" r:id="rId9"/>
-    <p:sldId id="280" r:id="rId10"/>
-    <p:sldId id="281" r:id="rId11"/>
-    <p:sldId id="262" r:id="rId12"/>
-    <p:sldId id="256" r:id="rId13"/>
-    <p:sldId id="257" r:id="rId14"/>
+    <p:sldId id="283" r:id="rId5"/>
+    <p:sldId id="286" r:id="rId6"/>
+    <p:sldId id="277" r:id="rId7"/>
+    <p:sldId id="282" r:id="rId8"/>
+    <p:sldId id="275" r:id="rId9"/>
+    <p:sldId id="276" r:id="rId10"/>
+    <p:sldId id="279" r:id="rId11"/>
+    <p:sldId id="281" r:id="rId12"/>
+    <p:sldId id="284" r:id="rId13"/>
+    <p:sldId id="262" r:id="rId14"/>
   </p:sldIdLst>
   <p:sldSz cx="12192000" cy="6858000"/>
   <p:notesSz cx="6858000" cy="9144000"/>
@@ -124,6 +127,2534 @@
 </p:presentation>
 </file>
 
+<file path=ppt/commentAuthors.xml><?xml version="1.0" encoding="utf-8"?>
+<p:cmAuthorLst xmlns:a="http://schemas.openxmlformats.org/drawingml/2006/main" xmlns:r="http://schemas.openxmlformats.org/officeDocument/2006/relationships" xmlns:p="http://schemas.openxmlformats.org/presentationml/2006/main">
+  <p:cmAuthor id="1" name="FEDERICO BERRA" initials="FB" lastIdx="1" clrIdx="0">
+    <p:extLst>
+      <p:ext uri="{19B8F6BF-5375-455C-9EA6-DF929625EA0E}">
+        <p15:presenceInfo xmlns:p15="http://schemas.microsoft.com/office/powerpoint/2012/main" userId="FEDERICO BERRA" providerId="None"/>
+      </p:ext>
+    </p:extLst>
+  </p:cmAuthor>
+</p:cmAuthorLst>
+</file>
+
+<file path=ppt/notesMasters/notesMaster1.xml><?xml version="1.0" encoding="utf-8"?>
+<p:notesMaster xmlns:a="http://schemas.openxmlformats.org/drawingml/2006/main" xmlns:r="http://schemas.openxmlformats.org/officeDocument/2006/relationships" xmlns:p="http://schemas.openxmlformats.org/presentationml/2006/main">
+  <p:cSld>
+    <p:bg>
+      <p:bgRef idx="1001">
+        <a:schemeClr val="bg1"/>
+      </p:bgRef>
+    </p:bg>
+    <p:spTree>
+      <p:nvGrpSpPr>
+        <p:cNvPr id="1" name=""/>
+        <p:cNvGrpSpPr/>
+        <p:nvPr/>
+      </p:nvGrpSpPr>
+      <p:grpSpPr>
+        <a:xfrm>
+          <a:off x="0" y="0"/>
+          <a:ext cx="0" cy="0"/>
+          <a:chOff x="0" y="0"/>
+          <a:chExt cx="0" cy="0"/>
+        </a:xfrm>
+      </p:grpSpPr>
+      <p:sp>
+        <p:nvSpPr>
+          <p:cNvPr id="2" name="Segnaposto intestazione 1"/>
+          <p:cNvSpPr>
+            <a:spLocks noGrp="1"/>
+          </p:cNvSpPr>
+          <p:nvPr>
+            <p:ph type="hdr" sz="quarter"/>
+          </p:nvPr>
+        </p:nvSpPr>
+        <p:spPr>
+          <a:xfrm>
+            <a:off x="0" y="0"/>
+            <a:ext cx="2971800" cy="458788"/>
+          </a:xfrm>
+          <a:prstGeom prst="rect">
+            <a:avLst/>
+          </a:prstGeom>
+        </p:spPr>
+        <p:txBody>
+          <a:bodyPr vert="horz" lIns="91440" tIns="45720" rIns="91440" bIns="45720" rtlCol="0"/>
+          <a:lstStyle>
+            <a:lvl1pPr algn="l">
+              <a:defRPr sz="1200"/>
+            </a:lvl1pPr>
+          </a:lstStyle>
+          <a:p>
+            <a:endParaRPr lang="en-US"/>
+          </a:p>
+        </p:txBody>
+      </p:sp>
+      <p:sp>
+        <p:nvSpPr>
+          <p:cNvPr id="3" name="Segnaposto data 2"/>
+          <p:cNvSpPr>
+            <a:spLocks noGrp="1"/>
+          </p:cNvSpPr>
+          <p:nvPr>
+            <p:ph type="dt" idx="1"/>
+          </p:nvPr>
+        </p:nvSpPr>
+        <p:spPr>
+          <a:xfrm>
+            <a:off x="3884613" y="0"/>
+            <a:ext cx="2971800" cy="458788"/>
+          </a:xfrm>
+          <a:prstGeom prst="rect">
+            <a:avLst/>
+          </a:prstGeom>
+        </p:spPr>
+        <p:txBody>
+          <a:bodyPr vert="horz" lIns="91440" tIns="45720" rIns="91440" bIns="45720" rtlCol="0"/>
+          <a:lstStyle>
+            <a:lvl1pPr algn="r">
+              <a:defRPr sz="1200"/>
+            </a:lvl1pPr>
+          </a:lstStyle>
+          <a:p>
+            <a:fld id="{8FB3769A-C4D4-4EDF-8DA1-4917353E0201}" type="datetimeFigureOut">
+              <a:rPr lang="en-US" smtClean="0"/>
+              <a:t>9/4/2020</a:t>
+            </a:fld>
+            <a:endParaRPr lang="en-US"/>
+          </a:p>
+        </p:txBody>
+      </p:sp>
+      <p:sp>
+        <p:nvSpPr>
+          <p:cNvPr id="4" name="Segnaposto immagine diapositiva 3"/>
+          <p:cNvSpPr>
+            <a:spLocks noGrp="1" noRot="1" noChangeAspect="1"/>
+          </p:cNvSpPr>
+          <p:nvPr>
+            <p:ph type="sldImg" idx="2"/>
+          </p:nvPr>
+        </p:nvSpPr>
+        <p:spPr>
+          <a:xfrm>
+            <a:off x="685800" y="1143000"/>
+            <a:ext cx="5486400" cy="3086100"/>
+          </a:xfrm>
+          <a:prstGeom prst="rect">
+            <a:avLst/>
+          </a:prstGeom>
+          <a:noFill/>
+          <a:ln w="12700">
+            <a:solidFill>
+              <a:prstClr val="black"/>
+            </a:solidFill>
+          </a:ln>
+        </p:spPr>
+        <p:txBody>
+          <a:bodyPr vert="horz" lIns="91440" tIns="45720" rIns="91440" bIns="45720" rtlCol="0" anchor="ctr"/>
+          <a:lstStyle/>
+          <a:p>
+            <a:endParaRPr lang="en-US"/>
+          </a:p>
+        </p:txBody>
+      </p:sp>
+      <p:sp>
+        <p:nvSpPr>
+          <p:cNvPr id="5" name="Segnaposto note 4"/>
+          <p:cNvSpPr>
+            <a:spLocks noGrp="1"/>
+          </p:cNvSpPr>
+          <p:nvPr>
+            <p:ph type="body" sz="quarter" idx="3"/>
+          </p:nvPr>
+        </p:nvSpPr>
+        <p:spPr>
+          <a:xfrm>
+            <a:off x="685800" y="4400550"/>
+            <a:ext cx="5486400" cy="3600450"/>
+          </a:xfrm>
+          <a:prstGeom prst="rect">
+            <a:avLst/>
+          </a:prstGeom>
+        </p:spPr>
+        <p:txBody>
+          <a:bodyPr vert="horz" lIns="91440" tIns="45720" rIns="91440" bIns="45720" rtlCol="0"/>
+          <a:lstStyle/>
+          <a:p>
+            <a:pPr lvl="0"/>
+            <a:r>
+              <a:rPr lang="it-IT"/>
+              <a:t>Fare clic per modificare gli stili del testo dello schema</a:t>
+            </a:r>
+          </a:p>
+          <a:p>
+            <a:pPr lvl="1"/>
+            <a:r>
+              <a:rPr lang="it-IT"/>
+              <a:t>Secondo livello</a:t>
+            </a:r>
+          </a:p>
+          <a:p>
+            <a:pPr lvl="2"/>
+            <a:r>
+              <a:rPr lang="it-IT"/>
+              <a:t>Terzo livello</a:t>
+            </a:r>
+          </a:p>
+          <a:p>
+            <a:pPr lvl="3"/>
+            <a:r>
+              <a:rPr lang="it-IT"/>
+              <a:t>Quarto livello</a:t>
+            </a:r>
+          </a:p>
+          <a:p>
+            <a:pPr lvl="4"/>
+            <a:r>
+              <a:rPr lang="it-IT"/>
+              <a:t>Quinto livello</a:t>
+            </a:r>
+            <a:endParaRPr lang="en-US"/>
+          </a:p>
+        </p:txBody>
+      </p:sp>
+      <p:sp>
+        <p:nvSpPr>
+          <p:cNvPr id="6" name="Segnaposto piè di pagina 5"/>
+          <p:cNvSpPr>
+            <a:spLocks noGrp="1"/>
+          </p:cNvSpPr>
+          <p:nvPr>
+            <p:ph type="ftr" sz="quarter" idx="4"/>
+          </p:nvPr>
+        </p:nvSpPr>
+        <p:spPr>
+          <a:xfrm>
+            <a:off x="0" y="8685213"/>
+            <a:ext cx="2971800" cy="458787"/>
+          </a:xfrm>
+          <a:prstGeom prst="rect">
+            <a:avLst/>
+          </a:prstGeom>
+        </p:spPr>
+        <p:txBody>
+          <a:bodyPr vert="horz" lIns="91440" tIns="45720" rIns="91440" bIns="45720" rtlCol="0" anchor="b"/>
+          <a:lstStyle>
+            <a:lvl1pPr algn="l">
+              <a:defRPr sz="1200"/>
+            </a:lvl1pPr>
+          </a:lstStyle>
+          <a:p>
+            <a:endParaRPr lang="en-US"/>
+          </a:p>
+        </p:txBody>
+      </p:sp>
+      <p:sp>
+        <p:nvSpPr>
+          <p:cNvPr id="7" name="Segnaposto numero diapositiva 6"/>
+          <p:cNvSpPr>
+            <a:spLocks noGrp="1"/>
+          </p:cNvSpPr>
+          <p:nvPr>
+            <p:ph type="sldNum" sz="quarter" idx="5"/>
+          </p:nvPr>
+        </p:nvSpPr>
+        <p:spPr>
+          <a:xfrm>
+            <a:off x="3884613" y="8685213"/>
+            <a:ext cx="2971800" cy="458787"/>
+          </a:xfrm>
+          <a:prstGeom prst="rect">
+            <a:avLst/>
+          </a:prstGeom>
+        </p:spPr>
+        <p:txBody>
+          <a:bodyPr vert="horz" lIns="91440" tIns="45720" rIns="91440" bIns="45720" rtlCol="0" anchor="b"/>
+          <a:lstStyle>
+            <a:lvl1pPr algn="r">
+              <a:defRPr sz="1200"/>
+            </a:lvl1pPr>
+          </a:lstStyle>
+          <a:p>
+            <a:fld id="{646EDAD7-04BA-4250-B847-25272EB49033}" type="slidenum">
+              <a:rPr lang="en-US" smtClean="0"/>
+              <a:t>‹N›</a:t>
+            </a:fld>
+            <a:endParaRPr lang="en-US"/>
+          </a:p>
+        </p:txBody>
+      </p:sp>
+    </p:spTree>
+    <p:extLst>
+      <p:ext uri="{BB962C8B-B14F-4D97-AF65-F5344CB8AC3E}">
+        <p14:creationId xmlns:p14="http://schemas.microsoft.com/office/powerpoint/2010/main" val="2133822898"/>
+      </p:ext>
+    </p:extLst>
+  </p:cSld>
+  <p:clrMap bg1="lt1" tx1="dk1" bg2="lt2" tx2="dk2" accent1="accent1" accent2="accent2" accent3="accent3" accent4="accent4" accent5="accent5" accent6="accent6" hlink="hlink" folHlink="folHlink"/>
+  <p:notesStyle>
+    <a:lvl1pPr marL="0" algn="l" defTabSz="914400" rtl="0" eaLnBrk="1" latinLnBrk="0" hangingPunct="1">
+      <a:defRPr sz="1200" kern="1200">
+        <a:solidFill>
+          <a:schemeClr val="tx1"/>
+        </a:solidFill>
+        <a:latin typeface="+mn-lt"/>
+        <a:ea typeface="+mn-ea"/>
+        <a:cs typeface="+mn-cs"/>
+      </a:defRPr>
+    </a:lvl1pPr>
+    <a:lvl2pPr marL="457200" algn="l" defTabSz="914400" rtl="0" eaLnBrk="1" latinLnBrk="0" hangingPunct="1">
+      <a:defRPr sz="1200" kern="1200">
+        <a:solidFill>
+          <a:schemeClr val="tx1"/>
+        </a:solidFill>
+        <a:latin typeface="+mn-lt"/>
+        <a:ea typeface="+mn-ea"/>
+        <a:cs typeface="+mn-cs"/>
+      </a:defRPr>
+    </a:lvl2pPr>
+    <a:lvl3pPr marL="914400" algn="l" defTabSz="914400" rtl="0" eaLnBrk="1" latinLnBrk="0" hangingPunct="1">
+      <a:defRPr sz="1200" kern="1200">
+        <a:solidFill>
+          <a:schemeClr val="tx1"/>
+        </a:solidFill>
+        <a:latin typeface="+mn-lt"/>
+        <a:ea typeface="+mn-ea"/>
+        <a:cs typeface="+mn-cs"/>
+      </a:defRPr>
+    </a:lvl3pPr>
+    <a:lvl4pPr marL="1371600" algn="l" defTabSz="914400" rtl="0" eaLnBrk="1" latinLnBrk="0" hangingPunct="1">
+      <a:defRPr sz="1200" kern="1200">
+        <a:solidFill>
+          <a:schemeClr val="tx1"/>
+        </a:solidFill>
+        <a:latin typeface="+mn-lt"/>
+        <a:ea typeface="+mn-ea"/>
+        <a:cs typeface="+mn-cs"/>
+      </a:defRPr>
+    </a:lvl4pPr>
+    <a:lvl5pPr marL="1828800" algn="l" defTabSz="914400" rtl="0" eaLnBrk="1" latinLnBrk="0" hangingPunct="1">
+      <a:defRPr sz="1200" kern="1200">
+        <a:solidFill>
+          <a:schemeClr val="tx1"/>
+        </a:solidFill>
+        <a:latin typeface="+mn-lt"/>
+        <a:ea typeface="+mn-ea"/>
+        <a:cs typeface="+mn-cs"/>
+      </a:defRPr>
+    </a:lvl5pPr>
+    <a:lvl6pPr marL="2286000" algn="l" defTabSz="914400" rtl="0" eaLnBrk="1" latinLnBrk="0" hangingPunct="1">
+      <a:defRPr sz="1200" kern="1200">
+        <a:solidFill>
+          <a:schemeClr val="tx1"/>
+        </a:solidFill>
+        <a:latin typeface="+mn-lt"/>
+        <a:ea typeface="+mn-ea"/>
+        <a:cs typeface="+mn-cs"/>
+      </a:defRPr>
+    </a:lvl6pPr>
+    <a:lvl7pPr marL="2743200" algn="l" defTabSz="914400" rtl="0" eaLnBrk="1" latinLnBrk="0" hangingPunct="1">
+      <a:defRPr sz="1200" kern="1200">
+        <a:solidFill>
+          <a:schemeClr val="tx1"/>
+        </a:solidFill>
+        <a:latin typeface="+mn-lt"/>
+        <a:ea typeface="+mn-ea"/>
+        <a:cs typeface="+mn-cs"/>
+      </a:defRPr>
+    </a:lvl7pPr>
+    <a:lvl8pPr marL="3200400" algn="l" defTabSz="914400" rtl="0" eaLnBrk="1" latinLnBrk="0" hangingPunct="1">
+      <a:defRPr sz="1200" kern="1200">
+        <a:solidFill>
+          <a:schemeClr val="tx1"/>
+        </a:solidFill>
+        <a:latin typeface="+mn-lt"/>
+        <a:ea typeface="+mn-ea"/>
+        <a:cs typeface="+mn-cs"/>
+      </a:defRPr>
+    </a:lvl8pPr>
+    <a:lvl9pPr marL="3657600" algn="l" defTabSz="914400" rtl="0" eaLnBrk="1" latinLnBrk="0" hangingPunct="1">
+      <a:defRPr sz="1200" kern="1200">
+        <a:solidFill>
+          <a:schemeClr val="tx1"/>
+        </a:solidFill>
+        <a:latin typeface="+mn-lt"/>
+        <a:ea typeface="+mn-ea"/>
+        <a:cs typeface="+mn-cs"/>
+      </a:defRPr>
+    </a:lvl9pPr>
+  </p:notesStyle>
+</p:notesMaster>
+</file>
+
+<file path=ppt/notesSlides/notesSlide1.xml><?xml version="1.0" encoding="utf-8"?>
+<p:notes xmlns:a="http://schemas.openxmlformats.org/drawingml/2006/main" xmlns:r="http://schemas.openxmlformats.org/officeDocument/2006/relationships" xmlns:p="http://schemas.openxmlformats.org/presentationml/2006/main">
+  <p:cSld>
+    <p:spTree>
+      <p:nvGrpSpPr>
+        <p:cNvPr id="1" name=""/>
+        <p:cNvGrpSpPr/>
+        <p:nvPr/>
+      </p:nvGrpSpPr>
+      <p:grpSpPr>
+        <a:xfrm>
+          <a:off x="0" y="0"/>
+          <a:ext cx="0" cy="0"/>
+          <a:chOff x="0" y="0"/>
+          <a:chExt cx="0" cy="0"/>
+        </a:xfrm>
+      </p:grpSpPr>
+      <p:sp>
+        <p:nvSpPr>
+          <p:cNvPr id="2" name="Segnaposto immagine diapositiva 1"/>
+          <p:cNvSpPr>
+            <a:spLocks noGrp="1" noRot="1" noChangeAspect="1"/>
+          </p:cNvSpPr>
+          <p:nvPr>
+            <p:ph type="sldImg"/>
+          </p:nvPr>
+        </p:nvSpPr>
+        <p:spPr/>
+      </p:sp>
+      <p:sp>
+        <p:nvSpPr>
+          <p:cNvPr id="3" name="Segnaposto note 2"/>
+          <p:cNvSpPr>
+            <a:spLocks noGrp="1"/>
+          </p:cNvSpPr>
+          <p:nvPr>
+            <p:ph type="body" idx="1"/>
+          </p:nvPr>
+        </p:nvSpPr>
+        <p:spPr/>
+        <p:txBody>
+          <a:bodyPr/>
+          <a:lstStyle/>
+          <a:p>
+            <a:r>
+              <a:rPr lang="en-US" b="1" dirty="0"/>
+              <a:t>Landing.</a:t>
+            </a:r>
+            <a:r>
+              <a:rPr lang="en-US" dirty="0"/>
+              <a:t> Salve a  </a:t>
+            </a:r>
+            <a:r>
+              <a:rPr lang="en-US" dirty="0" err="1"/>
+              <a:t>tutti</a:t>
+            </a:r>
+            <a:r>
+              <a:rPr lang="en-US" dirty="0"/>
+              <a:t> mi </a:t>
+            </a:r>
+            <a:r>
+              <a:rPr lang="en-US" dirty="0" err="1"/>
+              <a:t>chiamo</a:t>
+            </a:r>
+            <a:r>
+              <a:rPr lang="en-US" dirty="0"/>
+              <a:t> Berra Federico e </a:t>
+            </a:r>
+            <a:r>
+              <a:rPr lang="en-US" dirty="0" err="1"/>
+              <a:t>oggi</a:t>
+            </a:r>
+            <a:r>
+              <a:rPr lang="en-US" dirty="0"/>
+              <a:t> vi </a:t>
+            </a:r>
+            <a:r>
+              <a:rPr lang="en-US" dirty="0" err="1"/>
+              <a:t>parlerò</a:t>
+            </a:r>
+            <a:r>
+              <a:rPr lang="en-US" dirty="0"/>
+              <a:t> </a:t>
+            </a:r>
+            <a:r>
+              <a:rPr lang="en-US" dirty="0" err="1"/>
+              <a:t>della</a:t>
+            </a:r>
+            <a:r>
+              <a:rPr lang="en-US" dirty="0"/>
+              <a:t> </a:t>
+            </a:r>
+            <a:r>
+              <a:rPr lang="en-US" dirty="0" err="1"/>
+              <a:t>mia</a:t>
+            </a:r>
+            <a:r>
+              <a:rPr lang="en-US" dirty="0"/>
+              <a:t> </a:t>
+            </a:r>
+            <a:r>
+              <a:rPr lang="en-US" dirty="0" err="1"/>
+              <a:t>tesi</a:t>
+            </a:r>
+            <a:r>
+              <a:rPr lang="en-US" dirty="0"/>
+              <a:t> </a:t>
+            </a:r>
+            <a:r>
+              <a:rPr lang="en-US" dirty="0" err="1"/>
+              <a:t>magistrale</a:t>
+            </a:r>
+            <a:r>
+              <a:rPr lang="en-US" dirty="0"/>
+              <a:t>: Development of a pointing-acquisition-tracking system for free-space quantum communication.</a:t>
+            </a:r>
+          </a:p>
+        </p:txBody>
+      </p:sp>
+      <p:sp>
+        <p:nvSpPr>
+          <p:cNvPr id="4" name="Segnaposto numero diapositiva 3"/>
+          <p:cNvSpPr>
+            <a:spLocks noGrp="1"/>
+          </p:cNvSpPr>
+          <p:nvPr>
+            <p:ph type="sldNum" sz="quarter" idx="5"/>
+          </p:nvPr>
+        </p:nvSpPr>
+        <p:spPr/>
+        <p:txBody>
+          <a:bodyPr/>
+          <a:lstStyle/>
+          <a:p>
+            <a:fld id="{646EDAD7-04BA-4250-B847-25272EB49033}" type="slidenum">
+              <a:rPr lang="en-US" smtClean="0"/>
+              <a:t>1</a:t>
+            </a:fld>
+            <a:endParaRPr lang="en-US"/>
+          </a:p>
+        </p:txBody>
+      </p:sp>
+    </p:spTree>
+    <p:extLst>
+      <p:ext uri="{BB962C8B-B14F-4D97-AF65-F5344CB8AC3E}">
+        <p14:creationId xmlns:p14="http://schemas.microsoft.com/office/powerpoint/2010/main" val="1639149160"/>
+      </p:ext>
+    </p:extLst>
+  </p:cSld>
+  <p:clrMapOvr>
+    <a:masterClrMapping/>
+  </p:clrMapOvr>
+</p:notes>
+</file>
+
+<file path=ppt/notesSlides/notesSlide10.xml><?xml version="1.0" encoding="utf-8"?>
+<p:notes xmlns:a="http://schemas.openxmlformats.org/drawingml/2006/main" xmlns:r="http://schemas.openxmlformats.org/officeDocument/2006/relationships" xmlns:p="http://schemas.openxmlformats.org/presentationml/2006/main">
+  <p:cSld>
+    <p:spTree>
+      <p:nvGrpSpPr>
+        <p:cNvPr id="1" name=""/>
+        <p:cNvGrpSpPr/>
+        <p:nvPr/>
+      </p:nvGrpSpPr>
+      <p:grpSpPr>
+        <a:xfrm>
+          <a:off x="0" y="0"/>
+          <a:ext cx="0" cy="0"/>
+          <a:chOff x="0" y="0"/>
+          <a:chExt cx="0" cy="0"/>
+        </a:xfrm>
+      </p:grpSpPr>
+      <p:sp>
+        <p:nvSpPr>
+          <p:cNvPr id="2" name="Segnaposto immagine diapositiva 1"/>
+          <p:cNvSpPr>
+            <a:spLocks noGrp="1" noRot="1" noChangeAspect="1"/>
+          </p:cNvSpPr>
+          <p:nvPr>
+            <p:ph type="sldImg"/>
+          </p:nvPr>
+        </p:nvSpPr>
+        <p:spPr/>
+      </p:sp>
+      <p:sp>
+        <p:nvSpPr>
+          <p:cNvPr id="3" name="Segnaposto note 2"/>
+          <p:cNvSpPr>
+            <a:spLocks noGrp="1"/>
+          </p:cNvSpPr>
+          <p:nvPr>
+            <p:ph type="body" idx="1"/>
+          </p:nvPr>
+        </p:nvSpPr>
+        <p:spPr/>
+        <p:txBody>
+          <a:bodyPr/>
+          <a:lstStyle/>
+          <a:p>
+            <a:pPr algn="l"/>
+            <a:r>
+              <a:rPr lang="it-IT" b="1" i="0" dirty="0">
+                <a:solidFill>
+                  <a:srgbClr val="333333"/>
+                </a:solidFill>
+                <a:effectLst/>
+                <a:latin typeface="Open Sans"/>
+              </a:rPr>
+              <a:t>PAT fine – </a:t>
+            </a:r>
+            <a:r>
+              <a:rPr lang="it-IT" b="1" i="0" dirty="0" err="1">
+                <a:solidFill>
+                  <a:srgbClr val="333333"/>
+                </a:solidFill>
+                <a:effectLst/>
+                <a:latin typeface="Open Sans"/>
+              </a:rPr>
+              <a:t>heat</a:t>
+            </a:r>
+            <a:r>
+              <a:rPr lang="it-IT" b="1" i="0" dirty="0">
+                <a:solidFill>
+                  <a:srgbClr val="333333"/>
+                </a:solidFill>
+                <a:effectLst/>
+                <a:latin typeface="Open Sans"/>
+              </a:rPr>
+              <a:t> </a:t>
+            </a:r>
+            <a:r>
+              <a:rPr lang="it-IT" b="1" i="0" dirty="0" err="1">
+                <a:solidFill>
+                  <a:srgbClr val="333333"/>
+                </a:solidFill>
+                <a:effectLst/>
+                <a:latin typeface="Open Sans"/>
+              </a:rPr>
+              <a:t>turbolence</a:t>
+            </a:r>
+            <a:r>
+              <a:rPr lang="it-IT" b="1" i="0" dirty="0">
+                <a:solidFill>
+                  <a:srgbClr val="333333"/>
+                </a:solidFill>
+                <a:effectLst/>
+                <a:latin typeface="Open Sans"/>
+              </a:rPr>
+              <a:t>.</a:t>
+            </a:r>
+            <a:r>
+              <a:rPr lang="it-IT" b="0" i="0" dirty="0">
+                <a:solidFill>
+                  <a:srgbClr val="333333"/>
+                </a:solidFill>
+                <a:effectLst/>
+                <a:latin typeface="Open Sans"/>
+              </a:rPr>
+              <a:t> Il primo esperimento fatto è stato testare il PAT fine perturbando il sistema di allineamento con delle turbolenze ottenute da una fonte di calore. Queste due immagini rappresentano quello che il sensore in questo caso il PSD vede. Il centro degli assi rappresenta quindi il centro del sensore e quindi la posizione di target voluta. I due spot rossi sono le fluttuazioni prese senza controllore attivo, mentre quelle in blu con il controllo attivo. I due spot rossi sono lo stesso grafico.</a:t>
+            </a:r>
+          </a:p>
+          <a:p>
+            <a:pPr algn="l">
+              <a:buFont typeface="Arial" panose="020B0604020202020204" pitchFamily="34" charset="0"/>
+              <a:buChar char="•"/>
+            </a:pPr>
+            <a:r>
+              <a:rPr lang="it-IT" b="0" i="0" dirty="0">
+                <a:solidFill>
+                  <a:srgbClr val="333333"/>
+                </a:solidFill>
+                <a:effectLst/>
+                <a:latin typeface="Open Sans"/>
+              </a:rPr>
+              <a:t>Nell'immagine di SX si vede che il controllore PID corregge in maniera eccellente il sistema, azzerando la media e riducendo la varianza.</a:t>
+            </a:r>
+          </a:p>
+          <a:p>
+            <a:pPr algn="l">
+              <a:buFont typeface="Arial" panose="020B0604020202020204" pitchFamily="34" charset="0"/>
+              <a:buChar char="•"/>
+            </a:pPr>
+            <a:r>
+              <a:rPr lang="it-IT" b="0" i="0" dirty="0">
+                <a:solidFill>
+                  <a:srgbClr val="333333"/>
+                </a:solidFill>
+                <a:effectLst/>
+                <a:latin typeface="Open Sans"/>
+              </a:rPr>
+              <a:t>Nell'immagine di DX si vede che il controllore One shot peggiora la varianza ma migliora la media.</a:t>
+            </a:r>
+          </a:p>
+          <a:p>
+            <a:pPr algn="l"/>
+            <a:r>
+              <a:rPr lang="it-IT" b="0" i="0" dirty="0">
+                <a:solidFill>
+                  <a:srgbClr val="333333"/>
+                </a:solidFill>
+                <a:effectLst/>
+                <a:latin typeface="Open Sans"/>
+              </a:rPr>
+              <a:t>Da questo deduciamo due cose:</a:t>
+            </a:r>
+          </a:p>
+          <a:p>
+            <a:pPr algn="l">
+              <a:buFont typeface="Arial" panose="020B0604020202020204" pitchFamily="34" charset="0"/>
+              <a:buChar char="•"/>
+            </a:pPr>
+            <a:r>
+              <a:rPr lang="it-IT" b="0" i="0" dirty="0">
+                <a:solidFill>
+                  <a:srgbClr val="333333"/>
+                </a:solidFill>
+                <a:effectLst/>
+                <a:latin typeface="Open Sans"/>
+              </a:rPr>
+              <a:t>che in generale il controllore PID è meglio del One shot, e questo combacia con quello che ci aspettavamo perché il PID è realizzato da un circuito con banda 15 KHz mentre il One shot raggiunge circa i 70Hz</a:t>
+            </a:r>
+          </a:p>
+          <a:p>
+            <a:pPr algn="l">
+              <a:buFont typeface="Arial" panose="020B0604020202020204" pitchFamily="34" charset="0"/>
+              <a:buChar char="•"/>
+            </a:pPr>
+            <a:r>
+              <a:rPr lang="it-IT" b="0" i="0" dirty="0">
+                <a:solidFill>
+                  <a:srgbClr val="333333"/>
+                </a:solidFill>
+                <a:effectLst/>
+                <a:latin typeface="Open Sans"/>
+              </a:rPr>
+              <a:t>che il controllore One shot è comunque una buona scelta da usare quando non è possibile usa il PID perché corregge la media</a:t>
+            </a:r>
+          </a:p>
+          <a:p>
+            <a:endParaRPr lang="en-US" dirty="0"/>
+          </a:p>
+        </p:txBody>
+      </p:sp>
+      <p:sp>
+        <p:nvSpPr>
+          <p:cNvPr id="4" name="Segnaposto numero diapositiva 3"/>
+          <p:cNvSpPr>
+            <a:spLocks noGrp="1"/>
+          </p:cNvSpPr>
+          <p:nvPr>
+            <p:ph type="sldNum" sz="quarter" idx="5"/>
+          </p:nvPr>
+        </p:nvSpPr>
+        <p:spPr/>
+        <p:txBody>
+          <a:bodyPr/>
+          <a:lstStyle/>
+          <a:p>
+            <a:fld id="{646EDAD7-04BA-4250-B847-25272EB49033}" type="slidenum">
+              <a:rPr lang="en-US" smtClean="0"/>
+              <a:t>10</a:t>
+            </a:fld>
+            <a:endParaRPr lang="en-US"/>
+          </a:p>
+        </p:txBody>
+      </p:sp>
+    </p:spTree>
+    <p:extLst>
+      <p:ext uri="{BB962C8B-B14F-4D97-AF65-F5344CB8AC3E}">
+        <p14:creationId xmlns:p14="http://schemas.microsoft.com/office/powerpoint/2010/main" val="2069192322"/>
+      </p:ext>
+    </p:extLst>
+  </p:cSld>
+  <p:clrMapOvr>
+    <a:masterClrMapping/>
+  </p:clrMapOvr>
+</p:notes>
+</file>
+
+<file path=ppt/notesSlides/notesSlide11.xml><?xml version="1.0" encoding="utf-8"?>
+<p:notes xmlns:a="http://schemas.openxmlformats.org/drawingml/2006/main" xmlns:r="http://schemas.openxmlformats.org/officeDocument/2006/relationships" xmlns:p="http://schemas.openxmlformats.org/presentationml/2006/main">
+  <p:cSld>
+    <p:spTree>
+      <p:nvGrpSpPr>
+        <p:cNvPr id="1" name=""/>
+        <p:cNvGrpSpPr/>
+        <p:nvPr/>
+      </p:nvGrpSpPr>
+      <p:grpSpPr>
+        <a:xfrm>
+          <a:off x="0" y="0"/>
+          <a:ext cx="0" cy="0"/>
+          <a:chOff x="0" y="0"/>
+          <a:chExt cx="0" cy="0"/>
+        </a:xfrm>
+      </p:grpSpPr>
+      <p:sp>
+        <p:nvSpPr>
+          <p:cNvPr id="2" name="Segnaposto immagine diapositiva 1"/>
+          <p:cNvSpPr>
+            <a:spLocks noGrp="1" noRot="1" noChangeAspect="1"/>
+          </p:cNvSpPr>
+          <p:nvPr>
+            <p:ph type="sldImg"/>
+          </p:nvPr>
+        </p:nvSpPr>
+        <p:spPr/>
+      </p:sp>
+      <p:sp>
+        <p:nvSpPr>
+          <p:cNvPr id="3" name="Segnaposto note 2"/>
+          <p:cNvSpPr>
+            <a:spLocks noGrp="1"/>
+          </p:cNvSpPr>
+          <p:nvPr>
+            <p:ph type="body" idx="1"/>
+          </p:nvPr>
+        </p:nvSpPr>
+        <p:spPr/>
+        <p:txBody>
+          <a:bodyPr/>
+          <a:lstStyle/>
+          <a:p>
+            <a:pPr algn="l"/>
+            <a:r>
+              <a:rPr lang="it-IT" b="1" i="0" dirty="0">
+                <a:solidFill>
+                  <a:srgbClr val="333333"/>
+                </a:solidFill>
+                <a:effectLst/>
+                <a:latin typeface="Open Sans"/>
+              </a:rPr>
+              <a:t>PAT fine + </a:t>
+            </a:r>
+            <a:r>
+              <a:rPr lang="it-IT" b="1" i="0" dirty="0" err="1">
+                <a:solidFill>
+                  <a:srgbClr val="333333"/>
+                </a:solidFill>
+                <a:effectLst/>
+                <a:latin typeface="Open Sans"/>
+              </a:rPr>
+              <a:t>coarse</a:t>
+            </a:r>
+            <a:r>
+              <a:rPr lang="it-IT" b="1" i="0" dirty="0">
+                <a:solidFill>
+                  <a:srgbClr val="333333"/>
+                </a:solidFill>
+                <a:effectLst/>
+                <a:latin typeface="Open Sans"/>
+              </a:rPr>
+              <a:t> - </a:t>
+            </a:r>
+            <a:r>
+              <a:rPr lang="it-IT" b="1" i="0" dirty="0" err="1">
+                <a:solidFill>
+                  <a:srgbClr val="333333"/>
+                </a:solidFill>
+                <a:effectLst/>
+                <a:latin typeface="Open Sans"/>
+              </a:rPr>
+              <a:t>hammer</a:t>
+            </a:r>
+            <a:r>
+              <a:rPr lang="it-IT" b="1" i="0" dirty="0">
+                <a:solidFill>
+                  <a:srgbClr val="333333"/>
+                </a:solidFill>
+                <a:effectLst/>
+                <a:latin typeface="Open Sans"/>
+              </a:rPr>
+              <a:t> </a:t>
+            </a:r>
+            <a:r>
+              <a:rPr lang="it-IT" b="1" i="0" dirty="0" err="1">
+                <a:solidFill>
+                  <a:srgbClr val="333333"/>
+                </a:solidFill>
+                <a:effectLst/>
+                <a:latin typeface="Open Sans"/>
+              </a:rPr>
+              <a:t>impulses</a:t>
+            </a:r>
+            <a:r>
+              <a:rPr lang="it-IT" b="1" i="0" dirty="0">
+                <a:solidFill>
+                  <a:srgbClr val="333333"/>
+                </a:solidFill>
+                <a:effectLst/>
+                <a:latin typeface="Open Sans"/>
+              </a:rPr>
+              <a:t>.</a:t>
+            </a:r>
+            <a:r>
+              <a:rPr lang="it-IT" b="0" i="0" dirty="0">
+                <a:solidFill>
+                  <a:srgbClr val="333333"/>
+                </a:solidFill>
+                <a:effectLst/>
+                <a:latin typeface="Open Sans"/>
+              </a:rPr>
+              <a:t> Nel secondo esperimento la montatura di Bob è stata presa a martella con frequenza intorno ai 5 Hz. In questi 3 grafici abbiamo le fluttuazioni </a:t>
+            </a:r>
+            <a:r>
+              <a:rPr lang="it-IT" b="0" i="0" dirty="0" err="1">
+                <a:solidFill>
+                  <a:srgbClr val="333333"/>
+                </a:solidFill>
+                <a:effectLst/>
+                <a:latin typeface="Open Sans"/>
+              </a:rPr>
+              <a:t>xy</a:t>
+            </a:r>
+            <a:r>
+              <a:rPr lang="it-IT" b="0" i="0" dirty="0">
+                <a:solidFill>
+                  <a:srgbClr val="333333"/>
+                </a:solidFill>
+                <a:effectLst/>
+                <a:latin typeface="Open Sans"/>
+              </a:rPr>
+              <a:t> prese dal PAT </a:t>
+            </a:r>
+            <a:r>
+              <a:rPr lang="it-IT" b="0" i="0" dirty="0" err="1">
+                <a:solidFill>
+                  <a:srgbClr val="333333"/>
+                </a:solidFill>
+                <a:effectLst/>
+                <a:latin typeface="Open Sans"/>
+              </a:rPr>
+              <a:t>coarse</a:t>
+            </a:r>
+            <a:r>
+              <a:rPr lang="it-IT" b="0" i="0" dirty="0">
+                <a:solidFill>
+                  <a:srgbClr val="333333"/>
+                </a:solidFill>
+                <a:effectLst/>
+                <a:latin typeface="Open Sans"/>
+              </a:rPr>
+              <a:t> di Alice, di Bob e del PAT fine di Bob. Le zona gialla rappresenta la perturbazione. Quello che si può leggere dai primi due grafici è che nonostante martellassimo sulla montatura e quindi la spostassimo, i due PAT </a:t>
+            </a:r>
+            <a:r>
+              <a:rPr lang="it-IT" b="0" i="0" dirty="0" err="1">
+                <a:solidFill>
+                  <a:srgbClr val="333333"/>
+                </a:solidFill>
+                <a:effectLst/>
+                <a:latin typeface="Open Sans"/>
+              </a:rPr>
+              <a:t>coarse</a:t>
+            </a:r>
+            <a:r>
+              <a:rPr lang="it-IT" b="0" i="0" dirty="0">
+                <a:solidFill>
+                  <a:srgbClr val="333333"/>
+                </a:solidFill>
+                <a:effectLst/>
+                <a:latin typeface="Open Sans"/>
+              </a:rPr>
+              <a:t> hanno compensato il </a:t>
+            </a:r>
+            <a:r>
+              <a:rPr lang="it-IT" b="0" i="0" dirty="0" err="1">
+                <a:solidFill>
+                  <a:srgbClr val="333333"/>
+                </a:solidFill>
+                <a:effectLst/>
+                <a:latin typeface="Open Sans"/>
+              </a:rPr>
+              <a:t>drift</a:t>
+            </a:r>
+            <a:r>
+              <a:rPr lang="it-IT" b="0" i="0" dirty="0">
+                <a:solidFill>
+                  <a:srgbClr val="333333"/>
+                </a:solidFill>
+                <a:effectLst/>
+                <a:latin typeface="Open Sans"/>
+              </a:rPr>
+              <a:t>. Facendo questo hanno dato la possibilità al fine di mantenere lo spot nel suo sensore. Nel terzo grafico vediamo una linea nera che rappresenta quando il controllore fine è acceso o quando è spento. Nel primo segmento vediamo che il controllore è acceso e il fine attenua le fluttuazioni. Nel secondo segmento vediamo come sono le fluttuazioni quando il controllore è spento.</a:t>
+            </a:r>
+          </a:p>
+          <a:p>
+            <a:pPr algn="l"/>
+            <a:r>
+              <a:rPr lang="it-IT" b="0" i="0" dirty="0">
+                <a:solidFill>
+                  <a:srgbClr val="333333"/>
+                </a:solidFill>
+                <a:effectLst/>
+                <a:latin typeface="Open Sans"/>
+              </a:rPr>
+              <a:t>Da questo esperimento deduciamo che il sistema è resistente anche a sollecitazioni più pesanti di quelle che possono capitare tipicamente nella realtà.</a:t>
+            </a:r>
+          </a:p>
+          <a:p>
+            <a:endParaRPr lang="en-US" dirty="0"/>
+          </a:p>
+        </p:txBody>
+      </p:sp>
+      <p:sp>
+        <p:nvSpPr>
+          <p:cNvPr id="4" name="Segnaposto numero diapositiva 3"/>
+          <p:cNvSpPr>
+            <a:spLocks noGrp="1"/>
+          </p:cNvSpPr>
+          <p:nvPr>
+            <p:ph type="sldNum" sz="quarter" idx="5"/>
+          </p:nvPr>
+        </p:nvSpPr>
+        <p:spPr/>
+        <p:txBody>
+          <a:bodyPr/>
+          <a:lstStyle/>
+          <a:p>
+            <a:fld id="{646EDAD7-04BA-4250-B847-25272EB49033}" type="slidenum">
+              <a:rPr lang="en-US" smtClean="0"/>
+              <a:t>11</a:t>
+            </a:fld>
+            <a:endParaRPr lang="en-US"/>
+          </a:p>
+        </p:txBody>
+      </p:sp>
+    </p:spTree>
+    <p:extLst>
+      <p:ext uri="{BB962C8B-B14F-4D97-AF65-F5344CB8AC3E}">
+        <p14:creationId xmlns:p14="http://schemas.microsoft.com/office/powerpoint/2010/main" val="3261940653"/>
+      </p:ext>
+    </p:extLst>
+  </p:cSld>
+  <p:clrMapOvr>
+    <a:masterClrMapping/>
+  </p:clrMapOvr>
+</p:notes>
+</file>
+
+<file path=ppt/notesSlides/notesSlide12.xml><?xml version="1.0" encoding="utf-8"?>
+<p:notes xmlns:a="http://schemas.openxmlformats.org/drawingml/2006/main" xmlns:r="http://schemas.openxmlformats.org/officeDocument/2006/relationships" xmlns:p="http://schemas.openxmlformats.org/presentationml/2006/main">
+  <p:cSld>
+    <p:spTree>
+      <p:nvGrpSpPr>
+        <p:cNvPr id="1" name=""/>
+        <p:cNvGrpSpPr/>
+        <p:nvPr/>
+      </p:nvGrpSpPr>
+      <p:grpSpPr>
+        <a:xfrm>
+          <a:off x="0" y="0"/>
+          <a:ext cx="0" cy="0"/>
+          <a:chOff x="0" y="0"/>
+          <a:chExt cx="0" cy="0"/>
+        </a:xfrm>
+      </p:grpSpPr>
+      <p:sp>
+        <p:nvSpPr>
+          <p:cNvPr id="2" name="Segnaposto immagine diapositiva 1"/>
+          <p:cNvSpPr>
+            <a:spLocks noGrp="1" noRot="1" noChangeAspect="1"/>
+          </p:cNvSpPr>
+          <p:nvPr>
+            <p:ph type="sldImg"/>
+          </p:nvPr>
+        </p:nvSpPr>
+        <p:spPr/>
+      </p:sp>
+      <p:sp>
+        <p:nvSpPr>
+          <p:cNvPr id="3" name="Segnaposto note 2"/>
+          <p:cNvSpPr>
+            <a:spLocks noGrp="1"/>
+          </p:cNvSpPr>
+          <p:nvPr>
+            <p:ph type="body" idx="1"/>
+          </p:nvPr>
+        </p:nvSpPr>
+        <p:spPr/>
+        <p:txBody>
+          <a:bodyPr/>
+          <a:lstStyle/>
+          <a:p>
+            <a:pPr algn="l"/>
+            <a:r>
+              <a:rPr lang="it-IT" b="1" i="0" dirty="0" err="1">
+                <a:solidFill>
+                  <a:srgbClr val="333333"/>
+                </a:solidFill>
+                <a:effectLst/>
+                <a:latin typeface="Open Sans"/>
+              </a:rPr>
+              <a:t>Conclusions</a:t>
+            </a:r>
+            <a:r>
+              <a:rPr lang="it-IT" b="1" i="0" dirty="0">
+                <a:solidFill>
+                  <a:srgbClr val="333333"/>
+                </a:solidFill>
+                <a:effectLst/>
+                <a:latin typeface="Open Sans"/>
+              </a:rPr>
+              <a:t>.</a:t>
+            </a:r>
+            <a:r>
+              <a:rPr lang="it-IT" b="0" i="0" dirty="0">
+                <a:solidFill>
+                  <a:srgbClr val="333333"/>
+                </a:solidFill>
+                <a:effectLst/>
+                <a:latin typeface="Open Sans"/>
+              </a:rPr>
+              <a:t> Voglio concludere dicendo che:</a:t>
+            </a:r>
+          </a:p>
+          <a:p>
+            <a:pPr algn="l">
+              <a:buFont typeface="Arial" panose="020B0604020202020204" pitchFamily="34" charset="0"/>
+              <a:buChar char="•"/>
+            </a:pPr>
+            <a:r>
+              <a:rPr lang="it-IT" b="0" i="0" dirty="0">
+                <a:solidFill>
+                  <a:srgbClr val="333333"/>
+                </a:solidFill>
+                <a:effectLst/>
+                <a:latin typeface="Open Sans"/>
+              </a:rPr>
+              <a:t>è stato realizzato un nuovo standard per realizzare i progetti all'interno del gruppo quantum future. Questo standard è utilizzato non solo per il software del PAT ma anche per l'altro software realizzato dal gruppo.</a:t>
+            </a:r>
+          </a:p>
+          <a:p>
+            <a:pPr algn="l">
+              <a:buFont typeface="Arial" panose="020B0604020202020204" pitchFamily="34" charset="0"/>
+              <a:buChar char="•"/>
+            </a:pPr>
+            <a:r>
+              <a:rPr lang="it-IT" b="0" i="0" dirty="0">
+                <a:solidFill>
+                  <a:srgbClr val="333333"/>
+                </a:solidFill>
+                <a:effectLst/>
+                <a:latin typeface="Open Sans"/>
+              </a:rPr>
+              <a:t>è stato realizzato un nuovo software per il sistema PAT. Questo software non ha l'obiettivo di ottimizzare le prestazioni ma bensì di creare una piattaforma modulare da poter espandere.</a:t>
+            </a:r>
+          </a:p>
+          <a:p>
+            <a:pPr algn="l">
+              <a:buFont typeface="Arial" panose="020B0604020202020204" pitchFamily="34" charset="0"/>
+              <a:buChar char="•"/>
+            </a:pPr>
+            <a:r>
+              <a:rPr lang="it-IT" b="0" i="0" dirty="0">
+                <a:solidFill>
+                  <a:srgbClr val="333333"/>
+                </a:solidFill>
+                <a:effectLst/>
+                <a:latin typeface="Open Sans"/>
+              </a:rPr>
+              <a:t>il software e le varie componenti fisiche sono quindi state testate per garantire che quello che noi ci aspettassimo su carta fosse davvero quello che accadesse nella realtà, è così e stato. Risultato non scontato.</a:t>
+            </a:r>
+          </a:p>
+          <a:p>
+            <a:endParaRPr lang="en-US" dirty="0"/>
+          </a:p>
+        </p:txBody>
+      </p:sp>
+      <p:sp>
+        <p:nvSpPr>
+          <p:cNvPr id="4" name="Segnaposto numero diapositiva 3"/>
+          <p:cNvSpPr>
+            <a:spLocks noGrp="1"/>
+          </p:cNvSpPr>
+          <p:nvPr>
+            <p:ph type="sldNum" sz="quarter" idx="5"/>
+          </p:nvPr>
+        </p:nvSpPr>
+        <p:spPr/>
+        <p:txBody>
+          <a:bodyPr/>
+          <a:lstStyle/>
+          <a:p>
+            <a:fld id="{646EDAD7-04BA-4250-B847-25272EB49033}" type="slidenum">
+              <a:rPr lang="en-US" smtClean="0"/>
+              <a:t>12</a:t>
+            </a:fld>
+            <a:endParaRPr lang="en-US"/>
+          </a:p>
+        </p:txBody>
+      </p:sp>
+    </p:spTree>
+    <p:extLst>
+      <p:ext uri="{BB962C8B-B14F-4D97-AF65-F5344CB8AC3E}">
+        <p14:creationId xmlns:p14="http://schemas.microsoft.com/office/powerpoint/2010/main" val="499446178"/>
+      </p:ext>
+    </p:extLst>
+  </p:cSld>
+  <p:clrMapOvr>
+    <a:masterClrMapping/>
+  </p:clrMapOvr>
+</p:notes>
+</file>
+
+<file path=ppt/notesSlides/notesSlide13.xml><?xml version="1.0" encoding="utf-8"?>
+<p:notes xmlns:a="http://schemas.openxmlformats.org/drawingml/2006/main" xmlns:r="http://schemas.openxmlformats.org/officeDocument/2006/relationships" xmlns:p="http://schemas.openxmlformats.org/presentationml/2006/main">
+  <p:cSld>
+    <p:spTree>
+      <p:nvGrpSpPr>
+        <p:cNvPr id="1" name=""/>
+        <p:cNvGrpSpPr/>
+        <p:nvPr/>
+      </p:nvGrpSpPr>
+      <p:grpSpPr>
+        <a:xfrm>
+          <a:off x="0" y="0"/>
+          <a:ext cx="0" cy="0"/>
+          <a:chOff x="0" y="0"/>
+          <a:chExt cx="0" cy="0"/>
+        </a:xfrm>
+      </p:grpSpPr>
+      <p:sp>
+        <p:nvSpPr>
+          <p:cNvPr id="2" name="Segnaposto immagine diapositiva 1"/>
+          <p:cNvSpPr>
+            <a:spLocks noGrp="1" noRot="1" noChangeAspect="1"/>
+          </p:cNvSpPr>
+          <p:nvPr>
+            <p:ph type="sldImg"/>
+          </p:nvPr>
+        </p:nvSpPr>
+        <p:spPr/>
+      </p:sp>
+      <p:sp>
+        <p:nvSpPr>
+          <p:cNvPr id="3" name="Segnaposto note 2"/>
+          <p:cNvSpPr>
+            <a:spLocks noGrp="1"/>
+          </p:cNvSpPr>
+          <p:nvPr>
+            <p:ph type="body" idx="1"/>
+          </p:nvPr>
+        </p:nvSpPr>
+        <p:spPr/>
+        <p:txBody>
+          <a:bodyPr/>
+          <a:lstStyle/>
+          <a:p>
+            <a:r>
+              <a:rPr lang="it-IT" b="1" i="0" dirty="0">
+                <a:solidFill>
+                  <a:srgbClr val="333333"/>
+                </a:solidFill>
+                <a:effectLst/>
+                <a:latin typeface="Open Sans"/>
+              </a:rPr>
+              <a:t>Q&amp;A.</a:t>
+            </a:r>
+            <a:r>
+              <a:rPr lang="it-IT" b="0" i="0" dirty="0">
+                <a:solidFill>
+                  <a:srgbClr val="333333"/>
+                </a:solidFill>
+                <a:effectLst/>
+                <a:latin typeface="Open Sans"/>
+              </a:rPr>
+              <a:t> Grazie per l'attenzione, se ci sono domande?</a:t>
+            </a:r>
+            <a:endParaRPr lang="en-US" dirty="0"/>
+          </a:p>
+        </p:txBody>
+      </p:sp>
+      <p:sp>
+        <p:nvSpPr>
+          <p:cNvPr id="4" name="Segnaposto numero diapositiva 3"/>
+          <p:cNvSpPr>
+            <a:spLocks noGrp="1"/>
+          </p:cNvSpPr>
+          <p:nvPr>
+            <p:ph type="sldNum" sz="quarter" idx="5"/>
+          </p:nvPr>
+        </p:nvSpPr>
+        <p:spPr/>
+        <p:txBody>
+          <a:bodyPr/>
+          <a:lstStyle/>
+          <a:p>
+            <a:fld id="{646EDAD7-04BA-4250-B847-25272EB49033}" type="slidenum">
+              <a:rPr lang="en-US" smtClean="0"/>
+              <a:t>13</a:t>
+            </a:fld>
+            <a:endParaRPr lang="en-US"/>
+          </a:p>
+        </p:txBody>
+      </p:sp>
+    </p:spTree>
+    <p:extLst>
+      <p:ext uri="{BB962C8B-B14F-4D97-AF65-F5344CB8AC3E}">
+        <p14:creationId xmlns:p14="http://schemas.microsoft.com/office/powerpoint/2010/main" val="803406074"/>
+      </p:ext>
+    </p:extLst>
+  </p:cSld>
+  <p:clrMapOvr>
+    <a:masterClrMapping/>
+  </p:clrMapOvr>
+</p:notes>
+</file>
+
+<file path=ppt/notesSlides/notesSlide2.xml><?xml version="1.0" encoding="utf-8"?>
+<p:notes xmlns:a="http://schemas.openxmlformats.org/drawingml/2006/main" xmlns:r="http://schemas.openxmlformats.org/officeDocument/2006/relationships" xmlns:p="http://schemas.openxmlformats.org/presentationml/2006/main">
+  <p:cSld>
+    <p:spTree>
+      <p:nvGrpSpPr>
+        <p:cNvPr id="1" name=""/>
+        <p:cNvGrpSpPr/>
+        <p:nvPr/>
+      </p:nvGrpSpPr>
+      <p:grpSpPr>
+        <a:xfrm>
+          <a:off x="0" y="0"/>
+          <a:ext cx="0" cy="0"/>
+          <a:chOff x="0" y="0"/>
+          <a:chExt cx="0" cy="0"/>
+        </a:xfrm>
+      </p:grpSpPr>
+      <p:sp>
+        <p:nvSpPr>
+          <p:cNvPr id="2" name="Segnaposto immagine diapositiva 1"/>
+          <p:cNvSpPr>
+            <a:spLocks noGrp="1" noRot="1" noChangeAspect="1"/>
+          </p:cNvSpPr>
+          <p:nvPr>
+            <p:ph type="sldImg"/>
+          </p:nvPr>
+        </p:nvSpPr>
+        <p:spPr/>
+      </p:sp>
+      <p:sp>
+        <p:nvSpPr>
+          <p:cNvPr id="3" name="Segnaposto note 2"/>
+          <p:cNvSpPr>
+            <a:spLocks noGrp="1"/>
+          </p:cNvSpPr>
+          <p:nvPr>
+            <p:ph type="body" idx="1"/>
+          </p:nvPr>
+        </p:nvSpPr>
+        <p:spPr/>
+        <p:txBody>
+          <a:bodyPr/>
+          <a:lstStyle/>
+          <a:p>
+            <a:r>
+              <a:rPr lang="it-IT" b="1" i="0" dirty="0">
+                <a:solidFill>
+                  <a:srgbClr val="333333"/>
+                </a:solidFill>
+                <a:effectLst/>
+                <a:latin typeface="Open Sans"/>
+              </a:rPr>
+              <a:t>QKD.</a:t>
+            </a:r>
+            <a:r>
+              <a:rPr lang="it-IT" b="0" i="0" dirty="0">
+                <a:solidFill>
+                  <a:srgbClr val="333333"/>
+                </a:solidFill>
+                <a:effectLst/>
+                <a:latin typeface="Open Sans"/>
+              </a:rPr>
+              <a:t> La QKD è una branchia della comunicazione quantistica e che permette a due utenti, tipicamente chiamati Alice e Bob, di generare una chiave segreta casuale. Questa chiave verrà poi usata per cifrare la comunicazione tra i due. La QKD avviene tipicamente attraverso lo scambio di fotoni tra due telescopi. Per avere la QKD bisogna quindi che i due telescopi siano allineati ecco perché è necessario un sistema di allineamento.</a:t>
+            </a:r>
+            <a:endParaRPr lang="en-US" dirty="0"/>
+          </a:p>
+        </p:txBody>
+      </p:sp>
+      <p:sp>
+        <p:nvSpPr>
+          <p:cNvPr id="4" name="Segnaposto numero diapositiva 3"/>
+          <p:cNvSpPr>
+            <a:spLocks noGrp="1"/>
+          </p:cNvSpPr>
+          <p:nvPr>
+            <p:ph type="sldNum" sz="quarter" idx="5"/>
+          </p:nvPr>
+        </p:nvSpPr>
+        <p:spPr/>
+        <p:txBody>
+          <a:bodyPr/>
+          <a:lstStyle/>
+          <a:p>
+            <a:fld id="{646EDAD7-04BA-4250-B847-25272EB49033}" type="slidenum">
+              <a:rPr lang="en-US" smtClean="0"/>
+              <a:t>2</a:t>
+            </a:fld>
+            <a:endParaRPr lang="en-US"/>
+          </a:p>
+        </p:txBody>
+      </p:sp>
+    </p:spTree>
+    <p:extLst>
+      <p:ext uri="{BB962C8B-B14F-4D97-AF65-F5344CB8AC3E}">
+        <p14:creationId xmlns:p14="http://schemas.microsoft.com/office/powerpoint/2010/main" val="2003857000"/>
+      </p:ext>
+    </p:extLst>
+  </p:cSld>
+  <p:clrMapOvr>
+    <a:masterClrMapping/>
+  </p:clrMapOvr>
+</p:notes>
+</file>
+
+<file path=ppt/notesSlides/notesSlide3.xml><?xml version="1.0" encoding="utf-8"?>
+<p:notes xmlns:a="http://schemas.openxmlformats.org/drawingml/2006/main" xmlns:r="http://schemas.openxmlformats.org/officeDocument/2006/relationships" xmlns:p="http://schemas.openxmlformats.org/presentationml/2006/main">
+  <p:cSld>
+    <p:spTree>
+      <p:nvGrpSpPr>
+        <p:cNvPr id="1" name=""/>
+        <p:cNvGrpSpPr/>
+        <p:nvPr/>
+      </p:nvGrpSpPr>
+      <p:grpSpPr>
+        <a:xfrm>
+          <a:off x="0" y="0"/>
+          <a:ext cx="0" cy="0"/>
+          <a:chOff x="0" y="0"/>
+          <a:chExt cx="0" cy="0"/>
+        </a:xfrm>
+      </p:grpSpPr>
+      <p:sp>
+        <p:nvSpPr>
+          <p:cNvPr id="2" name="Segnaposto immagine diapositiva 1"/>
+          <p:cNvSpPr>
+            <a:spLocks noGrp="1" noRot="1" noChangeAspect="1"/>
+          </p:cNvSpPr>
+          <p:nvPr>
+            <p:ph type="sldImg"/>
+          </p:nvPr>
+        </p:nvSpPr>
+        <p:spPr/>
+      </p:sp>
+      <p:sp>
+        <p:nvSpPr>
+          <p:cNvPr id="3" name="Segnaposto note 2"/>
+          <p:cNvSpPr>
+            <a:spLocks noGrp="1"/>
+          </p:cNvSpPr>
+          <p:nvPr>
+            <p:ph type="body" idx="1"/>
+          </p:nvPr>
+        </p:nvSpPr>
+        <p:spPr/>
+        <p:txBody>
+          <a:bodyPr/>
+          <a:lstStyle/>
+          <a:p>
+            <a:pPr algn="l"/>
+            <a:r>
+              <a:rPr lang="it-IT" b="1" i="0" dirty="0">
+                <a:solidFill>
+                  <a:srgbClr val="333333"/>
+                </a:solidFill>
+                <a:effectLst/>
+                <a:latin typeface="Open Sans"/>
+              </a:rPr>
+              <a:t>PAT.</a:t>
+            </a:r>
+            <a:r>
+              <a:rPr lang="it-IT" b="0" i="0" dirty="0">
+                <a:solidFill>
+                  <a:srgbClr val="333333"/>
+                </a:solidFill>
+                <a:effectLst/>
+                <a:latin typeface="Open Sans"/>
+              </a:rPr>
+              <a:t> Il sistema di allineamento tra due telescopi viene tipicamente chiamato </a:t>
+            </a:r>
+            <a:r>
+              <a:rPr lang="it-IT" b="0" i="0" dirty="0" err="1">
+                <a:solidFill>
+                  <a:srgbClr val="333333"/>
+                </a:solidFill>
+                <a:effectLst/>
+                <a:latin typeface="Open Sans"/>
+              </a:rPr>
+              <a:t>Pointing</a:t>
+            </a:r>
+            <a:r>
+              <a:rPr lang="it-IT" b="0" i="0" dirty="0">
+                <a:solidFill>
+                  <a:srgbClr val="333333"/>
+                </a:solidFill>
+                <a:effectLst/>
+                <a:latin typeface="Open Sans"/>
+              </a:rPr>
+              <a:t> </a:t>
+            </a:r>
+            <a:r>
+              <a:rPr lang="it-IT" b="0" i="0" dirty="0" err="1">
+                <a:solidFill>
+                  <a:srgbClr val="333333"/>
+                </a:solidFill>
+                <a:effectLst/>
+                <a:latin typeface="Open Sans"/>
+              </a:rPr>
+              <a:t>Acquisition</a:t>
+            </a:r>
+            <a:r>
+              <a:rPr lang="it-IT" b="0" i="0" dirty="0">
+                <a:solidFill>
+                  <a:srgbClr val="333333"/>
+                </a:solidFill>
+                <a:effectLst/>
+                <a:latin typeface="Open Sans"/>
+              </a:rPr>
+              <a:t> Tracking system o più semplicemente PAT. Il sistema PAT è modellabile con un circuito in retroazione dove le componenti principali controller, </a:t>
+            </a:r>
+            <a:r>
+              <a:rPr lang="it-IT" b="0" i="0" dirty="0" err="1">
+                <a:solidFill>
+                  <a:srgbClr val="333333"/>
+                </a:solidFill>
+                <a:effectLst/>
+                <a:latin typeface="Open Sans"/>
+              </a:rPr>
+              <a:t>actuator</a:t>
+            </a:r>
+            <a:r>
+              <a:rPr lang="it-IT" b="0" i="0" dirty="0">
+                <a:solidFill>
+                  <a:srgbClr val="333333"/>
+                </a:solidFill>
+                <a:effectLst/>
+                <a:latin typeface="Open Sans"/>
+              </a:rPr>
+              <a:t>, e </a:t>
+            </a:r>
+            <a:r>
+              <a:rPr lang="it-IT" b="0" i="0" dirty="0" err="1">
+                <a:solidFill>
+                  <a:srgbClr val="333333"/>
+                </a:solidFill>
+                <a:effectLst/>
+                <a:latin typeface="Open Sans"/>
+              </a:rPr>
+              <a:t>sensor</a:t>
+            </a:r>
+            <a:r>
+              <a:rPr lang="it-IT" b="0" i="0" dirty="0">
+                <a:solidFill>
+                  <a:srgbClr val="333333"/>
+                </a:solidFill>
+                <a:effectLst/>
+                <a:latin typeface="Open Sans"/>
+              </a:rPr>
+              <a:t> possono cambiare a seconda delle varie implementazioni.</a:t>
+            </a:r>
+          </a:p>
+        </p:txBody>
+      </p:sp>
+      <p:sp>
+        <p:nvSpPr>
+          <p:cNvPr id="4" name="Segnaposto numero diapositiva 3"/>
+          <p:cNvSpPr>
+            <a:spLocks noGrp="1"/>
+          </p:cNvSpPr>
+          <p:nvPr>
+            <p:ph type="sldNum" sz="quarter" idx="5"/>
+          </p:nvPr>
+        </p:nvSpPr>
+        <p:spPr/>
+        <p:txBody>
+          <a:bodyPr/>
+          <a:lstStyle/>
+          <a:p>
+            <a:fld id="{646EDAD7-04BA-4250-B847-25272EB49033}" type="slidenum">
+              <a:rPr lang="en-US" smtClean="0"/>
+              <a:t>3</a:t>
+            </a:fld>
+            <a:endParaRPr lang="en-US"/>
+          </a:p>
+        </p:txBody>
+      </p:sp>
+    </p:spTree>
+    <p:extLst>
+      <p:ext uri="{BB962C8B-B14F-4D97-AF65-F5344CB8AC3E}">
+        <p14:creationId xmlns:p14="http://schemas.microsoft.com/office/powerpoint/2010/main" val="1452820619"/>
+      </p:ext>
+    </p:extLst>
+  </p:cSld>
+  <p:clrMapOvr>
+    <a:masterClrMapping/>
+  </p:clrMapOvr>
+</p:notes>
+</file>
+
+<file path=ppt/notesSlides/notesSlide4.xml><?xml version="1.0" encoding="utf-8"?>
+<p:notes xmlns:a="http://schemas.openxmlformats.org/drawingml/2006/main" xmlns:r="http://schemas.openxmlformats.org/officeDocument/2006/relationships" xmlns:p="http://schemas.openxmlformats.org/presentationml/2006/main">
+  <p:cSld>
+    <p:spTree>
+      <p:nvGrpSpPr>
+        <p:cNvPr id="1" name=""/>
+        <p:cNvGrpSpPr/>
+        <p:nvPr/>
+      </p:nvGrpSpPr>
+      <p:grpSpPr>
+        <a:xfrm>
+          <a:off x="0" y="0"/>
+          <a:ext cx="0" cy="0"/>
+          <a:chOff x="0" y="0"/>
+          <a:chExt cx="0" cy="0"/>
+        </a:xfrm>
+      </p:grpSpPr>
+      <p:sp>
+        <p:nvSpPr>
+          <p:cNvPr id="2" name="Segnaposto immagine diapositiva 1"/>
+          <p:cNvSpPr>
+            <a:spLocks noGrp="1" noRot="1" noChangeAspect="1"/>
+          </p:cNvSpPr>
+          <p:nvPr>
+            <p:ph type="sldImg"/>
+          </p:nvPr>
+        </p:nvSpPr>
+        <p:spPr/>
+      </p:sp>
+      <p:sp>
+        <p:nvSpPr>
+          <p:cNvPr id="3" name="Segnaposto note 2"/>
+          <p:cNvSpPr>
+            <a:spLocks noGrp="1"/>
+          </p:cNvSpPr>
+          <p:nvPr>
+            <p:ph type="body" idx="1"/>
+          </p:nvPr>
+        </p:nvSpPr>
+        <p:spPr/>
+        <p:txBody>
+          <a:bodyPr/>
+          <a:lstStyle/>
+          <a:p>
+            <a:r>
+              <a:rPr lang="it-IT" b="1" i="0" dirty="0">
+                <a:solidFill>
+                  <a:srgbClr val="333333"/>
+                </a:solidFill>
+                <a:effectLst/>
+                <a:latin typeface="Open Sans"/>
+              </a:rPr>
+              <a:t>PAT fine and </a:t>
+            </a:r>
+            <a:r>
+              <a:rPr lang="it-IT" b="1" i="0" dirty="0" err="1">
+                <a:solidFill>
+                  <a:srgbClr val="333333"/>
+                </a:solidFill>
+                <a:effectLst/>
+                <a:latin typeface="Open Sans"/>
+              </a:rPr>
+              <a:t>coarse</a:t>
+            </a:r>
+            <a:r>
+              <a:rPr lang="it-IT" b="1" i="0" dirty="0">
+                <a:solidFill>
+                  <a:srgbClr val="333333"/>
+                </a:solidFill>
+                <a:effectLst/>
+                <a:latin typeface="Open Sans"/>
+              </a:rPr>
+              <a:t> 1.</a:t>
+            </a:r>
+            <a:r>
+              <a:rPr lang="it-IT" b="0" i="0" dirty="0">
+                <a:solidFill>
+                  <a:srgbClr val="333333"/>
+                </a:solidFill>
+                <a:effectLst/>
+                <a:latin typeface="Open Sans"/>
+              </a:rPr>
+              <a:t> Il sistema che ho realizzato ha due livelli di precisione: quella fine che compensa le fluttuazioni ad alta frequenza generate delle turbolenze dell'atmosfera attraverso uno specchio mobile chiamato FSM; e quella </a:t>
+            </a:r>
+            <a:r>
+              <a:rPr lang="it-IT" b="0" i="0" dirty="0" err="1">
+                <a:solidFill>
+                  <a:srgbClr val="333333"/>
+                </a:solidFill>
+                <a:effectLst/>
+                <a:latin typeface="Open Sans"/>
+              </a:rPr>
+              <a:t>coarse</a:t>
+            </a:r>
+            <a:r>
+              <a:rPr lang="it-IT" b="0" i="0" dirty="0">
+                <a:solidFill>
+                  <a:srgbClr val="333333"/>
+                </a:solidFill>
+                <a:effectLst/>
+                <a:latin typeface="Open Sans"/>
+              </a:rPr>
+              <a:t> che fa puntare le due montature e protegge l'allineamento da eventuali colpi esterni.</a:t>
+            </a:r>
+            <a:endParaRPr lang="en-US" dirty="0"/>
+          </a:p>
+        </p:txBody>
+      </p:sp>
+      <p:sp>
+        <p:nvSpPr>
+          <p:cNvPr id="4" name="Segnaposto numero diapositiva 3"/>
+          <p:cNvSpPr>
+            <a:spLocks noGrp="1"/>
+          </p:cNvSpPr>
+          <p:nvPr>
+            <p:ph type="sldNum" sz="quarter" idx="5"/>
+          </p:nvPr>
+        </p:nvSpPr>
+        <p:spPr/>
+        <p:txBody>
+          <a:bodyPr/>
+          <a:lstStyle/>
+          <a:p>
+            <a:fld id="{646EDAD7-04BA-4250-B847-25272EB49033}" type="slidenum">
+              <a:rPr lang="en-US" smtClean="0"/>
+              <a:t>4</a:t>
+            </a:fld>
+            <a:endParaRPr lang="en-US"/>
+          </a:p>
+        </p:txBody>
+      </p:sp>
+    </p:spTree>
+    <p:extLst>
+      <p:ext uri="{BB962C8B-B14F-4D97-AF65-F5344CB8AC3E}">
+        <p14:creationId xmlns:p14="http://schemas.microsoft.com/office/powerpoint/2010/main" val="3934499133"/>
+      </p:ext>
+    </p:extLst>
+  </p:cSld>
+  <p:clrMapOvr>
+    <a:masterClrMapping/>
+  </p:clrMapOvr>
+</p:notes>
+</file>
+
+<file path=ppt/notesSlides/notesSlide5.xml><?xml version="1.0" encoding="utf-8"?>
+<p:notes xmlns:a="http://schemas.openxmlformats.org/drawingml/2006/main" xmlns:r="http://schemas.openxmlformats.org/officeDocument/2006/relationships" xmlns:p="http://schemas.openxmlformats.org/presentationml/2006/main">
+  <p:cSld>
+    <p:spTree>
+      <p:nvGrpSpPr>
+        <p:cNvPr id="1" name=""/>
+        <p:cNvGrpSpPr/>
+        <p:nvPr/>
+      </p:nvGrpSpPr>
+      <p:grpSpPr>
+        <a:xfrm>
+          <a:off x="0" y="0"/>
+          <a:ext cx="0" cy="0"/>
+          <a:chOff x="0" y="0"/>
+          <a:chExt cx="0" cy="0"/>
+        </a:xfrm>
+      </p:grpSpPr>
+      <p:sp>
+        <p:nvSpPr>
+          <p:cNvPr id="2" name="Segnaposto immagine diapositiva 1"/>
+          <p:cNvSpPr>
+            <a:spLocks noGrp="1" noRot="1" noChangeAspect="1"/>
+          </p:cNvSpPr>
+          <p:nvPr>
+            <p:ph type="sldImg"/>
+          </p:nvPr>
+        </p:nvSpPr>
+        <p:spPr/>
+      </p:sp>
+      <p:sp>
+        <p:nvSpPr>
+          <p:cNvPr id="3" name="Segnaposto note 2"/>
+          <p:cNvSpPr>
+            <a:spLocks noGrp="1"/>
+          </p:cNvSpPr>
+          <p:nvPr>
+            <p:ph type="body" idx="1"/>
+          </p:nvPr>
+        </p:nvSpPr>
+        <p:spPr/>
+        <p:txBody>
+          <a:bodyPr/>
+          <a:lstStyle/>
+          <a:p>
+            <a:r>
+              <a:rPr lang="it-IT" b="1" i="0" dirty="0">
+                <a:solidFill>
+                  <a:srgbClr val="333333"/>
+                </a:solidFill>
+                <a:effectLst/>
+                <a:latin typeface="Open Sans"/>
+              </a:rPr>
+              <a:t>PAT fine and </a:t>
+            </a:r>
+            <a:r>
+              <a:rPr lang="it-IT" b="1" i="0" dirty="0" err="1">
+                <a:solidFill>
+                  <a:srgbClr val="333333"/>
+                </a:solidFill>
+                <a:effectLst/>
+                <a:latin typeface="Open Sans"/>
+              </a:rPr>
+              <a:t>coarse</a:t>
+            </a:r>
+            <a:r>
+              <a:rPr lang="it-IT" b="1" i="0" dirty="0">
+                <a:solidFill>
+                  <a:srgbClr val="333333"/>
+                </a:solidFill>
+                <a:effectLst/>
+                <a:latin typeface="Open Sans"/>
+              </a:rPr>
+              <a:t> 2.</a:t>
+            </a:r>
+            <a:r>
+              <a:rPr lang="it-IT" b="0" i="0" dirty="0">
+                <a:solidFill>
+                  <a:srgbClr val="333333"/>
+                </a:solidFill>
+                <a:effectLst/>
+                <a:latin typeface="Open Sans"/>
+              </a:rPr>
+              <a:t> Per il sistema fine due sono le combinazioni ottenibili a seconde se si scelga di utilizzare una camera o un PSD come sensore. Se si usa il PSD si può utilizzare il controllore integrato al KPA che è un controllore PID ad alte prestazioni. Se si usa la camera bisogna creare un controllore a computer. Quello creato da me si chiama One shot e compensa l'errore del sistema con una risposta lineare. Per il sistema </a:t>
+            </a:r>
+            <a:r>
+              <a:rPr lang="it-IT" b="0" i="0" dirty="0" err="1">
+                <a:solidFill>
+                  <a:srgbClr val="333333"/>
+                </a:solidFill>
+                <a:effectLst/>
+                <a:latin typeface="Open Sans"/>
+              </a:rPr>
+              <a:t>coarse</a:t>
+            </a:r>
+            <a:r>
+              <a:rPr lang="it-IT" b="0" i="0" dirty="0">
+                <a:solidFill>
+                  <a:srgbClr val="333333"/>
+                </a:solidFill>
+                <a:effectLst/>
+                <a:latin typeface="Open Sans"/>
+              </a:rPr>
+              <a:t> è disponibile solo il controllore One shot.</a:t>
+            </a:r>
+            <a:endParaRPr lang="en-US" dirty="0"/>
+          </a:p>
+        </p:txBody>
+      </p:sp>
+      <p:sp>
+        <p:nvSpPr>
+          <p:cNvPr id="4" name="Segnaposto numero diapositiva 3"/>
+          <p:cNvSpPr>
+            <a:spLocks noGrp="1"/>
+          </p:cNvSpPr>
+          <p:nvPr>
+            <p:ph type="sldNum" sz="quarter" idx="5"/>
+          </p:nvPr>
+        </p:nvSpPr>
+        <p:spPr/>
+        <p:txBody>
+          <a:bodyPr/>
+          <a:lstStyle/>
+          <a:p>
+            <a:fld id="{646EDAD7-04BA-4250-B847-25272EB49033}" type="slidenum">
+              <a:rPr lang="en-US" smtClean="0"/>
+              <a:t>5</a:t>
+            </a:fld>
+            <a:endParaRPr lang="en-US"/>
+          </a:p>
+        </p:txBody>
+      </p:sp>
+    </p:spTree>
+    <p:extLst>
+      <p:ext uri="{BB962C8B-B14F-4D97-AF65-F5344CB8AC3E}">
+        <p14:creationId xmlns:p14="http://schemas.microsoft.com/office/powerpoint/2010/main" val="259378836"/>
+      </p:ext>
+    </p:extLst>
+  </p:cSld>
+  <p:clrMapOvr>
+    <a:masterClrMapping/>
+  </p:clrMapOvr>
+</p:notes>
+</file>
+
+<file path=ppt/notesSlides/notesSlide6.xml><?xml version="1.0" encoding="utf-8"?>
+<p:notes xmlns:a="http://schemas.openxmlformats.org/drawingml/2006/main" xmlns:r="http://schemas.openxmlformats.org/officeDocument/2006/relationships" xmlns:p="http://schemas.openxmlformats.org/presentationml/2006/main">
+  <p:cSld>
+    <p:spTree>
+      <p:nvGrpSpPr>
+        <p:cNvPr id="1" name=""/>
+        <p:cNvGrpSpPr/>
+        <p:nvPr/>
+      </p:nvGrpSpPr>
+      <p:grpSpPr>
+        <a:xfrm>
+          <a:off x="0" y="0"/>
+          <a:ext cx="0" cy="0"/>
+          <a:chOff x="0" y="0"/>
+          <a:chExt cx="0" cy="0"/>
+        </a:xfrm>
+      </p:grpSpPr>
+      <p:sp>
+        <p:nvSpPr>
+          <p:cNvPr id="2" name="Segnaposto immagine diapositiva 1"/>
+          <p:cNvSpPr>
+            <a:spLocks noGrp="1" noRot="1" noChangeAspect="1"/>
+          </p:cNvSpPr>
+          <p:nvPr>
+            <p:ph type="sldImg"/>
+          </p:nvPr>
+        </p:nvSpPr>
+        <p:spPr/>
+      </p:sp>
+      <p:sp>
+        <p:nvSpPr>
+          <p:cNvPr id="3" name="Segnaposto note 2"/>
+          <p:cNvSpPr>
+            <a:spLocks noGrp="1"/>
+          </p:cNvSpPr>
+          <p:nvPr>
+            <p:ph type="body" idx="1"/>
+          </p:nvPr>
+        </p:nvSpPr>
+        <p:spPr/>
+        <p:txBody>
+          <a:bodyPr/>
+          <a:lstStyle/>
+          <a:p>
+            <a:r>
+              <a:rPr lang="it-IT" b="1" i="0" dirty="0">
+                <a:solidFill>
+                  <a:srgbClr val="333333"/>
+                </a:solidFill>
+                <a:effectLst/>
+                <a:latin typeface="Open Sans"/>
+              </a:rPr>
+              <a:t>UML PAT.</a:t>
+            </a:r>
+            <a:r>
+              <a:rPr lang="it-IT" b="0" i="0" dirty="0">
+                <a:solidFill>
+                  <a:srgbClr val="333333"/>
+                </a:solidFill>
+                <a:effectLst/>
+                <a:latin typeface="Open Sans"/>
+              </a:rPr>
+              <a:t> Quello che ho fatto nella mia tesi è stato quindi di realizzare un software per controllare tutte le varie combinazioni di PAT. Come si può vedere dall'immagine che rappresenta l'UML semplificato del PAT, esso è un sistema molto complesso e quindi necessita di un sistema di costruzione modulare più semplice possibile.</a:t>
+            </a:r>
+            <a:endParaRPr lang="en-US" dirty="0"/>
+          </a:p>
+        </p:txBody>
+      </p:sp>
+      <p:sp>
+        <p:nvSpPr>
+          <p:cNvPr id="4" name="Segnaposto numero diapositiva 3"/>
+          <p:cNvSpPr>
+            <a:spLocks noGrp="1"/>
+          </p:cNvSpPr>
+          <p:nvPr>
+            <p:ph type="sldNum" sz="quarter" idx="5"/>
+          </p:nvPr>
+        </p:nvSpPr>
+        <p:spPr/>
+        <p:txBody>
+          <a:bodyPr/>
+          <a:lstStyle/>
+          <a:p>
+            <a:fld id="{646EDAD7-04BA-4250-B847-25272EB49033}" type="slidenum">
+              <a:rPr lang="en-US" smtClean="0"/>
+              <a:t>6</a:t>
+            </a:fld>
+            <a:endParaRPr lang="en-US"/>
+          </a:p>
+        </p:txBody>
+      </p:sp>
+    </p:spTree>
+    <p:extLst>
+      <p:ext uri="{BB962C8B-B14F-4D97-AF65-F5344CB8AC3E}">
+        <p14:creationId xmlns:p14="http://schemas.microsoft.com/office/powerpoint/2010/main" val="480648163"/>
+      </p:ext>
+    </p:extLst>
+  </p:cSld>
+  <p:clrMapOvr>
+    <a:masterClrMapping/>
+  </p:clrMapOvr>
+</p:notes>
+</file>
+
+<file path=ppt/notesSlides/notesSlide7.xml><?xml version="1.0" encoding="utf-8"?>
+<p:notes xmlns:a="http://schemas.openxmlformats.org/drawingml/2006/main" xmlns:r="http://schemas.openxmlformats.org/officeDocument/2006/relationships" xmlns:p="http://schemas.openxmlformats.org/presentationml/2006/main">
+  <p:cSld>
+    <p:spTree>
+      <p:nvGrpSpPr>
+        <p:cNvPr id="1" name=""/>
+        <p:cNvGrpSpPr/>
+        <p:nvPr/>
+      </p:nvGrpSpPr>
+      <p:grpSpPr>
+        <a:xfrm>
+          <a:off x="0" y="0"/>
+          <a:ext cx="0" cy="0"/>
+          <a:chOff x="0" y="0"/>
+          <a:chExt cx="0" cy="0"/>
+        </a:xfrm>
+      </p:grpSpPr>
+      <p:sp>
+        <p:nvSpPr>
+          <p:cNvPr id="2" name="Segnaposto immagine diapositiva 1"/>
+          <p:cNvSpPr>
+            <a:spLocks noGrp="1" noRot="1" noChangeAspect="1"/>
+          </p:cNvSpPr>
+          <p:nvPr>
+            <p:ph type="sldImg"/>
+          </p:nvPr>
+        </p:nvSpPr>
+        <p:spPr/>
+      </p:sp>
+      <p:sp>
+        <p:nvSpPr>
+          <p:cNvPr id="3" name="Segnaposto note 2"/>
+          <p:cNvSpPr>
+            <a:spLocks noGrp="1"/>
+          </p:cNvSpPr>
+          <p:nvPr>
+            <p:ph type="body" idx="1"/>
+          </p:nvPr>
+        </p:nvSpPr>
+        <p:spPr/>
+        <p:txBody>
+          <a:bodyPr/>
+          <a:lstStyle/>
+          <a:p>
+            <a:r>
+              <a:rPr lang="it-IT" b="1" i="0" dirty="0" err="1">
+                <a:solidFill>
+                  <a:srgbClr val="333333"/>
+                </a:solidFill>
+                <a:effectLst/>
+                <a:latin typeface="Open Sans"/>
+              </a:rPr>
+              <a:t>Boilerplate</a:t>
+            </a:r>
+            <a:r>
+              <a:rPr lang="it-IT" b="1" i="0" dirty="0">
+                <a:solidFill>
+                  <a:srgbClr val="333333"/>
+                </a:solidFill>
+                <a:effectLst/>
+                <a:latin typeface="Open Sans"/>
+              </a:rPr>
+              <a:t>.</a:t>
+            </a:r>
+            <a:r>
+              <a:rPr lang="it-IT" b="0" i="0" dirty="0">
+                <a:solidFill>
+                  <a:srgbClr val="333333"/>
+                </a:solidFill>
+                <a:effectLst/>
+                <a:latin typeface="Open Sans"/>
+              </a:rPr>
+              <a:t> Ecco perché ho realizzato il </a:t>
+            </a:r>
+            <a:r>
+              <a:rPr lang="it-IT" b="0" i="0" dirty="0" err="1">
+                <a:solidFill>
+                  <a:srgbClr val="333333"/>
+                </a:solidFill>
+                <a:effectLst/>
+                <a:latin typeface="Open Sans"/>
+              </a:rPr>
+              <a:t>boilerpalte</a:t>
+            </a:r>
+            <a:r>
+              <a:rPr lang="it-IT" b="0" i="0" dirty="0">
+                <a:solidFill>
+                  <a:srgbClr val="333333"/>
+                </a:solidFill>
+                <a:effectLst/>
+                <a:latin typeface="Open Sans"/>
+              </a:rPr>
+              <a:t>. Il </a:t>
+            </a:r>
+            <a:r>
+              <a:rPr lang="it-IT" b="0" i="0" dirty="0" err="1">
+                <a:solidFill>
+                  <a:srgbClr val="333333"/>
+                </a:solidFill>
+                <a:effectLst/>
+                <a:latin typeface="Open Sans"/>
+              </a:rPr>
+              <a:t>boilerplate</a:t>
+            </a:r>
+            <a:r>
+              <a:rPr lang="it-IT" b="0" i="0" dirty="0">
+                <a:solidFill>
+                  <a:srgbClr val="333333"/>
+                </a:solidFill>
+                <a:effectLst/>
+                <a:latin typeface="Open Sans"/>
+              </a:rPr>
+              <a:t> è un template di progetti c++, che integra le librerie </a:t>
+            </a:r>
+            <a:r>
+              <a:rPr lang="it-IT" b="0" i="0" dirty="0" err="1">
+                <a:solidFill>
+                  <a:srgbClr val="333333"/>
+                </a:solidFill>
+                <a:effectLst/>
+                <a:latin typeface="Open Sans"/>
+              </a:rPr>
+              <a:t>Qt</a:t>
+            </a:r>
+            <a:r>
+              <a:rPr lang="it-IT" b="0" i="0" dirty="0">
+                <a:solidFill>
+                  <a:srgbClr val="333333"/>
+                </a:solidFill>
+                <a:effectLst/>
+                <a:latin typeface="Open Sans"/>
+              </a:rPr>
+              <a:t> per creare l'interfaccia grafica. Inoltre utilizza </a:t>
+            </a:r>
+            <a:r>
+              <a:rPr lang="it-IT" b="0" i="0" dirty="0" err="1">
+                <a:solidFill>
+                  <a:srgbClr val="333333"/>
+                </a:solidFill>
+                <a:effectLst/>
+                <a:latin typeface="Open Sans"/>
+              </a:rPr>
+              <a:t>CMake</a:t>
+            </a:r>
+            <a:r>
+              <a:rPr lang="it-IT" b="0" i="0" dirty="0">
+                <a:solidFill>
+                  <a:srgbClr val="333333"/>
+                </a:solidFill>
+                <a:effectLst/>
+                <a:latin typeface="Open Sans"/>
+              </a:rPr>
+              <a:t> che è un sistema per semplificare la compilazione dei progetti in cascata e </a:t>
+            </a:r>
+            <a:r>
+              <a:rPr lang="it-IT" b="0" i="0" dirty="0" err="1">
+                <a:solidFill>
+                  <a:srgbClr val="333333"/>
+                </a:solidFill>
+                <a:effectLst/>
+                <a:latin typeface="Open Sans"/>
+              </a:rPr>
+              <a:t>Git</a:t>
+            </a:r>
+            <a:r>
+              <a:rPr lang="it-IT" b="0" i="0" dirty="0">
+                <a:solidFill>
+                  <a:srgbClr val="333333"/>
+                </a:solidFill>
+                <a:effectLst/>
+                <a:latin typeface="Open Sans"/>
+              </a:rPr>
+              <a:t> per </a:t>
+            </a:r>
+            <a:r>
+              <a:rPr lang="it-IT" b="0" i="0" dirty="0" err="1">
+                <a:solidFill>
+                  <a:srgbClr val="333333"/>
+                </a:solidFill>
+                <a:effectLst/>
+                <a:latin typeface="Open Sans"/>
+              </a:rPr>
+              <a:t>versionare</a:t>
+            </a:r>
+            <a:r>
+              <a:rPr lang="it-IT" b="0" i="0" dirty="0">
+                <a:solidFill>
+                  <a:srgbClr val="333333"/>
+                </a:solidFill>
+                <a:effectLst/>
+                <a:latin typeface="Open Sans"/>
+              </a:rPr>
+              <a:t> le modifiche. L'intero software è stato quindi diviso in moduli chiamati repository che hanno delle dipendenze tra l'una e l'altra. Ecco perché nel </a:t>
+            </a:r>
+            <a:r>
+              <a:rPr lang="it-IT" b="0" i="0" dirty="0" err="1">
+                <a:solidFill>
+                  <a:srgbClr val="333333"/>
+                </a:solidFill>
+                <a:effectLst/>
+                <a:latin typeface="Open Sans"/>
+              </a:rPr>
+              <a:t>Boilerplate</a:t>
+            </a:r>
+            <a:r>
+              <a:rPr lang="it-IT" b="0" i="0" dirty="0">
+                <a:solidFill>
+                  <a:srgbClr val="333333"/>
+                </a:solidFill>
+                <a:effectLst/>
+                <a:latin typeface="Open Sans"/>
+              </a:rPr>
+              <a:t> è stato integrato un sistema realizzato a mano, che con un semplice click vede quali sono le dipendenze della repositori corrente, le scarica, le compila e dopo averle </a:t>
+            </a:r>
+            <a:r>
+              <a:rPr lang="it-IT" b="0" i="0" dirty="0" err="1">
+                <a:solidFill>
+                  <a:srgbClr val="333333"/>
+                </a:solidFill>
+                <a:effectLst/>
+                <a:latin typeface="Open Sans"/>
+              </a:rPr>
+              <a:t>lincate</a:t>
+            </a:r>
+            <a:r>
+              <a:rPr lang="it-IT" b="0" i="0" dirty="0">
+                <a:solidFill>
+                  <a:srgbClr val="333333"/>
+                </a:solidFill>
+                <a:effectLst/>
+                <a:latin typeface="Open Sans"/>
+              </a:rPr>
+              <a:t> al progetto principale lo compila. </a:t>
+            </a:r>
+            <a:endParaRPr lang="en-US" dirty="0"/>
+          </a:p>
+        </p:txBody>
+      </p:sp>
+      <p:sp>
+        <p:nvSpPr>
+          <p:cNvPr id="4" name="Segnaposto numero diapositiva 3"/>
+          <p:cNvSpPr>
+            <a:spLocks noGrp="1"/>
+          </p:cNvSpPr>
+          <p:nvPr>
+            <p:ph type="sldNum" sz="quarter" idx="5"/>
+          </p:nvPr>
+        </p:nvSpPr>
+        <p:spPr/>
+        <p:txBody>
+          <a:bodyPr/>
+          <a:lstStyle/>
+          <a:p>
+            <a:fld id="{646EDAD7-04BA-4250-B847-25272EB49033}" type="slidenum">
+              <a:rPr lang="en-US" smtClean="0"/>
+              <a:t>7</a:t>
+            </a:fld>
+            <a:endParaRPr lang="en-US"/>
+          </a:p>
+        </p:txBody>
+      </p:sp>
+    </p:spTree>
+    <p:extLst>
+      <p:ext uri="{BB962C8B-B14F-4D97-AF65-F5344CB8AC3E}">
+        <p14:creationId xmlns:p14="http://schemas.microsoft.com/office/powerpoint/2010/main" val="2517901918"/>
+      </p:ext>
+    </p:extLst>
+  </p:cSld>
+  <p:clrMapOvr>
+    <a:masterClrMapping/>
+  </p:clrMapOvr>
+</p:notes>
+</file>
+
+<file path=ppt/notesSlides/notesSlide8.xml><?xml version="1.0" encoding="utf-8"?>
+<p:notes xmlns:a="http://schemas.openxmlformats.org/drawingml/2006/main" xmlns:r="http://schemas.openxmlformats.org/officeDocument/2006/relationships" xmlns:p="http://schemas.openxmlformats.org/presentationml/2006/main">
+  <p:cSld>
+    <p:spTree>
+      <p:nvGrpSpPr>
+        <p:cNvPr id="1" name=""/>
+        <p:cNvGrpSpPr/>
+        <p:nvPr/>
+      </p:nvGrpSpPr>
+      <p:grpSpPr>
+        <a:xfrm>
+          <a:off x="0" y="0"/>
+          <a:ext cx="0" cy="0"/>
+          <a:chOff x="0" y="0"/>
+          <a:chExt cx="0" cy="0"/>
+        </a:xfrm>
+      </p:grpSpPr>
+      <p:sp>
+        <p:nvSpPr>
+          <p:cNvPr id="2" name="Segnaposto immagine diapositiva 1"/>
+          <p:cNvSpPr>
+            <a:spLocks noGrp="1" noRot="1" noChangeAspect="1"/>
+          </p:cNvSpPr>
+          <p:nvPr>
+            <p:ph type="sldImg"/>
+          </p:nvPr>
+        </p:nvSpPr>
+        <p:spPr/>
+      </p:sp>
+      <p:sp>
+        <p:nvSpPr>
+          <p:cNvPr id="3" name="Segnaposto note 2"/>
+          <p:cNvSpPr>
+            <a:spLocks noGrp="1"/>
+          </p:cNvSpPr>
+          <p:nvPr>
+            <p:ph type="body" idx="1"/>
+          </p:nvPr>
+        </p:nvSpPr>
+        <p:spPr/>
+        <p:txBody>
+          <a:bodyPr/>
+          <a:lstStyle/>
+          <a:p>
+            <a:r>
+              <a:rPr lang="it-IT" b="1" i="0" dirty="0">
+                <a:solidFill>
+                  <a:srgbClr val="333333"/>
+                </a:solidFill>
+                <a:effectLst/>
+                <a:latin typeface="Open Sans"/>
+              </a:rPr>
+              <a:t>PAT software.</a:t>
+            </a:r>
+            <a:r>
+              <a:rPr lang="it-IT" b="0" i="0" dirty="0">
+                <a:solidFill>
+                  <a:srgbClr val="333333"/>
+                </a:solidFill>
+                <a:effectLst/>
+                <a:latin typeface="Open Sans"/>
+              </a:rPr>
+              <a:t> Con questo sistema sono quindi state create 10 repositori che implementano le varie componenti del PAT con in aggiunta qualche repository di supporto.</a:t>
+            </a:r>
+            <a:endParaRPr lang="en-US" dirty="0"/>
+          </a:p>
+        </p:txBody>
+      </p:sp>
+      <p:sp>
+        <p:nvSpPr>
+          <p:cNvPr id="4" name="Segnaposto numero diapositiva 3"/>
+          <p:cNvSpPr>
+            <a:spLocks noGrp="1"/>
+          </p:cNvSpPr>
+          <p:nvPr>
+            <p:ph type="sldNum" sz="quarter" idx="5"/>
+          </p:nvPr>
+        </p:nvSpPr>
+        <p:spPr/>
+        <p:txBody>
+          <a:bodyPr/>
+          <a:lstStyle/>
+          <a:p>
+            <a:fld id="{646EDAD7-04BA-4250-B847-25272EB49033}" type="slidenum">
+              <a:rPr lang="en-US" smtClean="0"/>
+              <a:t>8</a:t>
+            </a:fld>
+            <a:endParaRPr lang="en-US"/>
+          </a:p>
+        </p:txBody>
+      </p:sp>
+    </p:spTree>
+    <p:extLst>
+      <p:ext uri="{BB962C8B-B14F-4D97-AF65-F5344CB8AC3E}">
+        <p14:creationId xmlns:p14="http://schemas.microsoft.com/office/powerpoint/2010/main" val="2058939327"/>
+      </p:ext>
+    </p:extLst>
+  </p:cSld>
+  <p:clrMapOvr>
+    <a:masterClrMapping/>
+  </p:clrMapOvr>
+</p:notes>
+</file>
+
+<file path=ppt/notesSlides/notesSlide9.xml><?xml version="1.0" encoding="utf-8"?>
+<p:notes xmlns:a="http://schemas.openxmlformats.org/drawingml/2006/main" xmlns:r="http://schemas.openxmlformats.org/officeDocument/2006/relationships" xmlns:p="http://schemas.openxmlformats.org/presentationml/2006/main">
+  <p:cSld>
+    <p:spTree>
+      <p:nvGrpSpPr>
+        <p:cNvPr id="1" name=""/>
+        <p:cNvGrpSpPr/>
+        <p:nvPr/>
+      </p:nvGrpSpPr>
+      <p:grpSpPr>
+        <a:xfrm>
+          <a:off x="0" y="0"/>
+          <a:ext cx="0" cy="0"/>
+          <a:chOff x="0" y="0"/>
+          <a:chExt cx="0" cy="0"/>
+        </a:xfrm>
+      </p:grpSpPr>
+      <p:sp>
+        <p:nvSpPr>
+          <p:cNvPr id="2" name="Segnaposto immagine diapositiva 1"/>
+          <p:cNvSpPr>
+            <a:spLocks noGrp="1" noRot="1" noChangeAspect="1"/>
+          </p:cNvSpPr>
+          <p:nvPr>
+            <p:ph type="sldImg"/>
+          </p:nvPr>
+        </p:nvSpPr>
+        <p:spPr/>
+      </p:sp>
+      <p:sp>
+        <p:nvSpPr>
+          <p:cNvPr id="3" name="Segnaposto note 2"/>
+          <p:cNvSpPr>
+            <a:spLocks noGrp="1"/>
+          </p:cNvSpPr>
+          <p:nvPr>
+            <p:ph type="body" idx="1"/>
+          </p:nvPr>
+        </p:nvSpPr>
+        <p:spPr/>
+        <p:txBody>
+          <a:bodyPr/>
+          <a:lstStyle/>
+          <a:p>
+            <a:pPr algn="l"/>
+            <a:r>
+              <a:rPr lang="it-IT" b="1" i="0" dirty="0">
+                <a:solidFill>
+                  <a:srgbClr val="333333"/>
+                </a:solidFill>
+                <a:effectLst/>
+                <a:latin typeface="Open Sans"/>
+              </a:rPr>
+              <a:t>PATLIC.</a:t>
+            </a:r>
+            <a:r>
+              <a:rPr lang="it-IT" b="0" i="0" dirty="0">
+                <a:solidFill>
+                  <a:srgbClr val="333333"/>
+                </a:solidFill>
+                <a:effectLst/>
+                <a:latin typeface="Open Sans"/>
+              </a:rPr>
+              <a:t> Per testare il sistema è stato realizzato l'esperimento PATLIC: PAT </a:t>
+            </a:r>
+            <a:r>
+              <a:rPr lang="it-IT" b="0" i="0" dirty="0" err="1">
+                <a:solidFill>
+                  <a:srgbClr val="333333"/>
+                </a:solidFill>
+                <a:effectLst/>
+                <a:latin typeface="Open Sans"/>
+              </a:rPr>
+              <a:t>systema</a:t>
+            </a:r>
+            <a:r>
+              <a:rPr lang="it-IT" b="0" i="0" dirty="0">
+                <a:solidFill>
+                  <a:srgbClr val="333333"/>
+                </a:solidFill>
+                <a:effectLst/>
+                <a:latin typeface="Open Sans"/>
+              </a:rPr>
+              <a:t> for Light Injection </a:t>
+            </a:r>
+            <a:r>
+              <a:rPr lang="it-IT" b="0" i="0" dirty="0" err="1">
+                <a:solidFill>
+                  <a:srgbClr val="333333"/>
+                </a:solidFill>
+                <a:effectLst/>
+                <a:latin typeface="Open Sans"/>
+              </a:rPr>
+              <a:t>into</a:t>
+            </a:r>
+            <a:r>
+              <a:rPr lang="it-IT" b="0" i="0" dirty="0">
+                <a:solidFill>
+                  <a:srgbClr val="333333"/>
+                </a:solidFill>
+                <a:effectLst/>
+                <a:latin typeface="Open Sans"/>
+              </a:rPr>
+              <a:t> a C-band </a:t>
+            </a:r>
+            <a:r>
+              <a:rPr lang="it-IT" b="0" i="0" dirty="0" err="1">
+                <a:solidFill>
+                  <a:srgbClr val="333333"/>
+                </a:solidFill>
+                <a:effectLst/>
+                <a:latin typeface="Open Sans"/>
+              </a:rPr>
+              <a:t>fiber</a:t>
+            </a:r>
+            <a:r>
+              <a:rPr lang="it-IT" b="0" i="0" dirty="0">
+                <a:solidFill>
+                  <a:srgbClr val="333333"/>
+                </a:solidFill>
+                <a:effectLst/>
+                <a:latin typeface="Open Sans"/>
+              </a:rPr>
+              <a:t>. In questo sistema c'è Alice che vuole mandare un segnale laser a Bob e Bob deve iniettarlo in fibra a 1550 nm a singolo modo. Per fare in modo che quindi Alice e Bob si parlassero sono stati montati un sistema fine e due sistemi </a:t>
+            </a:r>
+            <a:r>
+              <a:rPr lang="it-IT" b="0" i="0" dirty="0" err="1">
+                <a:solidFill>
+                  <a:srgbClr val="333333"/>
+                </a:solidFill>
+                <a:effectLst/>
+                <a:latin typeface="Open Sans"/>
+              </a:rPr>
+              <a:t>coarse</a:t>
+            </a:r>
+            <a:r>
+              <a:rPr lang="it-IT" b="0" i="0" dirty="0">
+                <a:solidFill>
+                  <a:srgbClr val="333333"/>
+                </a:solidFill>
+                <a:effectLst/>
+                <a:latin typeface="Open Sans"/>
+              </a:rPr>
+              <a:t>, uno da Alice a Bob e uno da Bob a Alice. Questi tre PAT sono stati quindi riuniti in questi due oggetti che vengono appunto chiamati Alice e Bob, e poi Alice e Bob sono stati montati sulle due montature.</a:t>
+            </a:r>
+          </a:p>
+          <a:p>
+            <a:pPr algn="l"/>
+            <a:r>
+              <a:rPr lang="it-IT" b="0" i="0" dirty="0">
+                <a:solidFill>
+                  <a:srgbClr val="333333"/>
+                </a:solidFill>
+                <a:effectLst/>
+                <a:latin typeface="Open Sans"/>
+              </a:rPr>
+              <a:t>Il sistema è stato quindi testato per vedere che effettivamente si comportasse come ci aspettavamo. Ora riporto due esperimenti effettuati in laboratorio che si sono rivelati essere significativi.</a:t>
+            </a:r>
+          </a:p>
+          <a:p>
+            <a:endParaRPr lang="en-US" dirty="0"/>
+          </a:p>
+        </p:txBody>
+      </p:sp>
+      <p:sp>
+        <p:nvSpPr>
+          <p:cNvPr id="4" name="Segnaposto numero diapositiva 3"/>
+          <p:cNvSpPr>
+            <a:spLocks noGrp="1"/>
+          </p:cNvSpPr>
+          <p:nvPr>
+            <p:ph type="sldNum" sz="quarter" idx="5"/>
+          </p:nvPr>
+        </p:nvSpPr>
+        <p:spPr/>
+        <p:txBody>
+          <a:bodyPr/>
+          <a:lstStyle/>
+          <a:p>
+            <a:fld id="{646EDAD7-04BA-4250-B847-25272EB49033}" type="slidenum">
+              <a:rPr lang="en-US" smtClean="0"/>
+              <a:t>9</a:t>
+            </a:fld>
+            <a:endParaRPr lang="en-US"/>
+          </a:p>
+        </p:txBody>
+      </p:sp>
+    </p:spTree>
+    <p:extLst>
+      <p:ext uri="{BB962C8B-B14F-4D97-AF65-F5344CB8AC3E}">
+        <p14:creationId xmlns:p14="http://schemas.microsoft.com/office/powerpoint/2010/main" val="2005064432"/>
+      </p:ext>
+    </p:extLst>
+  </p:cSld>
+  <p:clrMapOvr>
+    <a:masterClrMapping/>
+  </p:clrMapOvr>
+</p:notes>
+</file>
+
 <file path=ppt/slideLayouts/slideLayout1.xml><?xml version="1.0" encoding="utf-8"?>
 <p:sldLayout xmlns:a="http://schemas.openxmlformats.org/drawingml/2006/main" xmlns:r="http://schemas.openxmlformats.org/officeDocument/2006/relationships" xmlns:p="http://schemas.openxmlformats.org/presentationml/2006/main" preserve="1">
   <p:cSld name="Prima pagina">
@@ -207,7 +2738,7 @@
           </a:ln>
           <a:extLst>
             <a:ext uri="{C572A759-6A51-4108-AA02-DFA0A04FC94B}">
-              <ma14:wrappingTextBoxFlag xmlns="" xmlns:ma14="http://schemas.microsoft.com/office/mac/drawingml/2011/main" val="1"/>
+              <ma14:wrappingTextBoxFlag xmlns:ma14="http://schemas.microsoft.com/office/mac/drawingml/2011/main" xmlns="" val="1"/>
             </a:ext>
           </a:extLst>
         </p:spPr>
@@ -1179,7 +3710,7 @@
           </a:ln>
           <a:extLst>
             <a:ext uri="{C572A759-6A51-4108-AA02-DFA0A04FC94B}">
-              <ma14:wrappingTextBoxFlag xmlns="" xmlns:ma14="http://schemas.microsoft.com/office/mac/drawingml/2011/main" val="1"/>
+              <ma14:wrappingTextBoxFlag xmlns:ma14="http://schemas.microsoft.com/office/mac/drawingml/2011/main" xmlns="" val="1"/>
             </a:ext>
           </a:extLst>
         </p:spPr>
@@ -1229,7 +3760,7 @@
           </a:ln>
           <a:extLst>
             <a:ext uri="{C572A759-6A51-4108-AA02-DFA0A04FC94B}">
-              <ma14:wrappingTextBoxFlag xmlns="" xmlns:ma14="http://schemas.microsoft.com/office/mac/drawingml/2011/main" val="1"/>
+              <ma14:wrappingTextBoxFlag xmlns:ma14="http://schemas.microsoft.com/office/mac/drawingml/2011/main" xmlns="" val="1"/>
             </a:ext>
           </a:extLst>
         </p:spPr>
@@ -1627,7 +4158,7 @@
           <p:nvPr/>
         </p:nvPicPr>
         <p:blipFill>
-          <a:blip r:embed="rId2">
+          <a:blip r:embed="rId3">
             <a:extLst>
               <a:ext uri="{28A0092B-C50C-407E-A947-70E740481C1C}">
                 <a14:useLocalDpi xmlns:a14="http://schemas.microsoft.com/office/drawing/2010/main" val="0"/>
@@ -2750,6 +5281,42 @@
           <a:chExt cx="0" cy="0"/>
         </a:xfrm>
       </p:grpSpPr>
+      <p:pic>
+        <p:nvPicPr>
+          <p:cNvPr id="13" name="Immagine 12" descr="Immagine che contiene testo&#10;&#10;Descrizione generata automaticamente">
+            <a:extLst>
+              <a:ext uri="{FF2B5EF4-FFF2-40B4-BE49-F238E27FC236}">
+                <a16:creationId xmlns:a16="http://schemas.microsoft.com/office/drawing/2014/main" id="{53FD90BF-462B-40BC-BB97-3EF543309B8C}"/>
+              </a:ext>
+            </a:extLst>
+          </p:cNvPr>
+          <p:cNvPicPr>
+            <a:picLocks noChangeAspect="1"/>
+          </p:cNvPicPr>
+          <p:nvPr/>
+        </p:nvPicPr>
+        <p:blipFill>
+          <a:blip r:embed="rId3">
+            <a:extLst>
+              <a:ext uri="{28A0092B-C50C-407E-A947-70E740481C1C}">
+                <a14:useLocalDpi xmlns:a14="http://schemas.microsoft.com/office/drawing/2010/main" val="0"/>
+              </a:ext>
+            </a:extLst>
+          </a:blip>
+          <a:stretch>
+            <a:fillRect/>
+          </a:stretch>
+        </p:blipFill>
+        <p:spPr>
+          <a:xfrm>
+            <a:off x="24063" y="2072889"/>
+            <a:ext cx="6071937" cy="3077081"/>
+          </a:xfrm>
+          <a:prstGeom prst="rect">
+            <a:avLst/>
+          </a:prstGeom>
+        </p:spPr>
+      </p:pic>
       <p:sp>
         <p:nvSpPr>
           <p:cNvPr id="3" name="Segnaposto testo 2">
@@ -2781,15 +5348,19 @@
             </a:pPr>
             <a:r>
               <a:rPr lang="it-IT" dirty="0"/>
-              <a:t>Hammer – </a:t>
+              <a:t>PAT fine – </a:t>
             </a:r>
             <a:r>
               <a:rPr lang="it-IT" dirty="0" err="1"/>
-              <a:t>Coarse</a:t>
+              <a:t>heat</a:t>
             </a:r>
             <a:r>
               <a:rPr lang="it-IT" dirty="0"/>
-              <a:t> + Fine</a:t>
+              <a:t> </a:t>
+            </a:r>
+            <a:r>
+              <a:rPr lang="it-IT" dirty="0" err="1"/>
+              <a:t>turbolence</a:t>
             </a:r>
             <a:endParaRPr lang="en-US" dirty="0"/>
           </a:p>
@@ -2846,7 +5417,7 @@
             </a:pPr>
             <a:r>
               <a:rPr lang="it-IT" dirty="0"/>
-              <a:t>9/9</a:t>
+              <a:t>8/9</a:t>
             </a:r>
             <a:endParaRPr lang="en-US" dirty="0"/>
           </a:p>
@@ -2866,8 +5437,8 @@
         </p:nvSpPr>
         <p:spPr>
           <a:xfrm>
-            <a:off x="4022145" y="857571"/>
-            <a:ext cx="4436403" cy="461661"/>
+            <a:off x="4724906" y="857571"/>
+            <a:ext cx="3030890" cy="461661"/>
           </a:xfrm>
           <a:prstGeom prst="rect">
             <a:avLst/>
@@ -2880,7 +5451,7 @@
           <a:effectLst/>
           <a:extLst>
             <a:ext uri="{C572A759-6A51-4108-AA02-DFA0A04FC94B}">
-              <ma14:wrappingTextBoxFlag xmlns="" xmlns:ma14="http://schemas.microsoft.com/office/mac/drawingml/2011/main" val="1"/>
+              <ma14:wrappingTextBoxFlag xmlns:ma14="http://schemas.microsoft.com/office/mac/drawingml/2011/main" xmlns="" val="1"/>
             </a:ext>
           </a:extLst>
         </p:spPr>
@@ -2905,7 +5476,7 @@
                   <a:srgbClr val="C00000"/>
                 </a:solidFill>
               </a:rPr>
-              <a:t>hammer</a:t>
+              <a:t>heat</a:t>
             </a:r>
             <a:r>
               <a:rPr lang="it-IT" sz="2400" b="1" dirty="0">
@@ -2921,23 +5492,7 @@
                   <a:srgbClr val="C00000"/>
                 </a:solidFill>
               </a:rPr>
-              <a:t>impulse</a:t>
-            </a:r>
-            <a:r>
-              <a:rPr lang="it-IT" sz="2400" b="1" dirty="0">
-                <a:solidFill>
-                  <a:srgbClr val="C00000"/>
-                </a:solidFill>
-              </a:rPr>
-              <a:t> </a:t>
-            </a:r>
-            <a:r>
-              <a:rPr lang="it-IT" sz="2400" b="1" dirty="0" err="1">
-                <a:solidFill>
-                  <a:srgbClr val="C00000"/>
-                </a:solidFill>
-              </a:rPr>
-              <a:t>sequence</a:t>
+              <a:t>turbolence</a:t>
             </a:r>
             <a:endParaRPr lang="en-US" sz="2400" b="1" dirty="0">
               <a:solidFill>
@@ -2949,10 +5504,10 @@
       </p:sp>
       <p:pic>
         <p:nvPicPr>
-          <p:cNvPr id="6" name="Immagine 5">
-            <a:extLst>
-              <a:ext uri="{FF2B5EF4-FFF2-40B4-BE49-F238E27FC236}">
-                <a16:creationId xmlns:a16="http://schemas.microsoft.com/office/drawing/2014/main" id="{19387575-9E28-47F8-92F3-3262D09E9733}"/>
+          <p:cNvPr id="2" name="Immagine 1" descr="Immagine che contiene sedendo, tavolo&#10;&#10;Descrizione generata automaticamente">
+            <a:extLst>
+              <a:ext uri="{FF2B5EF4-FFF2-40B4-BE49-F238E27FC236}">
+                <a16:creationId xmlns:a16="http://schemas.microsoft.com/office/drawing/2014/main" id="{1A0C1E60-0E61-4712-9712-FC0E0242E218}"/>
               </a:ext>
             </a:extLst>
           </p:cNvPr>
@@ -2962,7 +5517,7 @@
           <p:nvPr/>
         </p:nvPicPr>
         <p:blipFill>
-          <a:blip r:embed="rId2">
+          <a:blip r:embed="rId4">
             <a:extLst>
               <a:ext uri="{28A0092B-C50C-407E-A947-70E740481C1C}">
                 <a14:useLocalDpi xmlns:a14="http://schemas.microsoft.com/office/drawing/2010/main" val="0"/>
@@ -2975,18 +5530,112 @@
         </p:blipFill>
         <p:spPr>
           <a:xfrm>
-            <a:off x="1325181" y="1319232"/>
-            <a:ext cx="10159998" cy="5148791"/>
+            <a:off x="6095999" y="2072890"/>
+            <a:ext cx="6096001" cy="3089276"/>
           </a:xfrm>
           <a:prstGeom prst="rect">
             <a:avLst/>
           </a:prstGeom>
         </p:spPr>
       </p:pic>
+      <p:sp>
+        <p:nvSpPr>
+          <p:cNvPr id="6" name="CasellaDiTesto 5">
+            <a:extLst>
+              <a:ext uri="{FF2B5EF4-FFF2-40B4-BE49-F238E27FC236}">
+                <a16:creationId xmlns:a16="http://schemas.microsoft.com/office/drawing/2014/main" id="{401FD1EB-5A90-459A-97DD-07B0FEDA7C7C}"/>
+              </a:ext>
+            </a:extLst>
+          </p:cNvPr>
+          <p:cNvSpPr txBox="1"/>
+          <p:nvPr/>
+        </p:nvSpPr>
+        <p:spPr>
+          <a:xfrm>
+            <a:off x="2854367" y="1793334"/>
+            <a:ext cx="411327" cy="369328"/>
+          </a:xfrm>
+          <a:prstGeom prst="rect">
+            <a:avLst/>
+          </a:prstGeom>
+          <a:noFill/>
+          <a:ln w="12700" cap="flat">
+            <a:noFill/>
+            <a:miter lim="400000"/>
+          </a:ln>
+          <a:effectLst/>
+          <a:extLst>
+            <a:ext uri="{C572A759-6A51-4108-AA02-DFA0A04FC94B}">
+              <ma14:wrappingTextBoxFlag xmlns:ma14="http://schemas.microsoft.com/office/mac/drawingml/2011/main" xmlns="" val="1"/>
+            </a:ext>
+          </a:extLst>
+        </p:spPr>
+        <p:txBody>
+          <a:bodyPr wrap="none" lIns="45718" tIns="45718" rIns="45718" bIns="45718" numCol="1" rtlCol="0" anchor="ctr">
+            <a:spAutoFit/>
+          </a:bodyPr>
+          <a:lstStyle/>
+          <a:p>
+            <a:pPr algn="l"/>
+            <a:r>
+              <a:rPr lang="it-IT" dirty="0"/>
+              <a:t>PID</a:t>
+            </a:r>
+            <a:endParaRPr lang="en-US" dirty="0"/>
+          </a:p>
+        </p:txBody>
+      </p:sp>
+      <p:sp>
+        <p:nvSpPr>
+          <p:cNvPr id="8" name="CasellaDiTesto 7">
+            <a:extLst>
+              <a:ext uri="{FF2B5EF4-FFF2-40B4-BE49-F238E27FC236}">
+                <a16:creationId xmlns:a16="http://schemas.microsoft.com/office/drawing/2014/main" id="{6D3C0D6D-C528-46CD-A3DC-AF1C7CC084CB}"/>
+              </a:ext>
+            </a:extLst>
+          </p:cNvPr>
+          <p:cNvSpPr txBox="1"/>
+          <p:nvPr/>
+        </p:nvSpPr>
+        <p:spPr>
+          <a:xfrm>
+            <a:off x="8671437" y="1793334"/>
+            <a:ext cx="945126" cy="369328"/>
+          </a:xfrm>
+          <a:prstGeom prst="rect">
+            <a:avLst/>
+          </a:prstGeom>
+          <a:noFill/>
+          <a:ln w="12700" cap="flat">
+            <a:noFill/>
+            <a:miter lim="400000"/>
+          </a:ln>
+          <a:effectLst/>
+          <a:extLst>
+            <a:ext uri="{C572A759-6A51-4108-AA02-DFA0A04FC94B}">
+              <ma14:wrappingTextBoxFlag xmlns:ma14="http://schemas.microsoft.com/office/mac/drawingml/2011/main" xmlns="" val="1"/>
+            </a:ext>
+          </a:extLst>
+        </p:spPr>
+        <p:txBody>
+          <a:bodyPr wrap="none" lIns="45718" tIns="45718" rIns="45718" bIns="45718" numCol="1" rtlCol="0" anchor="ctr">
+            <a:spAutoFit/>
+          </a:bodyPr>
+          <a:lstStyle/>
+          <a:p>
+            <a:pPr algn="l"/>
+            <a:r>
+              <a:rPr lang="it-IT" dirty="0"/>
+              <a:t>One shot</a:t>
+            </a:r>
+            <a:endParaRPr lang="en-US" dirty="0"/>
+          </a:p>
+        </p:txBody>
+      </p:sp>
     </p:spTree>
     <p:extLst>
       <p:ext uri="{BB962C8B-B14F-4D97-AF65-F5344CB8AC3E}">
-        <p14:creationId xmlns:p14="http://schemas.microsoft.com/office/powerpoint/2010/main" val="3156942392"/>
+        <p14:creationId xmlns:p14="http://schemas.microsoft.com/office/powerpoint/2010/main" val="4068740803"/>
       </p:ext>
     </p:extLst>
   </p:cSld>
@@ -3015,10 +5664,10 @@
       </p:grpSpPr>
       <p:sp>
         <p:nvSpPr>
-          <p:cNvPr id="2" name="Segnaposto testo 1">
-            <a:extLst>
-              <a:ext uri="{FF2B5EF4-FFF2-40B4-BE49-F238E27FC236}">
-                <a16:creationId xmlns:a16="http://schemas.microsoft.com/office/drawing/2014/main" id="{5ED655B1-30EF-43E0-9DC2-EDD1CF4FA670}"/>
+          <p:cNvPr id="3" name="Segnaposto testo 2">
+            <a:extLst>
+              <a:ext uri="{FF2B5EF4-FFF2-40B4-BE49-F238E27FC236}">
+                <a16:creationId xmlns:a16="http://schemas.microsoft.com/office/drawing/2014/main" id="{864F5E87-CB5E-4EB6-BECA-B9871D823BDE}"/>
               </a:ext>
             </a:extLst>
           </p:cNvPr>
@@ -3029,7 +5678,12 @@
             <p:ph type="body" sz="quarter" idx="10"/>
           </p:nvPr>
         </p:nvSpPr>
-        <p:spPr/>
+        <p:spPr>
+          <a:xfrm>
+            <a:off x="203200" y="92075"/>
+            <a:ext cx="5042131" cy="350838"/>
+          </a:xfrm>
+        </p:spPr>
         <p:txBody>
           <a:bodyPr/>
           <a:lstStyle/>
@@ -3039,16 +5693,416 @@
             </a:pPr>
             <a:r>
               <a:rPr lang="it-IT" dirty="0"/>
-              <a:t>THANKS YOU FOR THE ATTENTION</a:t>
-            </a:r>
-          </a:p>
+              <a:t>PAT fine + </a:t>
+            </a:r>
+            <a:r>
+              <a:rPr lang="it-IT" dirty="0" err="1"/>
+              <a:t>coarse</a:t>
+            </a:r>
+            <a:r>
+              <a:rPr lang="it-IT" dirty="0"/>
+              <a:t> – </a:t>
+            </a:r>
+            <a:r>
+              <a:rPr lang="it-IT" dirty="0" err="1"/>
+              <a:t>hammer</a:t>
+            </a:r>
+            <a:r>
+              <a:rPr lang="it-IT" dirty="0"/>
+              <a:t> </a:t>
+            </a:r>
+            <a:r>
+              <a:rPr lang="it-IT" dirty="0" err="1"/>
+              <a:t>impulses</a:t>
+            </a:r>
+            <a:endParaRPr lang="en-US" dirty="0"/>
+          </a:p>
+        </p:txBody>
+      </p:sp>
+      <p:sp>
+        <p:nvSpPr>
+          <p:cNvPr id="4" name="Segnaposto testo 3">
+            <a:extLst>
+              <a:ext uri="{FF2B5EF4-FFF2-40B4-BE49-F238E27FC236}">
+                <a16:creationId xmlns:a16="http://schemas.microsoft.com/office/drawing/2014/main" id="{3CDE4312-D457-4BA6-8574-66930017DEF5}"/>
+              </a:ext>
+            </a:extLst>
+          </p:cNvPr>
+          <p:cNvSpPr>
+            <a:spLocks noGrp="1"/>
+          </p:cNvSpPr>
+          <p:nvPr>
+            <p:ph type="body" sz="quarter" idx="11"/>
+          </p:nvPr>
+        </p:nvSpPr>
+        <p:spPr/>
+        <p:txBody>
+          <a:bodyPr/>
+          <a:lstStyle/>
+          <a:p>
+            <a:endParaRPr lang="en-US"/>
+          </a:p>
+        </p:txBody>
+      </p:sp>
+      <p:sp>
+        <p:nvSpPr>
+          <p:cNvPr id="5" name="Segnaposto testo 4">
+            <a:extLst>
+              <a:ext uri="{FF2B5EF4-FFF2-40B4-BE49-F238E27FC236}">
+                <a16:creationId xmlns:a16="http://schemas.microsoft.com/office/drawing/2014/main" id="{0D0F37A7-C674-404B-8F00-A4B15C45040B}"/>
+              </a:ext>
+            </a:extLst>
+          </p:cNvPr>
+          <p:cNvSpPr>
+            <a:spLocks noGrp="1"/>
+          </p:cNvSpPr>
+          <p:nvPr>
+            <p:ph type="body" sz="quarter" idx="12"/>
+          </p:nvPr>
+        </p:nvSpPr>
+        <p:spPr/>
+        <p:txBody>
+          <a:bodyPr/>
+          <a:lstStyle/>
           <a:p>
             <a:pPr marL="0" indent="0">
               <a:buNone/>
             </a:pPr>
             <a:r>
               <a:rPr lang="it-IT" dirty="0"/>
-              <a:t>Q&amp;A</a:t>
+              <a:t>9/9</a:t>
+            </a:r>
+            <a:endParaRPr lang="en-US" dirty="0"/>
+          </a:p>
+        </p:txBody>
+      </p:sp>
+      <p:pic>
+        <p:nvPicPr>
+          <p:cNvPr id="6" name="Immagine 5">
+            <a:extLst>
+              <a:ext uri="{FF2B5EF4-FFF2-40B4-BE49-F238E27FC236}">
+                <a16:creationId xmlns:a16="http://schemas.microsoft.com/office/drawing/2014/main" id="{19387575-9E28-47F8-92F3-3262D09E9733}"/>
+              </a:ext>
+            </a:extLst>
+          </p:cNvPr>
+          <p:cNvPicPr>
+            <a:picLocks noChangeAspect="1"/>
+          </p:cNvPicPr>
+          <p:nvPr/>
+        </p:nvPicPr>
+        <p:blipFill>
+          <a:blip r:embed="rId3">
+            <a:extLst>
+              <a:ext uri="{28A0092B-C50C-407E-A947-70E740481C1C}">
+                <a14:useLocalDpi xmlns:a14="http://schemas.microsoft.com/office/drawing/2010/main" val="0"/>
+              </a:ext>
+            </a:extLst>
+          </a:blip>
+          <a:stretch>
+            <a:fillRect/>
+          </a:stretch>
+        </p:blipFill>
+        <p:spPr>
+          <a:xfrm>
+            <a:off x="2724265" y="1241594"/>
+            <a:ext cx="10159998" cy="5148791"/>
+          </a:xfrm>
+          <a:prstGeom prst="rect">
+            <a:avLst/>
+          </a:prstGeom>
+        </p:spPr>
+      </p:pic>
+      <p:sp>
+        <p:nvSpPr>
+          <p:cNvPr id="2" name="Rettangolo 1">
+            <a:extLst>
+              <a:ext uri="{FF2B5EF4-FFF2-40B4-BE49-F238E27FC236}">
+                <a16:creationId xmlns:a16="http://schemas.microsoft.com/office/drawing/2014/main" id="{86982007-8FCE-4DCE-B8D5-B61F46AC8C7A}"/>
+              </a:ext>
+            </a:extLst>
+          </p:cNvPr>
+          <p:cNvSpPr/>
+          <p:nvPr/>
+        </p:nvSpPr>
+        <p:spPr>
+          <a:xfrm>
+            <a:off x="7168551" y="759125"/>
+            <a:ext cx="6021238" cy="5768396"/>
+          </a:xfrm>
+          <a:prstGeom prst="rect">
+            <a:avLst/>
+          </a:prstGeom>
+          <a:solidFill>
+            <a:schemeClr val="bg1"/>
+          </a:solidFill>
+          <a:ln>
+            <a:noFill/>
+          </a:ln>
+        </p:spPr>
+        <p:style>
+          <a:lnRef idx="2">
+            <a:schemeClr val="accent1">
+              <a:shade val="50000"/>
+            </a:schemeClr>
+          </a:lnRef>
+          <a:fillRef idx="1">
+            <a:schemeClr val="accent1"/>
+          </a:fillRef>
+          <a:effectRef idx="0">
+            <a:schemeClr val="accent1"/>
+          </a:effectRef>
+          <a:fontRef idx="minor">
+            <a:schemeClr val="lt1"/>
+          </a:fontRef>
+        </p:style>
+        <p:txBody>
+          <a:bodyPr rtlCol="0" anchor="ctr"/>
+          <a:lstStyle/>
+          <a:p>
+            <a:pPr algn="ctr"/>
+            <a:endParaRPr lang="en-US" dirty="0"/>
+          </a:p>
+        </p:txBody>
+      </p:sp>
+      <p:sp>
+        <p:nvSpPr>
+          <p:cNvPr id="88" name="CasellaDiTesto 87">
+            <a:extLst>
+              <a:ext uri="{FF2B5EF4-FFF2-40B4-BE49-F238E27FC236}">
+                <a16:creationId xmlns:a16="http://schemas.microsoft.com/office/drawing/2014/main" id="{A784452C-69B2-4E02-996A-CC354FFD1798}"/>
+              </a:ext>
+            </a:extLst>
+          </p:cNvPr>
+          <p:cNvSpPr txBox="1"/>
+          <p:nvPr/>
+        </p:nvSpPr>
+        <p:spPr>
+          <a:xfrm>
+            <a:off x="4022145" y="857571"/>
+            <a:ext cx="4436403" cy="461661"/>
+          </a:xfrm>
+          <a:prstGeom prst="rect">
+            <a:avLst/>
+          </a:prstGeom>
+          <a:noFill/>
+          <a:ln w="12700" cap="flat">
+            <a:noFill/>
+            <a:miter lim="400000"/>
+          </a:ln>
+          <a:effectLst/>
+          <a:extLst>
+            <a:ext uri="{C572A759-6A51-4108-AA02-DFA0A04FC94B}">
+              <ma14:wrappingTextBoxFlag xmlns:ma14="http://schemas.microsoft.com/office/mac/drawingml/2011/main" xmlns="" val="1"/>
+            </a:ext>
+          </a:extLst>
+        </p:spPr>
+        <p:txBody>
+          <a:bodyPr wrap="none" lIns="45718" tIns="45718" rIns="45718" bIns="45718" numCol="1" rtlCol="0" anchor="ctr">
+            <a:spAutoFit/>
+          </a:bodyPr>
+          <a:lstStyle/>
+          <a:p>
+            <a:pPr algn="ctr"/>
+            <a:r>
+              <a:rPr lang="it-IT" sz="2400" b="1" dirty="0">
+                <a:solidFill>
+                  <a:srgbClr val="C00000"/>
+                </a:solidFill>
+              </a:rPr>
+              <a:t>PATLIC </a:t>
+            </a:r>
+            <a:r>
+              <a:rPr lang="it-IT" sz="2400" b="1" dirty="0" err="1">
+                <a:solidFill>
+                  <a:srgbClr val="C00000"/>
+                </a:solidFill>
+              </a:rPr>
+              <a:t>hammer</a:t>
+            </a:r>
+            <a:r>
+              <a:rPr lang="it-IT" sz="2400" b="1" dirty="0">
+                <a:solidFill>
+                  <a:srgbClr val="C00000"/>
+                </a:solidFill>
+              </a:rPr>
+              <a:t> </a:t>
+            </a:r>
+            <a:r>
+              <a:rPr lang="it-IT" sz="2400" b="1" dirty="0" err="1">
+                <a:solidFill>
+                  <a:srgbClr val="C00000"/>
+                </a:solidFill>
+              </a:rPr>
+              <a:t>impulse</a:t>
+            </a:r>
+            <a:r>
+              <a:rPr lang="it-IT" sz="2400" b="1" dirty="0">
+                <a:solidFill>
+                  <a:srgbClr val="C00000"/>
+                </a:solidFill>
+              </a:rPr>
+              <a:t> </a:t>
+            </a:r>
+            <a:r>
+              <a:rPr lang="it-IT" sz="2400" b="1" dirty="0" err="1">
+                <a:solidFill>
+                  <a:srgbClr val="C00000"/>
+                </a:solidFill>
+              </a:rPr>
+              <a:t>sequence</a:t>
+            </a:r>
+            <a:endParaRPr lang="en-US" sz="2400" b="1" dirty="0">
+              <a:solidFill>
+                <a:srgbClr val="C00000"/>
+              </a:solidFill>
+            </a:endParaRPr>
+          </a:p>
+        </p:txBody>
+      </p:sp>
+      <p:sp>
+        <p:nvSpPr>
+          <p:cNvPr id="7" name="CasellaDiTesto 6">
+            <a:extLst>
+              <a:ext uri="{FF2B5EF4-FFF2-40B4-BE49-F238E27FC236}">
+                <a16:creationId xmlns:a16="http://schemas.microsoft.com/office/drawing/2014/main" id="{2DC89ABD-25FD-47D9-B03E-22BDDFDA92A2}"/>
+              </a:ext>
+            </a:extLst>
+          </p:cNvPr>
+          <p:cNvSpPr txBox="1"/>
+          <p:nvPr/>
+        </p:nvSpPr>
+        <p:spPr>
+          <a:xfrm>
+            <a:off x="7570574" y="2040951"/>
+            <a:ext cx="1206929" cy="369328"/>
+          </a:xfrm>
+          <a:prstGeom prst="rect">
+            <a:avLst/>
+          </a:prstGeom>
+          <a:noFill/>
+          <a:ln w="12700" cap="flat">
+            <a:noFill/>
+            <a:miter lim="400000"/>
+          </a:ln>
+          <a:effectLst/>
+          <a:extLst>
+            <a:ext uri="{C572A759-6A51-4108-AA02-DFA0A04FC94B}">
+              <ma14:wrappingTextBoxFlag xmlns:ma14="http://schemas.microsoft.com/office/mac/drawingml/2011/main" xmlns="" val="1"/>
+            </a:ext>
+          </a:extLst>
+        </p:spPr>
+        <p:txBody>
+          <a:bodyPr wrap="none" lIns="45718" tIns="45718" rIns="45718" bIns="45718" numCol="1" rtlCol="0" anchor="ctr">
+            <a:spAutoFit/>
+          </a:bodyPr>
+          <a:lstStyle/>
+          <a:p>
+            <a:pPr algn="l"/>
+            <a:r>
+              <a:rPr lang="it-IT" dirty="0"/>
+              <a:t>Alice </a:t>
+            </a:r>
+            <a:r>
+              <a:rPr lang="it-IT" dirty="0" err="1"/>
+              <a:t>coarse</a:t>
+            </a:r>
+            <a:endParaRPr lang="en-US" dirty="0"/>
+          </a:p>
+        </p:txBody>
+      </p:sp>
+      <p:sp>
+        <p:nvSpPr>
+          <p:cNvPr id="8" name="CasellaDiTesto 7">
+            <a:extLst>
+              <a:ext uri="{FF2B5EF4-FFF2-40B4-BE49-F238E27FC236}">
+                <a16:creationId xmlns:a16="http://schemas.microsoft.com/office/drawing/2014/main" id="{4FD0E8EB-3A04-43F6-87EF-8B35C296859C}"/>
+              </a:ext>
+            </a:extLst>
+          </p:cNvPr>
+          <p:cNvSpPr txBox="1"/>
+          <p:nvPr/>
+        </p:nvSpPr>
+        <p:spPr>
+          <a:xfrm>
+            <a:off x="7570574" y="3551842"/>
+            <a:ext cx="1123573" cy="369328"/>
+          </a:xfrm>
+          <a:prstGeom prst="rect">
+            <a:avLst/>
+          </a:prstGeom>
+          <a:noFill/>
+          <a:ln w="12700" cap="flat">
+            <a:noFill/>
+            <a:miter lim="400000"/>
+          </a:ln>
+          <a:effectLst/>
+          <a:extLst>
+            <a:ext uri="{C572A759-6A51-4108-AA02-DFA0A04FC94B}">
+              <ma14:wrappingTextBoxFlag xmlns="" xmlns:ma14="http://schemas.microsoft.com/office/mac/drawingml/2011/main" val="1"/>
+            </a:ext>
+          </a:extLst>
+        </p:spPr>
+        <p:txBody>
+          <a:bodyPr wrap="none" lIns="45718" tIns="45718" rIns="45718" bIns="45718" numCol="1" rtlCol="0" anchor="ctr">
+            <a:spAutoFit/>
+          </a:bodyPr>
+          <a:lstStyle/>
+          <a:p>
+            <a:pPr algn="l"/>
+            <a:r>
+              <a:rPr lang="it-IT" dirty="0"/>
+              <a:t>Bob </a:t>
+            </a:r>
+            <a:r>
+              <a:rPr lang="it-IT" dirty="0" err="1"/>
+              <a:t>coarse</a:t>
+            </a:r>
+            <a:endParaRPr lang="en-US" dirty="0"/>
+          </a:p>
+        </p:txBody>
+      </p:sp>
+      <p:sp>
+        <p:nvSpPr>
+          <p:cNvPr id="10" name="CasellaDiTesto 9">
+            <a:extLst>
+              <a:ext uri="{FF2B5EF4-FFF2-40B4-BE49-F238E27FC236}">
+                <a16:creationId xmlns:a16="http://schemas.microsoft.com/office/drawing/2014/main" id="{75321EB4-5F1B-4568-9788-2CCF2051E2D0}"/>
+              </a:ext>
+            </a:extLst>
+          </p:cNvPr>
+          <p:cNvSpPr txBox="1"/>
+          <p:nvPr/>
+        </p:nvSpPr>
+        <p:spPr>
+          <a:xfrm>
+            <a:off x="7695063" y="5123457"/>
+            <a:ext cx="874594" cy="369328"/>
+          </a:xfrm>
+          <a:prstGeom prst="rect">
+            <a:avLst/>
+          </a:prstGeom>
+          <a:noFill/>
+          <a:ln w="12700" cap="flat">
+            <a:noFill/>
+            <a:miter lim="400000"/>
+          </a:ln>
+          <a:effectLst/>
+          <a:extLst>
+            <a:ext uri="{C572A759-6A51-4108-AA02-DFA0A04FC94B}">
+              <ma14:wrappingTextBoxFlag xmlns:ma14="http://schemas.microsoft.com/office/mac/drawingml/2011/main" xmlns="" val="1"/>
+            </a:ext>
+          </a:extLst>
+        </p:spPr>
+        <p:txBody>
+          <a:bodyPr wrap="none" lIns="45718" tIns="45718" rIns="45718" bIns="45718" numCol="1" rtlCol="0" anchor="ctr">
+            <a:spAutoFit/>
+          </a:bodyPr>
+          <a:lstStyle/>
+          <a:p>
+            <a:pPr algn="l"/>
+            <a:r>
+              <a:rPr lang="it-IT" dirty="0"/>
+              <a:t>Bob fine</a:t>
             </a:r>
             <a:endParaRPr lang="en-US" dirty="0"/>
           </a:p>
@@ -3057,7 +6111,7 @@
     </p:spTree>
     <p:extLst>
       <p:ext uri="{BB962C8B-B14F-4D97-AF65-F5344CB8AC3E}">
-        <p14:creationId xmlns:p14="http://schemas.microsoft.com/office/powerpoint/2010/main" val="3085060433"/>
+        <p14:creationId xmlns:p14="http://schemas.microsoft.com/office/powerpoint/2010/main" val="3156942392"/>
       </p:ext>
     </p:extLst>
   </p:cSld>
@@ -3068,7 +6122,7 @@
 </file>
 
 <file path=ppt/slides/slide12.xml><?xml version="1.0" encoding="utf-8"?>
-<p:sld xmlns:a="http://schemas.openxmlformats.org/drawingml/2006/main" xmlns:r="http://schemas.openxmlformats.org/officeDocument/2006/relationships" xmlns:p="http://schemas.openxmlformats.org/presentationml/2006/main" show="0">
+<p:sld xmlns:a="http://schemas.openxmlformats.org/drawingml/2006/main" xmlns:r="http://schemas.openxmlformats.org/officeDocument/2006/relationships" xmlns:p="http://schemas.openxmlformats.org/presentationml/2006/main">
   <p:cSld>
     <p:spTree>
       <p:nvGrpSpPr>
@@ -3086,10 +6140,10 @@
       </p:grpSpPr>
       <p:sp>
         <p:nvSpPr>
-          <p:cNvPr id="10" name="Text Placeholder 2">
-            <a:extLst>
-              <a:ext uri="{FF2B5EF4-FFF2-40B4-BE49-F238E27FC236}">
-                <a16:creationId xmlns:a16="http://schemas.microsoft.com/office/drawing/2014/main" id="{B7CDE812-22C3-4CE6-B0A6-D21EE10033D4}"/>
+          <p:cNvPr id="3" name="Segnaposto testo 2">
+            <a:extLst>
+              <a:ext uri="{FF2B5EF4-FFF2-40B4-BE49-F238E27FC236}">
+                <a16:creationId xmlns:a16="http://schemas.microsoft.com/office/drawing/2014/main" id="{864F5E87-CB5E-4EB6-BECA-B9871D823BDE}"/>
               </a:ext>
             </a:extLst>
           </p:cNvPr>
@@ -3102,8 +6156,8 @@
         </p:nvSpPr>
         <p:spPr>
           <a:xfrm>
-            <a:off x="8542639" y="6130613"/>
-            <a:ext cx="3550508" cy="369328"/>
+            <a:off x="203200" y="92075"/>
+            <a:ext cx="5042131" cy="350838"/>
           </a:xfrm>
         </p:spPr>
         <p:txBody>
@@ -3114,8 +6168,8 @@
               <a:buNone/>
             </a:pPr>
             <a:r>
-              <a:rPr lang="it-IT" dirty="0"/>
-              <a:t>07/09/2020</a:t>
+              <a:rPr lang="it-IT" dirty="0" err="1"/>
+              <a:t>Conclusions</a:t>
             </a:r>
             <a:endParaRPr lang="en-US" dirty="0"/>
           </a:p>
@@ -3123,10 +6177,10 @@
       </p:sp>
       <p:sp>
         <p:nvSpPr>
-          <p:cNvPr id="12" name="Text Placeholder 3">
-            <a:extLst>
-              <a:ext uri="{FF2B5EF4-FFF2-40B4-BE49-F238E27FC236}">
-                <a16:creationId xmlns:a16="http://schemas.microsoft.com/office/drawing/2014/main" id="{C8875A06-1468-453A-87C6-1B64CDE7E42C}"/>
+          <p:cNvPr id="4" name="Segnaposto testo 3">
+            <a:extLst>
+              <a:ext uri="{FF2B5EF4-FFF2-40B4-BE49-F238E27FC236}">
+                <a16:creationId xmlns:a16="http://schemas.microsoft.com/office/drawing/2014/main" id="{3CDE4312-D457-4BA6-8574-66930017DEF5}"/>
               </a:ext>
             </a:extLst>
           </p:cNvPr>
@@ -3137,12 +6191,32 @@
             <p:ph type="body" sz="quarter" idx="11"/>
           </p:nvPr>
         </p:nvSpPr>
-        <p:spPr>
-          <a:xfrm>
-            <a:off x="97997" y="67109"/>
-            <a:ext cx="11995150" cy="452437"/>
-          </a:xfrm>
-        </p:spPr>
+        <p:spPr/>
+        <p:txBody>
+          <a:bodyPr/>
+          <a:lstStyle/>
+          <a:p>
+            <a:endParaRPr lang="en-US"/>
+          </a:p>
+        </p:txBody>
+      </p:sp>
+      <p:sp>
+        <p:nvSpPr>
+          <p:cNvPr id="5" name="Segnaposto testo 4">
+            <a:extLst>
+              <a:ext uri="{FF2B5EF4-FFF2-40B4-BE49-F238E27FC236}">
+                <a16:creationId xmlns:a16="http://schemas.microsoft.com/office/drawing/2014/main" id="{0D0F37A7-C674-404B-8F00-A4B15C45040B}"/>
+              </a:ext>
+            </a:extLst>
+          </p:cNvPr>
+          <p:cNvSpPr>
+            <a:spLocks noGrp="1"/>
+          </p:cNvSpPr>
+          <p:nvPr>
+            <p:ph type="body" sz="quarter" idx="12"/>
+          </p:nvPr>
+        </p:nvSpPr>
+        <p:spPr/>
         <p:txBody>
           <a:bodyPr/>
           <a:lstStyle/>
@@ -3151,215 +6225,357 @@
               <a:buNone/>
             </a:pPr>
             <a:r>
-              <a:rPr lang="en-US" sz="1800" dirty="0"/>
-              <a:t>DEVELOPMENT OF A POINTING-ACQUISITION-TRACKING SYSTEM FOR FREE-SPACE QUANTUM COMMUNICATION</a:t>
-            </a:r>
-          </a:p>
-        </p:txBody>
-      </p:sp>
-      <p:sp>
-        <p:nvSpPr>
-          <p:cNvPr id="4" name="Text Placeholder 2">
-            <a:extLst>
-              <a:ext uri="{FF2B5EF4-FFF2-40B4-BE49-F238E27FC236}">
-                <a16:creationId xmlns:a16="http://schemas.microsoft.com/office/drawing/2014/main" id="{A87BEAEA-B837-45D1-9569-F61093A90BFB}"/>
-              </a:ext>
-            </a:extLst>
-          </p:cNvPr>
-          <p:cNvSpPr txBox="1">
-            <a:spLocks/>
-          </p:cNvSpPr>
+              <a:rPr lang="it-IT" dirty="0"/>
+              <a:t>10/9</a:t>
+            </a:r>
+            <a:endParaRPr lang="en-US" dirty="0"/>
+          </a:p>
+        </p:txBody>
+      </p:sp>
+      <p:sp>
+        <p:nvSpPr>
+          <p:cNvPr id="88" name="CasellaDiTesto 87">
+            <a:extLst>
+              <a:ext uri="{FF2B5EF4-FFF2-40B4-BE49-F238E27FC236}">
+                <a16:creationId xmlns:a16="http://schemas.microsoft.com/office/drawing/2014/main" id="{A784452C-69B2-4E02-996A-CC354FFD1798}"/>
+              </a:ext>
+            </a:extLst>
+          </p:cNvPr>
+          <p:cNvSpPr txBox="1"/>
           <p:nvPr/>
         </p:nvSpPr>
         <p:spPr>
           <a:xfrm>
-            <a:off x="3294145" y="727340"/>
-            <a:ext cx="5602853" cy="369328"/>
+            <a:off x="5436765" y="857571"/>
+            <a:ext cx="1607167" cy="461661"/>
           </a:xfrm>
           <a:prstGeom prst="rect">
             <a:avLst/>
           </a:prstGeom>
-        </p:spPr>
-        <p:txBody>
-          <a:bodyPr/>
-          <a:lstStyle>
-            <a:lvl1pPr marL="228600" indent="-228600" algn="r" defTabSz="914400" rtl="0" eaLnBrk="1" latinLnBrk="0" hangingPunct="1">
-              <a:lnSpc>
-                <a:spcPct val="90000"/>
-              </a:lnSpc>
-              <a:spcBef>
-                <a:spcPts val="1000"/>
-              </a:spcBef>
-              <a:buFont typeface="Wingdings 2" pitchFamily="18" charset="2"/>
-              <a:buChar char=""/>
-              <a:defRPr sz="1800" kern="1200">
-                <a:solidFill>
-                  <a:schemeClr val="tx1"/>
-                </a:solidFill>
-                <a:latin typeface="+mn-lt"/>
-                <a:ea typeface="+mn-ea"/>
-                <a:cs typeface="+mn-cs"/>
-              </a:defRPr>
-            </a:lvl1pPr>
-            <a:lvl2pPr marL="685800" indent="-228600" algn="l" defTabSz="914400" rtl="0" eaLnBrk="1" latinLnBrk="0" hangingPunct="1">
-              <a:lnSpc>
-                <a:spcPct val="90000"/>
-              </a:lnSpc>
-              <a:spcBef>
-                <a:spcPts val="500"/>
-              </a:spcBef>
-              <a:buFont typeface="Wingdings 2" pitchFamily="18" charset="2"/>
-              <a:buChar char=""/>
-              <a:defRPr sz="2400" kern="1200">
-                <a:solidFill>
-                  <a:schemeClr val="tx1"/>
-                </a:solidFill>
-                <a:latin typeface="+mn-lt"/>
-                <a:ea typeface="+mn-ea"/>
-                <a:cs typeface="+mn-cs"/>
-              </a:defRPr>
-            </a:lvl2pPr>
-            <a:lvl3pPr marL="1143000" indent="-228600" algn="l" defTabSz="914400" rtl="0" eaLnBrk="1" latinLnBrk="0" hangingPunct="1">
-              <a:lnSpc>
-                <a:spcPct val="90000"/>
-              </a:lnSpc>
-              <a:spcBef>
-                <a:spcPts val="500"/>
-              </a:spcBef>
-              <a:buFont typeface="Wingdings 2" pitchFamily="18" charset="2"/>
-              <a:buChar char=""/>
-              <a:defRPr sz="2000" kern="1200">
-                <a:solidFill>
-                  <a:schemeClr val="tx1"/>
-                </a:solidFill>
-                <a:latin typeface="+mn-lt"/>
-                <a:ea typeface="+mn-ea"/>
-                <a:cs typeface="+mn-cs"/>
-              </a:defRPr>
-            </a:lvl3pPr>
-            <a:lvl4pPr marL="1600200" indent="-228600" algn="l" defTabSz="914400" rtl="0" eaLnBrk="1" latinLnBrk="0" hangingPunct="1">
-              <a:lnSpc>
-                <a:spcPct val="90000"/>
-              </a:lnSpc>
-              <a:spcBef>
-                <a:spcPts val="500"/>
-              </a:spcBef>
-              <a:buFont typeface="Wingdings 2" pitchFamily="18" charset="2"/>
-              <a:buChar char=""/>
-              <a:defRPr sz="1800" kern="1200">
-                <a:solidFill>
-                  <a:schemeClr val="tx1"/>
-                </a:solidFill>
-                <a:latin typeface="+mn-lt"/>
-                <a:ea typeface="+mn-ea"/>
-                <a:cs typeface="+mn-cs"/>
-              </a:defRPr>
-            </a:lvl4pPr>
-            <a:lvl5pPr marL="2057400" indent="-228600" algn="l" defTabSz="914400" rtl="0" eaLnBrk="1" latinLnBrk="0" hangingPunct="1">
-              <a:lnSpc>
-                <a:spcPct val="90000"/>
-              </a:lnSpc>
-              <a:spcBef>
-                <a:spcPts val="500"/>
-              </a:spcBef>
-              <a:buFont typeface="Wingdings 2" pitchFamily="18" charset="2"/>
-              <a:buChar char=""/>
-              <a:defRPr sz="1800" kern="1200">
-                <a:solidFill>
-                  <a:schemeClr val="tx1"/>
-                </a:solidFill>
-                <a:latin typeface="+mn-lt"/>
-                <a:ea typeface="+mn-ea"/>
-                <a:cs typeface="+mn-cs"/>
-              </a:defRPr>
-            </a:lvl5pPr>
-            <a:lvl6pPr marL="2514600" indent="-228600" algn="l" defTabSz="914400" rtl="0" eaLnBrk="1" latinLnBrk="0" hangingPunct="1">
-              <a:spcBef>
-                <a:spcPct val="20000"/>
-              </a:spcBef>
-              <a:buFont typeface="Wingdings 2" pitchFamily="18" charset="2"/>
-              <a:buChar char=""/>
-              <a:defRPr sz="1800" kern="1200">
-                <a:solidFill>
-                  <a:schemeClr val="tx1"/>
-                </a:solidFill>
-                <a:latin typeface="+mn-lt"/>
-                <a:ea typeface="+mn-ea"/>
-                <a:cs typeface="+mn-cs"/>
-              </a:defRPr>
-            </a:lvl6pPr>
-            <a:lvl7pPr marL="2971800" indent="-228600" algn="l" defTabSz="914400" rtl="0" eaLnBrk="1" latinLnBrk="0" hangingPunct="1">
-              <a:spcBef>
-                <a:spcPct val="20000"/>
-              </a:spcBef>
-              <a:buFont typeface="Wingdings 2" pitchFamily="18" charset="2"/>
-              <a:buChar char=""/>
-              <a:defRPr sz="1800" kern="1200">
-                <a:solidFill>
-                  <a:schemeClr val="tx1"/>
-                </a:solidFill>
-                <a:latin typeface="+mn-lt"/>
-                <a:ea typeface="+mn-ea"/>
-                <a:cs typeface="+mn-cs"/>
-              </a:defRPr>
-            </a:lvl7pPr>
-            <a:lvl8pPr marL="3429000" indent="-228600" algn="l" defTabSz="914400" rtl="0" eaLnBrk="1" latinLnBrk="0" hangingPunct="1">
-              <a:spcBef>
-                <a:spcPct val="20000"/>
-              </a:spcBef>
-              <a:buFont typeface="Wingdings 2" pitchFamily="18" charset="2"/>
-              <a:buChar char=""/>
-              <a:defRPr sz="1800" kern="1200">
-                <a:solidFill>
-                  <a:schemeClr val="tx1"/>
-                </a:solidFill>
-                <a:latin typeface="+mn-lt"/>
-                <a:ea typeface="+mn-ea"/>
-                <a:cs typeface="+mn-cs"/>
-              </a:defRPr>
-            </a:lvl8pPr>
-            <a:lvl9pPr marL="3886200" indent="-228600" algn="l" defTabSz="914400" rtl="0" eaLnBrk="1" latinLnBrk="0" hangingPunct="1">
-              <a:spcBef>
-                <a:spcPct val="20000"/>
-              </a:spcBef>
-              <a:buFont typeface="Wingdings 2" pitchFamily="18" charset="2"/>
-              <a:buChar char=""/>
-              <a:defRPr sz="1800" kern="1200">
-                <a:solidFill>
-                  <a:schemeClr val="tx1"/>
-                </a:solidFill>
-                <a:latin typeface="+mn-lt"/>
-                <a:ea typeface="+mn-ea"/>
-                <a:cs typeface="+mn-cs"/>
-              </a:defRPr>
-            </a:lvl9pPr>
-          </a:lstStyle>
-          <a:p>
-            <a:pPr marL="0" indent="0" algn="ctr">
-              <a:buFont typeface="Wingdings 2" pitchFamily="18" charset="2"/>
-              <a:buNone/>
-            </a:pPr>
-            <a:r>
-              <a:rPr lang="en-US" sz="2000" b="0" i="0" dirty="0">
-                <a:effectLst/>
-                <a:latin typeface="Arial" panose="020B0604020202020204" pitchFamily="34" charset="0"/>
-              </a:rPr>
-              <a:t>Presentation of the </a:t>
-            </a:r>
-            <a:r>
-              <a:rPr lang="en-US" sz="2000" dirty="0">
-                <a:latin typeface="Arial" panose="020B0604020202020204" pitchFamily="34" charset="0"/>
-              </a:rPr>
-              <a:t>Master’s Degree Thesis</a:t>
-            </a:r>
-            <a:endParaRPr lang="en-US" sz="2000" dirty="0"/>
+          <a:noFill/>
+          <a:ln w="12700" cap="flat">
+            <a:noFill/>
+            <a:miter lim="400000"/>
+          </a:ln>
+          <a:effectLst/>
+          <a:extLst>
+            <a:ext uri="{C572A759-6A51-4108-AA02-DFA0A04FC94B}">
+              <ma14:wrappingTextBoxFlag xmlns:ma14="http://schemas.microsoft.com/office/mac/drawingml/2011/main" xmlns="" val="1"/>
+            </a:ext>
+          </a:extLst>
+        </p:spPr>
+        <p:txBody>
+          <a:bodyPr wrap="none" lIns="45718" tIns="45718" rIns="45718" bIns="45718" numCol="1" rtlCol="0" anchor="ctr">
+            <a:spAutoFit/>
+          </a:bodyPr>
+          <a:lstStyle/>
+          <a:p>
+            <a:pPr algn="ctr"/>
+            <a:r>
+              <a:rPr lang="it-IT" sz="2400" b="1" dirty="0" err="1">
+                <a:solidFill>
+                  <a:srgbClr val="C00000"/>
+                </a:solidFill>
+              </a:rPr>
+              <a:t>Conclusions</a:t>
+            </a:r>
+            <a:endParaRPr lang="en-US" sz="2400" b="1" dirty="0">
+              <a:solidFill>
+                <a:srgbClr val="C00000"/>
+              </a:solidFill>
+            </a:endParaRPr>
+          </a:p>
+        </p:txBody>
+      </p:sp>
+      <p:pic>
+        <p:nvPicPr>
+          <p:cNvPr id="2" name="Elemento grafico 1">
+            <a:extLst>
+              <a:ext uri="{FF2B5EF4-FFF2-40B4-BE49-F238E27FC236}">
+                <a16:creationId xmlns:a16="http://schemas.microsoft.com/office/drawing/2014/main" id="{D3735947-AA82-4D79-ACBC-8CAC0E2E4DE5}"/>
+              </a:ext>
+            </a:extLst>
+          </p:cNvPr>
+          <p:cNvPicPr>
+            <a:picLocks noChangeAspect="1"/>
+          </p:cNvPicPr>
+          <p:nvPr/>
+        </p:nvPicPr>
+        <p:blipFill>
+          <a:blip r:embed="rId3">
+            <a:extLst>
+              <a:ext uri="{28A0092B-C50C-407E-A947-70E740481C1C}">
+                <a14:useLocalDpi xmlns:a14="http://schemas.microsoft.com/office/drawing/2010/main" val="0"/>
+              </a:ext>
+              <a:ext uri="{96DAC541-7B7A-43D3-8B79-37D633B846F1}">
+                <asvg:svgBlip xmlns:asvg="http://schemas.microsoft.com/office/drawing/2016/SVG/main" r:embed="rId4"/>
+              </a:ext>
+            </a:extLst>
+          </a:blip>
+          <a:stretch>
+            <a:fillRect/>
+          </a:stretch>
+        </p:blipFill>
+        <p:spPr>
+          <a:xfrm>
+            <a:off x="1014622" y="2468771"/>
+            <a:ext cx="1920458" cy="1920458"/>
+          </a:xfrm>
+          <a:prstGeom prst="rect">
+            <a:avLst/>
+          </a:prstGeom>
+        </p:spPr>
+      </p:pic>
+      <p:pic>
+        <p:nvPicPr>
+          <p:cNvPr id="8" name="Elemento grafico 7">
+            <a:extLst>
+              <a:ext uri="{FF2B5EF4-FFF2-40B4-BE49-F238E27FC236}">
+                <a16:creationId xmlns:a16="http://schemas.microsoft.com/office/drawing/2014/main" id="{A7BE7B15-4535-4D15-8A46-58CB6663985C}"/>
+              </a:ext>
+            </a:extLst>
+          </p:cNvPr>
+          <p:cNvPicPr>
+            <a:picLocks noChangeAspect="1"/>
+          </p:cNvPicPr>
+          <p:nvPr/>
+        </p:nvPicPr>
+        <p:blipFill>
+          <a:blip r:embed="rId5">
+            <a:extLst>
+              <a:ext uri="{28A0092B-C50C-407E-A947-70E740481C1C}">
+                <a14:useLocalDpi xmlns:a14="http://schemas.microsoft.com/office/drawing/2010/main" val="0"/>
+              </a:ext>
+              <a:ext uri="{96DAC541-7B7A-43D3-8B79-37D633B846F1}">
+                <asvg:svgBlip xmlns:asvg="http://schemas.microsoft.com/office/drawing/2016/SVG/main" r:embed="rId6"/>
+              </a:ext>
+            </a:extLst>
+          </a:blip>
+          <a:stretch>
+            <a:fillRect/>
+          </a:stretch>
+        </p:blipFill>
+        <p:spPr>
+          <a:xfrm>
+            <a:off x="5073205" y="2560281"/>
+            <a:ext cx="1737437" cy="1737437"/>
+          </a:xfrm>
+          <a:prstGeom prst="rect">
+            <a:avLst/>
+          </a:prstGeom>
+        </p:spPr>
+      </p:pic>
+      <p:sp>
+        <p:nvSpPr>
+          <p:cNvPr id="10" name="CasellaDiTesto 9">
+            <a:extLst>
+              <a:ext uri="{FF2B5EF4-FFF2-40B4-BE49-F238E27FC236}">
+                <a16:creationId xmlns:a16="http://schemas.microsoft.com/office/drawing/2014/main" id="{10CFF62F-0CC5-4265-9936-D7CFA20494E0}"/>
+              </a:ext>
+            </a:extLst>
+          </p:cNvPr>
+          <p:cNvSpPr txBox="1"/>
+          <p:nvPr/>
+        </p:nvSpPr>
+        <p:spPr>
+          <a:xfrm>
+            <a:off x="1220736" y="4559388"/>
+            <a:ext cx="1508229" cy="646327"/>
+          </a:xfrm>
+          <a:prstGeom prst="rect">
+            <a:avLst/>
+          </a:prstGeom>
+          <a:noFill/>
+          <a:ln w="12700" cap="flat">
+            <a:noFill/>
+            <a:miter lim="400000"/>
+          </a:ln>
+          <a:effectLst/>
+          <a:extLst>
+            <a:ext uri="{C572A759-6A51-4108-AA02-DFA0A04FC94B}">
+              <ma14:wrappingTextBoxFlag xmlns:ma14="http://schemas.microsoft.com/office/mac/drawingml/2011/main" xmlns="" val="1"/>
+            </a:ext>
+          </a:extLst>
+        </p:spPr>
+        <p:txBody>
+          <a:bodyPr wrap="none" lIns="45718" tIns="45718" rIns="45718" bIns="45718" numCol="1" rtlCol="0" anchor="ctr">
+            <a:spAutoFit/>
+          </a:bodyPr>
+          <a:lstStyle/>
+          <a:p>
+            <a:pPr algn="ctr"/>
+            <a:r>
+              <a:rPr lang="it-IT" dirty="0"/>
+              <a:t>New software</a:t>
+            </a:r>
+          </a:p>
+          <a:p>
+            <a:pPr algn="ctr"/>
+            <a:r>
+              <a:rPr lang="en-US" dirty="0"/>
+              <a:t>modularization</a:t>
+            </a:r>
+          </a:p>
+        </p:txBody>
+      </p:sp>
+      <p:sp>
+        <p:nvSpPr>
+          <p:cNvPr id="11" name="CasellaDiTesto 10">
+            <a:extLst>
+              <a:ext uri="{FF2B5EF4-FFF2-40B4-BE49-F238E27FC236}">
+                <a16:creationId xmlns:a16="http://schemas.microsoft.com/office/drawing/2014/main" id="{9C67C84D-71E8-44FF-932B-CA3D09BDCA9F}"/>
+              </a:ext>
+            </a:extLst>
+          </p:cNvPr>
+          <p:cNvSpPr txBox="1"/>
+          <p:nvPr/>
+        </p:nvSpPr>
+        <p:spPr>
+          <a:xfrm>
+            <a:off x="5245331" y="4559388"/>
+            <a:ext cx="1398456" cy="646327"/>
+          </a:xfrm>
+          <a:prstGeom prst="rect">
+            <a:avLst/>
+          </a:prstGeom>
+          <a:noFill/>
+          <a:ln w="12700" cap="flat">
+            <a:noFill/>
+            <a:miter lim="400000"/>
+          </a:ln>
+          <a:effectLst/>
+          <a:extLst>
+            <a:ext uri="{C572A759-6A51-4108-AA02-DFA0A04FC94B}">
+              <ma14:wrappingTextBoxFlag xmlns="" xmlns:ma14="http://schemas.microsoft.com/office/mac/drawingml/2011/main" val="1"/>
+            </a:ext>
+          </a:extLst>
+        </p:spPr>
+        <p:txBody>
+          <a:bodyPr wrap="none" lIns="45718" tIns="45718" rIns="45718" bIns="45718" numCol="1" rtlCol="0" anchor="ctr">
+            <a:spAutoFit/>
+          </a:bodyPr>
+          <a:lstStyle/>
+          <a:p>
+            <a:pPr algn="ctr"/>
+            <a:r>
+              <a:rPr lang="it-IT" dirty="0"/>
+              <a:t>New software</a:t>
+            </a:r>
+          </a:p>
+          <a:p>
+            <a:pPr algn="ctr"/>
+            <a:r>
+              <a:rPr lang="it-IT" dirty="0"/>
+              <a:t>PAT</a:t>
+            </a:r>
+            <a:endParaRPr lang="en-US" dirty="0"/>
+          </a:p>
+        </p:txBody>
+      </p:sp>
+      <p:pic>
+        <p:nvPicPr>
+          <p:cNvPr id="14" name="Elemento grafico 13">
+            <a:extLst>
+              <a:ext uri="{FF2B5EF4-FFF2-40B4-BE49-F238E27FC236}">
+                <a16:creationId xmlns:a16="http://schemas.microsoft.com/office/drawing/2014/main" id="{89368187-56DE-4DA7-AA7C-E6DF0316809E}"/>
+              </a:ext>
+            </a:extLst>
+          </p:cNvPr>
+          <p:cNvPicPr>
+            <a:picLocks noChangeAspect="1"/>
+          </p:cNvPicPr>
+          <p:nvPr/>
+        </p:nvPicPr>
+        <p:blipFill>
+          <a:blip r:embed="rId7">
+            <a:extLst>
+              <a:ext uri="{28A0092B-C50C-407E-A947-70E740481C1C}">
+                <a14:useLocalDpi xmlns:a14="http://schemas.microsoft.com/office/drawing/2010/main" val="0"/>
+              </a:ext>
+              <a:ext uri="{96DAC541-7B7A-43D3-8B79-37D633B846F1}">
+                <asvg:svgBlip xmlns:asvg="http://schemas.microsoft.com/office/drawing/2016/SVG/main" r:embed="rId8"/>
+              </a:ext>
+            </a:extLst>
+          </a:blip>
+          <a:stretch>
+            <a:fillRect/>
+          </a:stretch>
+        </p:blipFill>
+        <p:spPr>
+          <a:xfrm>
+            <a:off x="9007043" y="2560281"/>
+            <a:ext cx="1737437" cy="1737437"/>
+          </a:xfrm>
+          <a:prstGeom prst="rect">
+            <a:avLst/>
+          </a:prstGeom>
+        </p:spPr>
+      </p:pic>
+      <p:sp>
+        <p:nvSpPr>
+          <p:cNvPr id="15" name="CasellaDiTesto 14">
+            <a:extLst>
+              <a:ext uri="{FF2B5EF4-FFF2-40B4-BE49-F238E27FC236}">
+                <a16:creationId xmlns:a16="http://schemas.microsoft.com/office/drawing/2014/main" id="{9D9F1943-C966-46FF-8600-5FA51442202F}"/>
+              </a:ext>
+            </a:extLst>
+          </p:cNvPr>
+          <p:cNvSpPr txBox="1"/>
+          <p:nvPr/>
+        </p:nvSpPr>
+        <p:spPr>
+          <a:xfrm>
+            <a:off x="9400569" y="4559388"/>
+            <a:ext cx="950384" cy="646327"/>
+          </a:xfrm>
+          <a:prstGeom prst="rect">
+            <a:avLst/>
+          </a:prstGeom>
+          <a:noFill/>
+          <a:ln w="12700" cap="flat">
+            <a:noFill/>
+            <a:miter lim="400000"/>
+          </a:ln>
+          <a:effectLst/>
+          <a:extLst>
+            <a:ext uri="{C572A759-6A51-4108-AA02-DFA0A04FC94B}">
+              <ma14:wrappingTextBoxFlag xmlns:ma14="http://schemas.microsoft.com/office/mac/drawingml/2011/main" xmlns="" val="1"/>
+            </a:ext>
+          </a:extLst>
+        </p:spPr>
+        <p:txBody>
+          <a:bodyPr wrap="none" lIns="45718" tIns="45718" rIns="45718" bIns="45718" numCol="1" rtlCol="0" anchor="ctr">
+            <a:spAutoFit/>
+          </a:bodyPr>
+          <a:lstStyle/>
+          <a:p>
+            <a:pPr algn="ctr"/>
+            <a:r>
+              <a:rPr lang="en-US" dirty="0"/>
+              <a:t>Result</a:t>
+            </a:r>
+            <a:r>
+              <a:rPr lang="it-IT" dirty="0"/>
+              <a:t> </a:t>
+            </a:r>
+            <a:r>
+              <a:rPr lang="en-US" dirty="0"/>
+              <a:t>as</a:t>
+            </a:r>
+          </a:p>
+          <a:p>
+            <a:pPr algn="ctr"/>
+            <a:r>
+              <a:rPr lang="en-US" dirty="0"/>
+              <a:t>expected</a:t>
+            </a:r>
           </a:p>
         </p:txBody>
       </p:sp>
     </p:spTree>
     <p:extLst>
       <p:ext uri="{BB962C8B-B14F-4D97-AF65-F5344CB8AC3E}">
-        <p14:creationId xmlns:p14="http://schemas.microsoft.com/office/powerpoint/2010/main" val="3969296591"/>
+        <p14:creationId xmlns:p14="http://schemas.microsoft.com/office/powerpoint/2010/main" val="1619849635"/>
       </p:ext>
     </p:extLst>
   </p:cSld>
@@ -3370,7 +6586,7 @@
 </file>
 
 <file path=ppt/slides/slide13.xml><?xml version="1.0" encoding="utf-8"?>
-<p:sld xmlns:a="http://schemas.openxmlformats.org/drawingml/2006/main" xmlns:r="http://schemas.openxmlformats.org/officeDocument/2006/relationships" xmlns:p="http://schemas.openxmlformats.org/presentationml/2006/main" show="0">
+<p:sld xmlns:a="http://schemas.openxmlformats.org/drawingml/2006/main" xmlns:r="http://schemas.openxmlformats.org/officeDocument/2006/relationships" xmlns:p="http://schemas.openxmlformats.org/presentationml/2006/main">
   <p:cSld>
     <p:spTree>
       <p:nvGrpSpPr>
@@ -3388,134 +6604,10 @@
       </p:grpSpPr>
       <p:sp>
         <p:nvSpPr>
-          <p:cNvPr id="2" name="Sottotitolo 1">
-            <a:extLst>
-              <a:ext uri="{FF2B5EF4-FFF2-40B4-BE49-F238E27FC236}">
-                <a16:creationId xmlns:a16="http://schemas.microsoft.com/office/drawing/2014/main" id="{0023A30F-85EF-4434-A939-B822EB9AB53E}"/>
-              </a:ext>
-            </a:extLst>
-          </p:cNvPr>
-          <p:cNvSpPr>
-            <a:spLocks noGrp="1"/>
-          </p:cNvSpPr>
-          <p:nvPr>
-            <p:ph type="subTitle" idx="1"/>
-          </p:nvPr>
-        </p:nvSpPr>
-        <p:spPr>
-          <a:xfrm>
-            <a:off x="4282069" y="1366301"/>
-            <a:ext cx="3627861" cy="4729944"/>
-          </a:xfrm>
-        </p:spPr>
-        <p:txBody>
-          <a:bodyPr/>
-          <a:lstStyle/>
-          <a:p>
-            <a:pPr marL="0" indent="0" algn="ctr">
-              <a:buNone/>
-            </a:pPr>
-            <a:r>
-              <a:rPr lang="it-IT" sz="3200" dirty="0">
-                <a:latin typeface="Roboto"/>
-              </a:rPr>
-              <a:t>INDEX</a:t>
-            </a:r>
-          </a:p>
-          <a:p>
-            <a:r>
-              <a:rPr lang="it-IT" dirty="0">
-                <a:latin typeface="Roboto"/>
-              </a:rPr>
-              <a:t>Who I </a:t>
-            </a:r>
-            <a:r>
-              <a:rPr lang="it-IT" dirty="0" err="1">
-                <a:latin typeface="Roboto"/>
-              </a:rPr>
-              <a:t>am</a:t>
-            </a:r>
-            <a:endParaRPr lang="it-IT" dirty="0">
-              <a:latin typeface="Roboto"/>
-            </a:endParaRPr>
-          </a:p>
-          <a:p>
-            <a:r>
-              <a:rPr lang="it-IT" dirty="0" err="1">
-                <a:latin typeface="Roboto"/>
-              </a:rPr>
-              <a:t>Why</a:t>
-            </a:r>
-            <a:r>
-              <a:rPr lang="it-IT" dirty="0">
-                <a:latin typeface="Roboto"/>
-              </a:rPr>
-              <a:t> I </a:t>
-            </a:r>
-            <a:r>
-              <a:rPr lang="it-IT" dirty="0" err="1">
-                <a:latin typeface="Roboto"/>
-              </a:rPr>
-              <a:t>chose</a:t>
-            </a:r>
-            <a:r>
-              <a:rPr lang="it-IT" dirty="0">
-                <a:latin typeface="Roboto"/>
-              </a:rPr>
-              <a:t> PhD</a:t>
-            </a:r>
-          </a:p>
-          <a:p>
-            <a:r>
-              <a:rPr lang="it-IT" dirty="0" err="1">
-                <a:latin typeface="Roboto"/>
-              </a:rPr>
-              <a:t>Why</a:t>
-            </a:r>
-            <a:r>
-              <a:rPr lang="it-IT" dirty="0">
-                <a:latin typeface="Roboto"/>
-              </a:rPr>
-              <a:t> </a:t>
-            </a:r>
-            <a:r>
-              <a:rPr lang="it-IT" dirty="0" err="1">
-                <a:latin typeface="Roboto"/>
-              </a:rPr>
-              <a:t>choose</a:t>
-            </a:r>
-            <a:r>
-              <a:rPr lang="it-IT" dirty="0">
-                <a:latin typeface="Roboto"/>
-              </a:rPr>
-              <a:t> me</a:t>
-            </a:r>
-          </a:p>
-          <a:p>
-            <a:r>
-              <a:rPr lang="it-IT" dirty="0">
-                <a:latin typeface="Roboto"/>
-              </a:rPr>
-              <a:t>My </a:t>
-            </a:r>
-            <a:r>
-              <a:rPr lang="it-IT" dirty="0" err="1">
-                <a:latin typeface="Roboto"/>
-              </a:rPr>
-              <a:t>proposal</a:t>
-            </a:r>
-            <a:endParaRPr lang="en-US" dirty="0">
-              <a:latin typeface="Roboto"/>
-            </a:endParaRPr>
-          </a:p>
-        </p:txBody>
-      </p:sp>
-      <p:sp>
-        <p:nvSpPr>
-          <p:cNvPr id="3" name="Segnaposto testo 2">
-            <a:extLst>
-              <a:ext uri="{FF2B5EF4-FFF2-40B4-BE49-F238E27FC236}">
-                <a16:creationId xmlns:a16="http://schemas.microsoft.com/office/drawing/2014/main" id="{23B6510C-2E2D-4ACB-B837-1FC253BF937C}"/>
+          <p:cNvPr id="2" name="Segnaposto testo 1">
+            <a:extLst>
+              <a:ext uri="{FF2B5EF4-FFF2-40B4-BE49-F238E27FC236}">
+                <a16:creationId xmlns:a16="http://schemas.microsoft.com/office/drawing/2014/main" id="{5ED655B1-30EF-43E0-9DC2-EDD1CF4FA670}"/>
               </a:ext>
             </a:extLst>
           </p:cNvPr>
@@ -3536,64 +6628,16 @@
             </a:pPr>
             <a:r>
               <a:rPr lang="it-IT" dirty="0"/>
-              <a:t>INDEX</a:t>
-            </a:r>
-            <a:endParaRPr lang="en-US" dirty="0"/>
-          </a:p>
-        </p:txBody>
-      </p:sp>
-      <p:sp>
-        <p:nvSpPr>
-          <p:cNvPr id="4" name="Segnaposto testo 3">
-            <a:extLst>
-              <a:ext uri="{FF2B5EF4-FFF2-40B4-BE49-F238E27FC236}">
-                <a16:creationId xmlns:a16="http://schemas.microsoft.com/office/drawing/2014/main" id="{40196C92-54DA-46DD-8C1E-D6E112699ABD}"/>
-              </a:ext>
-            </a:extLst>
-          </p:cNvPr>
-          <p:cNvSpPr>
-            <a:spLocks noGrp="1"/>
-          </p:cNvSpPr>
-          <p:nvPr>
-            <p:ph type="body" sz="quarter" idx="11"/>
-          </p:nvPr>
-        </p:nvSpPr>
-        <p:spPr/>
-        <p:txBody>
-          <a:bodyPr/>
-          <a:lstStyle/>
-          <a:p>
-            <a:endParaRPr lang="en-US"/>
-          </a:p>
-        </p:txBody>
-      </p:sp>
-      <p:sp>
-        <p:nvSpPr>
-          <p:cNvPr id="5" name="Segnaposto testo 4">
-            <a:extLst>
-              <a:ext uri="{FF2B5EF4-FFF2-40B4-BE49-F238E27FC236}">
-                <a16:creationId xmlns:a16="http://schemas.microsoft.com/office/drawing/2014/main" id="{66B86B43-9A1D-42DC-A948-C8F860E1214B}"/>
-              </a:ext>
-            </a:extLst>
-          </p:cNvPr>
-          <p:cNvSpPr>
-            <a:spLocks noGrp="1"/>
-          </p:cNvSpPr>
-          <p:nvPr>
-            <p:ph type="body" sz="quarter" idx="12"/>
-          </p:nvPr>
-        </p:nvSpPr>
-        <p:spPr/>
-        <p:txBody>
-          <a:bodyPr/>
-          <a:lstStyle/>
+              <a:t>THANKS YOU FOR THE ATTENTION</a:t>
+            </a:r>
+          </a:p>
           <a:p>
             <a:pPr marL="0" indent="0">
               <a:buNone/>
             </a:pPr>
             <a:r>
               <a:rPr lang="it-IT" dirty="0"/>
-              <a:t>1/5</a:t>
+              <a:t>Q&amp;A</a:t>
             </a:r>
             <a:endParaRPr lang="en-US" dirty="0"/>
           </a:p>
@@ -3602,7 +6646,7 @@
     </p:spTree>
     <p:extLst>
       <p:ext uri="{BB962C8B-B14F-4D97-AF65-F5344CB8AC3E}">
-        <p14:creationId xmlns:p14="http://schemas.microsoft.com/office/powerpoint/2010/main" val="2747333594"/>
+        <p14:creationId xmlns:p14="http://schemas.microsoft.com/office/powerpoint/2010/main" val="3085060433"/>
       </p:ext>
     </p:extLst>
   </p:cSld>
@@ -3629,53 +6673,6 @@
           <a:chExt cx="0" cy="0"/>
         </a:xfrm>
       </p:grpSpPr>
-      <p:pic>
-        <p:nvPicPr>
-          <p:cNvPr id="1034" name="Picture 10" descr="Key exchange in the BB84 protocol implemented with polarization of ...">
-            <a:extLst>
-              <a:ext uri="{FF2B5EF4-FFF2-40B4-BE49-F238E27FC236}">
-                <a16:creationId xmlns:a16="http://schemas.microsoft.com/office/drawing/2014/main" id="{D2EFF609-53F3-4F37-BC62-34B5C33F6F77}"/>
-              </a:ext>
-            </a:extLst>
-          </p:cNvPr>
-          <p:cNvPicPr>
-            <a:picLocks noChangeAspect="1" noChangeArrowheads="1"/>
-          </p:cNvPicPr>
-          <p:nvPr/>
-        </p:nvPicPr>
-        <p:blipFill>
-          <a:blip r:embed="rId2">
-            <a:extLst>
-              <a:ext uri="{28A0092B-C50C-407E-A947-70E740481C1C}">
-                <a14:useLocalDpi xmlns:a14="http://schemas.microsoft.com/office/drawing/2010/main" val="0"/>
-              </a:ext>
-            </a:extLst>
-          </a:blip>
-          <a:srcRect/>
-          <a:stretch>
-            <a:fillRect/>
-          </a:stretch>
-        </p:blipFill>
-        <p:spPr bwMode="auto">
-          <a:xfrm>
-            <a:off x="1639590" y="1721304"/>
-            <a:ext cx="8096250" cy="4591050"/>
-          </a:xfrm>
-          <a:prstGeom prst="rect">
-            <a:avLst/>
-          </a:prstGeom>
-          <a:noFill/>
-          <a:extLst>
-            <a:ext uri="{909E8E84-426E-40DD-AFC4-6F175D3DCCD1}">
-              <a14:hiddenFill xmlns:a14="http://schemas.microsoft.com/office/drawing/2010/main">
-                <a:solidFill>
-                  <a:srgbClr val="FFFFFF"/>
-                </a:solidFill>
-              </a14:hiddenFill>
-            </a:ext>
-          </a:extLst>
-        </p:spPr>
-      </p:pic>
       <p:sp>
         <p:nvSpPr>
           <p:cNvPr id="3" name="Segnaposto testo 2">
@@ -3772,10 +6769,10 @@
       </p:sp>
       <p:pic>
         <p:nvPicPr>
-          <p:cNvPr id="79" name="Elemento grafico 78">
-            <a:extLst>
-              <a:ext uri="{FF2B5EF4-FFF2-40B4-BE49-F238E27FC236}">
-                <a16:creationId xmlns:a16="http://schemas.microsoft.com/office/drawing/2014/main" id="{D42F68A7-3DEE-4080-976B-462C4D3D6BA1}"/>
+          <p:cNvPr id="2" name="Immagine 1" descr="Immagine che contiene testo, ombrello, segnale&#10;&#10;Descrizione generata automaticamente">
+            <a:extLst>
+              <a:ext uri="{FF2B5EF4-FFF2-40B4-BE49-F238E27FC236}">
+                <a16:creationId xmlns:a16="http://schemas.microsoft.com/office/drawing/2014/main" id="{20F67536-A7EB-4B68-8E39-17E7A5560A25}"/>
               </a:ext>
             </a:extLst>
           </p:cNvPr>
@@ -3790,9 +6787,6 @@
               <a:ext uri="{28A0092B-C50C-407E-A947-70E740481C1C}">
                 <a14:useLocalDpi xmlns:a14="http://schemas.microsoft.com/office/drawing/2010/main" val="0"/>
               </a:ext>
-              <a:ext uri="{96DAC541-7B7A-43D3-8B79-37D633B846F1}">
-                <asvg:svgBlip xmlns:asvg="http://schemas.microsoft.com/office/drawing/2016/SVG/main" r:embed="rId4"/>
-              </a:ext>
             </a:extLst>
           </a:blip>
           <a:stretch>
@@ -3801,98 +6795,50 @@
         </p:blipFill>
         <p:spPr>
           <a:xfrm>
-            <a:off x="8587109" y="3181982"/>
-            <a:ext cx="1470769" cy="1470769"/>
+            <a:off x="817909" y="762637"/>
+            <a:ext cx="4176017" cy="5332726"/>
           </a:xfrm>
           <a:prstGeom prst="rect">
             <a:avLst/>
           </a:prstGeom>
+          <a:solidFill>
+            <a:srgbClr val="FFFFFF">
+              <a:shade val="85000"/>
+            </a:srgbClr>
+          </a:solidFill>
+          <a:ln w="88900" cap="sq">
+            <a:solidFill>
+              <a:srgbClr val="FFFFFF"/>
+            </a:solidFill>
+            <a:miter lim="800000"/>
+          </a:ln>
+          <a:effectLst>
+            <a:outerShdw blurRad="55000" dist="18000" dir="5400000" algn="tl" rotWithShape="0">
+              <a:srgbClr val="000000">
+                <a:alpha val="40000"/>
+              </a:srgbClr>
+            </a:outerShdw>
+          </a:effectLst>
+          <a:scene3d>
+            <a:camera prst="orthographicFront"/>
+            <a:lightRig rig="twoPt" dir="t">
+              <a:rot lat="0" lon="0" rev="7200000"/>
+            </a:lightRig>
+          </a:scene3d>
+          <a:sp3d>
+            <a:bevelT w="25400" h="19050"/>
+            <a:contourClr>
+              <a:srgbClr val="FFFFFF"/>
+            </a:contourClr>
+          </a:sp3d>
         </p:spPr>
       </p:pic>
-      <p:pic>
-        <p:nvPicPr>
-          <p:cNvPr id="80" name="Elemento grafico 79">
-            <a:extLst>
-              <a:ext uri="{FF2B5EF4-FFF2-40B4-BE49-F238E27FC236}">
-                <a16:creationId xmlns:a16="http://schemas.microsoft.com/office/drawing/2014/main" id="{D03F9CE2-E49A-4990-AAEC-62484F50A485}"/>
-              </a:ext>
-            </a:extLst>
-          </p:cNvPr>
-          <p:cNvPicPr>
-            <a:picLocks noChangeAspect="1"/>
-          </p:cNvPicPr>
-          <p:nvPr/>
-        </p:nvPicPr>
-        <p:blipFill>
-          <a:blip r:embed="rId5">
-            <a:extLst>
-              <a:ext uri="{28A0092B-C50C-407E-A947-70E740481C1C}">
-                <a14:useLocalDpi xmlns:a14="http://schemas.microsoft.com/office/drawing/2010/main" val="0"/>
-              </a:ext>
-              <a:ext uri="{96DAC541-7B7A-43D3-8B79-37D633B846F1}">
-                <asvg:svgBlip xmlns:asvg="http://schemas.microsoft.com/office/drawing/2016/SVG/main" r:embed="rId6"/>
-              </a:ext>
-            </a:extLst>
-          </a:blip>
-          <a:stretch>
-            <a:fillRect/>
-          </a:stretch>
-        </p:blipFill>
-        <p:spPr>
-          <a:xfrm>
-            <a:off x="4233770" y="1733890"/>
-            <a:ext cx="1470769" cy="1470769"/>
-          </a:xfrm>
-          <a:prstGeom prst="rect">
-            <a:avLst/>
-          </a:prstGeom>
-        </p:spPr>
-      </p:pic>
-      <p:pic>
-        <p:nvPicPr>
-          <p:cNvPr id="81" name="Elemento grafico 80">
-            <a:extLst>
-              <a:ext uri="{FF2B5EF4-FFF2-40B4-BE49-F238E27FC236}">
-                <a16:creationId xmlns:a16="http://schemas.microsoft.com/office/drawing/2014/main" id="{3DA55917-38CC-4F8A-90D7-7F2524197166}"/>
-              </a:ext>
-            </a:extLst>
-          </p:cNvPr>
-          <p:cNvPicPr>
-            <a:picLocks noChangeAspect="1"/>
-          </p:cNvPicPr>
-          <p:nvPr/>
-        </p:nvPicPr>
-        <p:blipFill>
-          <a:blip r:embed="rId7">
-            <a:extLst>
-              <a:ext uri="{28A0092B-C50C-407E-A947-70E740481C1C}">
-                <a14:useLocalDpi xmlns:a14="http://schemas.microsoft.com/office/drawing/2010/main" val="0"/>
-              </a:ext>
-              <a:ext uri="{96DAC541-7B7A-43D3-8B79-37D633B846F1}">
-                <asvg:svgBlip xmlns:asvg="http://schemas.microsoft.com/office/drawing/2016/SVG/main" r:embed="rId8"/>
-              </a:ext>
-            </a:extLst>
-          </a:blip>
-          <a:stretch>
-            <a:fillRect/>
-          </a:stretch>
-        </p:blipFill>
-        <p:spPr>
-          <a:xfrm>
-            <a:off x="1445977" y="3779909"/>
-            <a:ext cx="1470769" cy="1470769"/>
-          </a:xfrm>
-          <a:prstGeom prst="rect">
-            <a:avLst/>
-          </a:prstGeom>
-        </p:spPr>
-      </p:pic>
-      <p:sp>
-        <p:nvSpPr>
-          <p:cNvPr id="86" name="CasellaDiTesto 85">
-            <a:extLst>
-              <a:ext uri="{FF2B5EF4-FFF2-40B4-BE49-F238E27FC236}">
-                <a16:creationId xmlns:a16="http://schemas.microsoft.com/office/drawing/2014/main" id="{19E65E38-F720-44EF-BA97-07994D63C3FE}"/>
+      <p:sp>
+        <p:nvSpPr>
+          <p:cNvPr id="15" name="CasellaDiTesto 14">
+            <a:extLst>
+              <a:ext uri="{FF2B5EF4-FFF2-40B4-BE49-F238E27FC236}">
+                <a16:creationId xmlns:a16="http://schemas.microsoft.com/office/drawing/2014/main" id="{6E49BBD3-E043-4FAB-B198-57F4972C1CB8}"/>
               </a:ext>
             </a:extLst>
           </p:cNvPr>
@@ -3901,8 +6847,8 @@
         </p:nvSpPr>
         <p:spPr>
           <a:xfrm>
-            <a:off x="5657298" y="1820613"/>
-            <a:ext cx="416520" cy="369328"/>
+            <a:off x="6967859" y="2591693"/>
+            <a:ext cx="925890" cy="369328"/>
           </a:xfrm>
           <a:prstGeom prst="rect">
             <a:avLst/>
@@ -3925,19 +6871,64 @@
           </a:bodyPr>
           <a:lstStyle/>
           <a:p>
-            <a:r>
-              <a:rPr lang="en-US" dirty="0"/>
-              <a:t>Eve</a:t>
-            </a:r>
-          </a:p>
-        </p:txBody>
-      </p:sp>
-      <p:sp>
-        <p:nvSpPr>
-          <p:cNvPr id="88" name="CasellaDiTesto 87">
-            <a:extLst>
-              <a:ext uri="{FF2B5EF4-FFF2-40B4-BE49-F238E27FC236}">
-                <a16:creationId xmlns:a16="http://schemas.microsoft.com/office/drawing/2014/main" id="{A784452C-69B2-4E02-996A-CC354FFD1798}"/>
+            <a:pPr algn="ctr"/>
+            <a:r>
+              <a:rPr lang="it-IT" dirty="0">
+                <a:latin typeface="Roboto"/>
+              </a:rPr>
+              <a:t>Security</a:t>
+            </a:r>
+            <a:endParaRPr lang="en-US" dirty="0">
+              <a:latin typeface="Roboto"/>
+            </a:endParaRPr>
+          </a:p>
+        </p:txBody>
+      </p:sp>
+      <p:pic>
+        <p:nvPicPr>
+          <p:cNvPr id="16" name="Elemento grafico 15">
+            <a:extLst>
+              <a:ext uri="{FF2B5EF4-FFF2-40B4-BE49-F238E27FC236}">
+                <a16:creationId xmlns:a16="http://schemas.microsoft.com/office/drawing/2014/main" id="{9D8F24D5-A119-4DDF-ADFE-8D17D13A7A65}"/>
+              </a:ext>
+            </a:extLst>
+          </p:cNvPr>
+          <p:cNvPicPr>
+            <a:picLocks noChangeAspect="1"/>
+          </p:cNvPicPr>
+          <p:nvPr/>
+        </p:nvPicPr>
+        <p:blipFill>
+          <a:blip r:embed="rId4">
+            <a:extLst>
+              <a:ext uri="{28A0092B-C50C-407E-A947-70E740481C1C}">
+                <a14:useLocalDpi xmlns:a14="http://schemas.microsoft.com/office/drawing/2010/main" val="0"/>
+              </a:ext>
+              <a:ext uri="{96DAC541-7B7A-43D3-8B79-37D633B846F1}">
+                <asvg:svgBlip xmlns:asvg="http://schemas.microsoft.com/office/drawing/2016/SVG/main" r:embed="rId5"/>
+              </a:ext>
+            </a:extLst>
+          </a:blip>
+          <a:stretch>
+            <a:fillRect/>
+          </a:stretch>
+        </p:blipFill>
+        <p:spPr>
+          <a:xfrm>
+            <a:off x="6687564" y="1036462"/>
+            <a:ext cx="1486475" cy="1486475"/>
+          </a:xfrm>
+          <a:prstGeom prst="rect">
+            <a:avLst/>
+          </a:prstGeom>
+        </p:spPr>
+      </p:pic>
+      <p:sp>
+        <p:nvSpPr>
+          <p:cNvPr id="19" name="CasellaDiTesto 18">
+            <a:extLst>
+              <a:ext uri="{FF2B5EF4-FFF2-40B4-BE49-F238E27FC236}">
+                <a16:creationId xmlns:a16="http://schemas.microsoft.com/office/drawing/2014/main" id="{F9F0ADF4-19EF-4DAC-A26F-5C9AC7B76D75}"/>
               </a:ext>
             </a:extLst>
           </p:cNvPr>
@@ -3946,8 +6937,8 @@
         </p:nvSpPr>
         <p:spPr>
           <a:xfrm>
-            <a:off x="4803401" y="857571"/>
-            <a:ext cx="2873861" cy="461661"/>
+            <a:off x="7024251" y="5935215"/>
+            <a:ext cx="938715" cy="369328"/>
           </a:xfrm>
           <a:prstGeom prst="rect">
             <a:avLst/>
@@ -3972,17 +6963,142 @@
           <a:p>
             <a:pPr algn="ctr"/>
             <a:r>
-              <a:rPr lang="it-IT" sz="2400" b="1" dirty="0">
-                <a:solidFill>
-                  <a:srgbClr val="C00000"/>
-                </a:solidFill>
-              </a:rPr>
-              <a:t>SECRET RANDOM KEY</a:t>
-            </a:r>
-            <a:endParaRPr lang="en-US" sz="2400" b="1" dirty="0">
-              <a:solidFill>
-                <a:srgbClr val="C00000"/>
-              </a:solidFill>
+              <a:rPr lang="it-IT" dirty="0" err="1">
+                <a:latin typeface="Roboto"/>
+              </a:rPr>
+              <a:t>Photons</a:t>
+            </a:r>
+            <a:endParaRPr lang="en-US" dirty="0">
+              <a:latin typeface="Roboto"/>
+            </a:endParaRPr>
+          </a:p>
+        </p:txBody>
+      </p:sp>
+      <p:pic>
+        <p:nvPicPr>
+          <p:cNvPr id="20" name="Elemento grafico 19">
+            <a:extLst>
+              <a:ext uri="{FF2B5EF4-FFF2-40B4-BE49-F238E27FC236}">
+                <a16:creationId xmlns:a16="http://schemas.microsoft.com/office/drawing/2014/main" id="{F1E667E3-0377-4031-B746-233F0404D943}"/>
+              </a:ext>
+            </a:extLst>
+          </p:cNvPr>
+          <p:cNvPicPr>
+            <a:picLocks noChangeAspect="1"/>
+          </p:cNvPicPr>
+          <p:nvPr/>
+        </p:nvPicPr>
+        <p:blipFill>
+          <a:blip r:embed="rId6">
+            <a:extLst>
+              <a:ext uri="{28A0092B-C50C-407E-A947-70E740481C1C}">
+                <a14:useLocalDpi xmlns:a14="http://schemas.microsoft.com/office/drawing/2010/main" val="0"/>
+              </a:ext>
+              <a:ext uri="{96DAC541-7B7A-43D3-8B79-37D633B846F1}">
+                <asvg:svgBlip xmlns:asvg="http://schemas.microsoft.com/office/drawing/2016/SVG/main" r:embed="rId7"/>
+              </a:ext>
+            </a:extLst>
+          </a:blip>
+          <a:stretch>
+            <a:fillRect/>
+          </a:stretch>
+        </p:blipFill>
+        <p:spPr>
+          <a:xfrm>
+            <a:off x="6687564" y="4209454"/>
+            <a:ext cx="1612084" cy="1612084"/>
+          </a:xfrm>
+          <a:prstGeom prst="rect">
+            <a:avLst/>
+          </a:prstGeom>
+        </p:spPr>
+      </p:pic>
+      <p:pic>
+        <p:nvPicPr>
+          <p:cNvPr id="6" name="Elemento grafico 5">
+            <a:extLst>
+              <a:ext uri="{FF2B5EF4-FFF2-40B4-BE49-F238E27FC236}">
+                <a16:creationId xmlns:a16="http://schemas.microsoft.com/office/drawing/2014/main" id="{42A99776-BD95-4484-B15F-8A9849F92C46}"/>
+              </a:ext>
+            </a:extLst>
+          </p:cNvPr>
+          <p:cNvPicPr>
+            <a:picLocks noChangeAspect="1"/>
+          </p:cNvPicPr>
+          <p:nvPr/>
+        </p:nvPicPr>
+        <p:blipFill>
+          <a:blip r:embed="rId8">
+            <a:extLst>
+              <a:ext uri="{28A0092B-C50C-407E-A947-70E740481C1C}">
+                <a14:useLocalDpi xmlns:a14="http://schemas.microsoft.com/office/drawing/2010/main" val="0"/>
+              </a:ext>
+              <a:ext uri="{96DAC541-7B7A-43D3-8B79-37D633B846F1}">
+                <asvg:svgBlip xmlns:asvg="http://schemas.microsoft.com/office/drawing/2016/SVG/main" r:embed="rId9"/>
+              </a:ext>
+            </a:extLst>
+          </a:blip>
+          <a:stretch>
+            <a:fillRect/>
+          </a:stretch>
+        </p:blipFill>
+        <p:spPr>
+          <a:xfrm>
+            <a:off x="9404734" y="2419025"/>
+            <a:ext cx="1486475" cy="1486475"/>
+          </a:xfrm>
+          <a:prstGeom prst="rect">
+            <a:avLst/>
+          </a:prstGeom>
+        </p:spPr>
+      </p:pic>
+      <p:sp>
+        <p:nvSpPr>
+          <p:cNvPr id="7" name="CasellaDiTesto 6">
+            <a:extLst>
+              <a:ext uri="{FF2B5EF4-FFF2-40B4-BE49-F238E27FC236}">
+                <a16:creationId xmlns:a16="http://schemas.microsoft.com/office/drawing/2014/main" id="{318C278C-FEF2-4B8F-9E28-7C9FE1C6DE40}"/>
+              </a:ext>
+            </a:extLst>
+          </p:cNvPr>
+          <p:cNvSpPr txBox="1"/>
+          <p:nvPr/>
+        </p:nvSpPr>
+        <p:spPr>
+          <a:xfrm>
+            <a:off x="9524694" y="4100198"/>
+            <a:ext cx="1246556" cy="369328"/>
+          </a:xfrm>
+          <a:prstGeom prst="rect">
+            <a:avLst/>
+          </a:prstGeom>
+          <a:noFill/>
+          <a:ln w="12700" cap="flat">
+            <a:noFill/>
+            <a:miter lim="400000"/>
+          </a:ln>
+          <a:effectLst/>
+          <a:extLst>
+            <a:ext uri="{C572A759-6A51-4108-AA02-DFA0A04FC94B}">
+              <ma14:wrappingTextBoxFlag xmlns:ma14="http://schemas.microsoft.com/office/mac/drawingml/2011/main" xmlns="" val="1"/>
+            </a:ext>
+          </a:extLst>
+        </p:spPr>
+        <p:txBody>
+          <a:bodyPr wrap="none" lIns="45718" tIns="45718" rIns="45718" bIns="45718" numCol="1" rtlCol="0" anchor="ctr">
+            <a:spAutoFit/>
+          </a:bodyPr>
+          <a:lstStyle/>
+          <a:p>
+            <a:pPr algn="ctr"/>
+            <a:r>
+              <a:rPr lang="it-IT" dirty="0" err="1">
+                <a:latin typeface="Roboto"/>
+              </a:rPr>
+              <a:t>Telescopes</a:t>
+            </a:r>
+            <a:endParaRPr lang="en-US" dirty="0">
+              <a:latin typeface="Roboto"/>
             </a:endParaRPr>
           </a:p>
         </p:txBody>
@@ -4139,7 +7255,7 @@
           <a:effectLst/>
           <a:extLst>
             <a:ext uri="{C572A759-6A51-4108-AA02-DFA0A04FC94B}">
-              <ma14:wrappingTextBoxFlag xmlns="" xmlns:ma14="http://schemas.microsoft.com/office/mac/drawingml/2011/main" val="1"/>
+              <ma14:wrappingTextBoxFlag xmlns:ma14="http://schemas.microsoft.com/office/mac/drawingml/2011/main" xmlns="" val="1"/>
             </a:ext>
           </a:extLst>
         </p:spPr>
@@ -4218,12 +7334,12 @@
           <a:graphicData uri="http://schemas.openxmlformats.org/presentationml/2006/ole">
             <mc:AlternateContent xmlns:mc="http://schemas.openxmlformats.org/markup-compatibility/2006">
               <mc:Choice xmlns:v="urn:schemas-microsoft-com:vml" Requires="v">
-                <p:oleObj spid="_x0000_s1037" name="Acrobat Document" r:id="rId3" imgW="4848186" imgH="2533096" progId="AcroExch.Document.DC">
+                <p:oleObj spid="_x0000_s1064" name="Acrobat Document" r:id="rId4" imgW="4848186" imgH="2533096" progId="AcroExch.Document.DC">
                   <p:embed/>
                 </p:oleObj>
               </mc:Choice>
               <mc:Fallback>
-                <p:oleObj name="Acrobat Document" r:id="rId3" imgW="4848186" imgH="2533096" progId="AcroExch.Document.DC">
+                <p:oleObj name="Acrobat Document" r:id="rId4" imgW="4848186" imgH="2533096" progId="AcroExch.Document.DC">
                   <p:embed/>
                   <p:pic>
                     <p:nvPicPr>
@@ -4232,7 +7348,7 @@
                       <p:nvPr/>
                     </p:nvPicPr>
                     <p:blipFill>
-                      <a:blip r:embed="rId4"/>
+                      <a:blip r:embed="rId5"/>
                       <a:stretch>
                         <a:fillRect/>
                       </a:stretch>
@@ -4268,7 +7384,7 @@
           <p:nvPr/>
         </p:nvPicPr>
         <p:blipFill>
-          <a:blip r:embed="rId5">
+          <a:blip r:embed="rId6">
             <a:extLst>
               <a:ext uri="{28A0092B-C50C-407E-A947-70E740481C1C}">
                 <a14:useLocalDpi xmlns:a14="http://schemas.microsoft.com/office/drawing/2010/main" val="0"/>
@@ -4295,42 +7411,6 @@
             <a:extLst>
               <a:ext uri="{FF2B5EF4-FFF2-40B4-BE49-F238E27FC236}">
                 <a16:creationId xmlns:a16="http://schemas.microsoft.com/office/drawing/2014/main" id="{9ED2E65E-063C-4E1D-9A75-3828F95975D2}"/>
-              </a:ext>
-            </a:extLst>
-          </p:cNvPr>
-          <p:cNvPicPr>
-            <a:picLocks noChangeAspect="1"/>
-          </p:cNvPicPr>
-          <p:nvPr/>
-        </p:nvPicPr>
-        <p:blipFill>
-          <a:blip r:embed="rId6">
-            <a:extLst>
-              <a:ext uri="{28A0092B-C50C-407E-A947-70E740481C1C}">
-                <a14:useLocalDpi xmlns:a14="http://schemas.microsoft.com/office/drawing/2010/main" val="0"/>
-              </a:ext>
-            </a:extLst>
-          </a:blip>
-          <a:stretch>
-            <a:fillRect/>
-          </a:stretch>
-        </p:blipFill>
-        <p:spPr>
-          <a:xfrm>
-            <a:off x="4448659" y="5145227"/>
-            <a:ext cx="3583353" cy="1135948"/>
-          </a:xfrm>
-          <a:prstGeom prst="rect">
-            <a:avLst/>
-          </a:prstGeom>
-        </p:spPr>
-      </p:pic>
-      <p:pic>
-        <p:nvPicPr>
-          <p:cNvPr id="13" name="Immagine 12" descr="Immagine che contiene elettronico, fotocamera&#10;&#10;Descrizione generata automaticamente">
-            <a:extLst>
-              <a:ext uri="{FF2B5EF4-FFF2-40B4-BE49-F238E27FC236}">
-                <a16:creationId xmlns:a16="http://schemas.microsoft.com/office/drawing/2014/main" id="{92271450-61D2-49FF-814F-D7276DF34B86}"/>
               </a:ext>
             </a:extLst>
           </p:cNvPr>
@@ -4353,8 +7433,8 @@
         </p:blipFill>
         <p:spPr>
           <a:xfrm>
-            <a:off x="8113785" y="1700760"/>
-            <a:ext cx="1263755" cy="972120"/>
+            <a:off x="4448659" y="5145227"/>
+            <a:ext cx="3583353" cy="1135948"/>
           </a:xfrm>
           <a:prstGeom prst="rect">
             <a:avLst/>
@@ -4363,10 +7443,10 @@
       </p:pic>
       <p:pic>
         <p:nvPicPr>
-          <p:cNvPr id="15" name="Immagine 14" descr="Immagine che contiene orologio, metro&#10;&#10;Descrizione generata automaticamente">
-            <a:extLst>
-              <a:ext uri="{FF2B5EF4-FFF2-40B4-BE49-F238E27FC236}">
-                <a16:creationId xmlns:a16="http://schemas.microsoft.com/office/drawing/2014/main" id="{D2F77ED3-08D0-4C33-AC27-CD25D248F929}"/>
+          <p:cNvPr id="13" name="Immagine 12" descr="Immagine che contiene elettronico, fotocamera&#10;&#10;Descrizione generata automaticamente">
+            <a:extLst>
+              <a:ext uri="{FF2B5EF4-FFF2-40B4-BE49-F238E27FC236}">
+                <a16:creationId xmlns:a16="http://schemas.microsoft.com/office/drawing/2014/main" id="{92271450-61D2-49FF-814F-D7276DF34B86}"/>
               </a:ext>
             </a:extLst>
           </p:cNvPr>
@@ -4389,8 +7469,8 @@
         </p:blipFill>
         <p:spPr>
           <a:xfrm>
-            <a:off x="2932319" y="1820289"/>
-            <a:ext cx="1339857" cy="886367"/>
+            <a:off x="8113785" y="1700760"/>
+            <a:ext cx="1263755" cy="972120"/>
           </a:xfrm>
           <a:prstGeom prst="rect">
             <a:avLst/>
@@ -4399,10 +7479,10 @@
       </p:pic>
       <p:pic>
         <p:nvPicPr>
-          <p:cNvPr id="17" name="Immagine 16">
-            <a:extLst>
-              <a:ext uri="{FF2B5EF4-FFF2-40B4-BE49-F238E27FC236}">
-                <a16:creationId xmlns:a16="http://schemas.microsoft.com/office/drawing/2014/main" id="{3017DB41-DC4E-4F84-A642-AACAC23450BF}"/>
+          <p:cNvPr id="15" name="Immagine 14" descr="Immagine che contiene orologio, metro&#10;&#10;Descrizione generata automaticamente">
+            <a:extLst>
+              <a:ext uri="{FF2B5EF4-FFF2-40B4-BE49-F238E27FC236}">
+                <a16:creationId xmlns:a16="http://schemas.microsoft.com/office/drawing/2014/main" id="{D2F77ED3-08D0-4C33-AC27-CD25D248F929}"/>
               </a:ext>
             </a:extLst>
           </p:cNvPr>
@@ -4425,8 +7505,8 @@
         </p:blipFill>
         <p:spPr>
           <a:xfrm>
-            <a:off x="3019245" y="5270017"/>
-            <a:ext cx="886367" cy="886367"/>
+            <a:off x="2932319" y="1820289"/>
+            <a:ext cx="1339857" cy="886367"/>
           </a:xfrm>
           <a:prstGeom prst="rect">
             <a:avLst/>
@@ -4435,10 +7515,10 @@
       </p:pic>
       <p:pic>
         <p:nvPicPr>
-          <p:cNvPr id="18" name="Elemento grafico 17">
-            <a:extLst>
-              <a:ext uri="{FF2B5EF4-FFF2-40B4-BE49-F238E27FC236}">
-                <a16:creationId xmlns:a16="http://schemas.microsoft.com/office/drawing/2014/main" id="{F87FFB57-5D66-428C-86E8-00DDA96C6941}"/>
+          <p:cNvPr id="17" name="Immagine 16">
+            <a:extLst>
+              <a:ext uri="{FF2B5EF4-FFF2-40B4-BE49-F238E27FC236}">
+                <a16:creationId xmlns:a16="http://schemas.microsoft.com/office/drawing/2014/main" id="{3017DB41-DC4E-4F84-A642-AACAC23450BF}"/>
               </a:ext>
             </a:extLst>
           </p:cNvPr>
@@ -4453,8 +7533,44 @@
               <a:ext uri="{28A0092B-C50C-407E-A947-70E740481C1C}">
                 <a14:useLocalDpi xmlns:a14="http://schemas.microsoft.com/office/drawing/2010/main" val="0"/>
               </a:ext>
+            </a:extLst>
+          </a:blip>
+          <a:stretch>
+            <a:fillRect/>
+          </a:stretch>
+        </p:blipFill>
+        <p:spPr>
+          <a:xfrm>
+            <a:off x="3019245" y="5270017"/>
+            <a:ext cx="886367" cy="886367"/>
+          </a:xfrm>
+          <a:prstGeom prst="rect">
+            <a:avLst/>
+          </a:prstGeom>
+        </p:spPr>
+      </p:pic>
+      <p:pic>
+        <p:nvPicPr>
+          <p:cNvPr id="18" name="Elemento grafico 17">
+            <a:extLst>
+              <a:ext uri="{FF2B5EF4-FFF2-40B4-BE49-F238E27FC236}">
+                <a16:creationId xmlns:a16="http://schemas.microsoft.com/office/drawing/2014/main" id="{F87FFB57-5D66-428C-86E8-00DDA96C6941}"/>
+              </a:ext>
+            </a:extLst>
+          </p:cNvPr>
+          <p:cNvPicPr>
+            <a:picLocks noChangeAspect="1"/>
+          </p:cNvPicPr>
+          <p:nvPr/>
+        </p:nvPicPr>
+        <p:blipFill>
+          <a:blip r:embed="rId11">
+            <a:extLst>
+              <a:ext uri="{28A0092B-C50C-407E-A947-70E740481C1C}">
+                <a14:useLocalDpi xmlns:a14="http://schemas.microsoft.com/office/drawing/2010/main" val="0"/>
+              </a:ext>
               <a:ext uri="{96DAC541-7B7A-43D3-8B79-37D633B846F1}">
-                <asvg:svgBlip xmlns:asvg="http://schemas.microsoft.com/office/drawing/2016/SVG/main" r:embed="rId11"/>
+                <asvg:svgBlip xmlns:asvg="http://schemas.microsoft.com/office/drawing/2016/SVG/main" r:embed="rId12"/>
               </a:ext>
             </a:extLst>
           </a:blip>
@@ -4793,7 +7909,11 @@
             </a:pPr>
             <a:r>
               <a:rPr lang="it-IT" dirty="0"/>
-              <a:t>QKD Software</a:t>
+              <a:t>PAT fine and </a:t>
+            </a:r>
+            <a:r>
+              <a:rPr lang="it-IT" dirty="0" err="1"/>
+              <a:t>coarse</a:t>
             </a:r>
             <a:endParaRPr lang="en-US" dirty="0"/>
           </a:p>
@@ -4870,8 +7990,99 @@
         </p:nvSpPr>
         <p:spPr>
           <a:xfrm>
-            <a:off x="5492986" y="857571"/>
-            <a:ext cx="1494701" cy="461661"/>
+            <a:off x="2716057" y="1407127"/>
+            <a:ext cx="1111775" cy="461661"/>
+          </a:xfrm>
+          <a:prstGeom prst="rect">
+            <a:avLst/>
+          </a:prstGeom>
+          <a:noFill/>
+          <a:ln w="12700" cap="flat">
+            <a:noFill/>
+            <a:miter lim="400000"/>
+          </a:ln>
+          <a:effectLst/>
+          <a:extLst>
+            <a:ext uri="{C572A759-6A51-4108-AA02-DFA0A04FC94B}">
+              <ma14:wrappingTextBoxFlag xmlns:ma14="http://schemas.microsoft.com/office/mac/drawingml/2011/main" xmlns="" val="1"/>
+            </a:ext>
+          </a:extLst>
+        </p:spPr>
+        <p:txBody>
+          <a:bodyPr wrap="none" lIns="45718" tIns="45718" rIns="45718" bIns="45718" numCol="1" rtlCol="0" anchor="ctr">
+            <a:spAutoFit/>
+          </a:bodyPr>
+          <a:lstStyle/>
+          <a:p>
+            <a:pPr algn="ctr"/>
+            <a:r>
+              <a:rPr lang="it-IT" sz="2400" b="1" dirty="0">
+                <a:solidFill>
+                  <a:srgbClr val="C00000"/>
+                </a:solidFill>
+              </a:rPr>
+              <a:t>PAT fine</a:t>
+            </a:r>
+            <a:endParaRPr lang="en-US" sz="2400" b="1" dirty="0">
+              <a:solidFill>
+                <a:srgbClr val="C00000"/>
+              </a:solidFill>
+            </a:endParaRPr>
+          </a:p>
+        </p:txBody>
+      </p:sp>
+      <p:pic>
+        <p:nvPicPr>
+          <p:cNvPr id="9" name="Immagine 8" descr="Immagine che contiene oggetto, treppiede&#10;&#10;Descrizione generata automaticamente">
+            <a:extLst>
+              <a:ext uri="{FF2B5EF4-FFF2-40B4-BE49-F238E27FC236}">
+                <a16:creationId xmlns:a16="http://schemas.microsoft.com/office/drawing/2014/main" id="{91A88D26-BD2D-4B06-8386-ADDCAC786B61}"/>
+              </a:ext>
+            </a:extLst>
+          </p:cNvPr>
+          <p:cNvPicPr>
+            <a:picLocks noChangeAspect="1"/>
+          </p:cNvPicPr>
+          <p:nvPr/>
+        </p:nvPicPr>
+        <p:blipFill>
+          <a:blip r:embed="rId3">
+            <a:extLst>
+              <a:ext uri="{28A0092B-C50C-407E-A947-70E740481C1C}">
+                <a14:useLocalDpi xmlns:a14="http://schemas.microsoft.com/office/drawing/2010/main" val="0"/>
+              </a:ext>
+            </a:extLst>
+          </a:blip>
+          <a:stretch>
+            <a:fillRect/>
+          </a:stretch>
+        </p:blipFill>
+        <p:spPr>
+          <a:xfrm>
+            <a:off x="6859294" y="2071191"/>
+            <a:ext cx="3666729" cy="3666729"/>
+          </a:xfrm>
+          <a:prstGeom prst="rect">
+            <a:avLst/>
+          </a:prstGeom>
+        </p:spPr>
+      </p:pic>
+      <p:sp>
+        <p:nvSpPr>
+          <p:cNvPr id="2" name="CasellaDiTesto 1">
+            <a:extLst>
+              <a:ext uri="{FF2B5EF4-FFF2-40B4-BE49-F238E27FC236}">
+                <a16:creationId xmlns:a16="http://schemas.microsoft.com/office/drawing/2014/main" id="{F113CF85-091A-41CE-8183-AC4026C1D40B}"/>
+              </a:ext>
+            </a:extLst>
+          </p:cNvPr>
+          <p:cNvSpPr txBox="1"/>
+          <p:nvPr/>
+        </p:nvSpPr>
+        <p:spPr>
+          <a:xfrm>
+            <a:off x="7951294" y="1232514"/>
+            <a:ext cx="1446354" cy="461661"/>
           </a:xfrm>
           <a:prstGeom prst="rect">
             <a:avLst/>
@@ -4896,12 +8107,20 @@
           <a:p>
             <a:pPr algn="ctr"/>
             <a:r>
+              <a:rPr lang="it-IT" sz="2400" b="1" dirty="0">
+                <a:solidFill>
+                  <a:srgbClr val="C00000"/>
+                </a:solidFill>
+              </a:rPr>
+              <a:t>PAT </a:t>
+            </a:r>
+            <a:r>
               <a:rPr lang="it-IT" sz="2400" b="1" dirty="0" err="1">
                 <a:solidFill>
                   <a:srgbClr val="C00000"/>
                 </a:solidFill>
               </a:rPr>
-              <a:t>Boilerplate</a:t>
+              <a:t>coarse</a:t>
             </a:r>
             <a:endParaRPr lang="en-US" sz="2400" b="1" dirty="0">
               <a:solidFill>
@@ -4913,10 +8132,10 @@
       </p:sp>
       <p:pic>
         <p:nvPicPr>
-          <p:cNvPr id="6" name="Immagine 5">
-            <a:extLst>
-              <a:ext uri="{FF2B5EF4-FFF2-40B4-BE49-F238E27FC236}">
-                <a16:creationId xmlns:a16="http://schemas.microsoft.com/office/drawing/2014/main" id="{B0A870A5-B01D-469B-89D4-CFD3F89BAFC8}"/>
+          <p:cNvPr id="12" name="Immagine 11" descr="Immagine che contiene elettronico, fotocamera&#10;&#10;Descrizione generata automaticamente">
+            <a:extLst>
+              <a:ext uri="{FF2B5EF4-FFF2-40B4-BE49-F238E27FC236}">
+                <a16:creationId xmlns:a16="http://schemas.microsoft.com/office/drawing/2014/main" id="{B8D74A85-9D75-4684-BEE6-F0FA7A90C365}"/>
               </a:ext>
             </a:extLst>
           </p:cNvPr>
@@ -4926,7 +8145,7 @@
           <p:nvPr/>
         </p:nvPicPr>
         <p:blipFill>
-          <a:blip r:embed="rId2">
+          <a:blip r:embed="rId4">
             <a:extLst>
               <a:ext uri="{28A0092B-C50C-407E-A947-70E740481C1C}">
                 <a14:useLocalDpi xmlns:a14="http://schemas.microsoft.com/office/drawing/2010/main" val="0"/>
@@ -4939,258 +8158,18 @@
         </p:blipFill>
         <p:spPr>
           <a:xfrm>
-            <a:off x="5148264" y="1586325"/>
-            <a:ext cx="6051550" cy="3797783"/>
+            <a:off x="1665977" y="2828308"/>
+            <a:ext cx="3211934" cy="2470721"/>
           </a:xfrm>
           <a:prstGeom prst="rect">
             <a:avLst/>
           </a:prstGeom>
         </p:spPr>
       </p:pic>
-      <p:pic>
-        <p:nvPicPr>
-          <p:cNvPr id="2050" name="Picture 2" descr="C++ - Wikipedia">
-            <a:extLst>
-              <a:ext uri="{FF2B5EF4-FFF2-40B4-BE49-F238E27FC236}">
-                <a16:creationId xmlns:a16="http://schemas.microsoft.com/office/drawing/2014/main" id="{02F44A0F-6C10-4479-A306-A314C0CC88AA}"/>
-              </a:ext>
-            </a:extLst>
-          </p:cNvPr>
-          <p:cNvPicPr>
-            <a:picLocks noChangeAspect="1" noChangeArrowheads="1"/>
-          </p:cNvPicPr>
-          <p:nvPr/>
-        </p:nvPicPr>
-        <p:blipFill>
-          <a:blip r:embed="rId3">
-            <a:extLst>
-              <a:ext uri="{28A0092B-C50C-407E-A947-70E740481C1C}">
-                <a14:useLocalDpi xmlns:a14="http://schemas.microsoft.com/office/drawing/2010/main" val="0"/>
-              </a:ext>
-            </a:extLst>
-          </a:blip>
-          <a:srcRect/>
-          <a:stretch>
-            <a:fillRect/>
-          </a:stretch>
-        </p:blipFill>
-        <p:spPr bwMode="auto">
-          <a:xfrm>
-            <a:off x="1636429" y="842369"/>
-            <a:ext cx="848815" cy="953725"/>
-          </a:xfrm>
-          <a:prstGeom prst="rect">
-            <a:avLst/>
-          </a:prstGeom>
-          <a:noFill/>
-          <a:extLst>
-            <a:ext uri="{909E8E84-426E-40DD-AFC4-6F175D3DCCD1}">
-              <a14:hiddenFill xmlns:a14="http://schemas.microsoft.com/office/drawing/2010/main">
-                <a:solidFill>
-                  <a:srgbClr val="FFFFFF"/>
-                </a:solidFill>
-              </a14:hiddenFill>
-            </a:ext>
-          </a:extLst>
-        </p:spPr>
-      </p:pic>
-      <p:pic>
-        <p:nvPicPr>
-          <p:cNvPr id="2052" name="Picture 4" descr="Qt (software) - Wikipedia">
-            <a:extLst>
-              <a:ext uri="{FF2B5EF4-FFF2-40B4-BE49-F238E27FC236}">
-                <a16:creationId xmlns:a16="http://schemas.microsoft.com/office/drawing/2014/main" id="{D70F6A69-40B5-4E58-BDFD-4759DF071D03}"/>
-              </a:ext>
-            </a:extLst>
-          </p:cNvPr>
-          <p:cNvPicPr>
-            <a:picLocks noChangeAspect="1" noChangeArrowheads="1"/>
-          </p:cNvPicPr>
-          <p:nvPr/>
-        </p:nvPicPr>
-        <p:blipFill>
-          <a:blip r:embed="rId4">
-            <a:extLst>
-              <a:ext uri="{28A0092B-C50C-407E-A947-70E740481C1C}">
-                <a14:useLocalDpi xmlns:a14="http://schemas.microsoft.com/office/drawing/2010/main" val="0"/>
-              </a:ext>
-            </a:extLst>
-          </a:blip>
-          <a:srcRect/>
-          <a:stretch>
-            <a:fillRect/>
-          </a:stretch>
-        </p:blipFill>
-        <p:spPr bwMode="auto">
-          <a:xfrm>
-            <a:off x="514650" y="2184673"/>
-            <a:ext cx="1300554" cy="953725"/>
-          </a:xfrm>
-          <a:prstGeom prst="rect">
-            <a:avLst/>
-          </a:prstGeom>
-          <a:noFill/>
-          <a:extLst>
-            <a:ext uri="{909E8E84-426E-40DD-AFC4-6F175D3DCCD1}">
-              <a14:hiddenFill xmlns:a14="http://schemas.microsoft.com/office/drawing/2010/main">
-                <a:solidFill>
-                  <a:srgbClr val="FFFFFF"/>
-                </a:solidFill>
-              </a14:hiddenFill>
-            </a:ext>
-          </a:extLst>
-        </p:spPr>
-      </p:pic>
-      <p:pic>
-        <p:nvPicPr>
-          <p:cNvPr id="2054" name="Picture 6" descr="OpenSource">
-            <a:extLst>
-              <a:ext uri="{FF2B5EF4-FFF2-40B4-BE49-F238E27FC236}">
-                <a16:creationId xmlns:a16="http://schemas.microsoft.com/office/drawing/2014/main" id="{2EA43EFF-D07C-4E2F-A866-E0FAE5821EDA}"/>
-              </a:ext>
-            </a:extLst>
-          </p:cNvPr>
-          <p:cNvPicPr>
-            <a:picLocks noChangeAspect="1" noChangeArrowheads="1"/>
-          </p:cNvPicPr>
-          <p:nvPr/>
-        </p:nvPicPr>
-        <p:blipFill>
-          <a:blip r:embed="rId5">
-            <a:extLst>
-              <a:ext uri="{28A0092B-C50C-407E-A947-70E740481C1C}">
-                <a14:useLocalDpi xmlns:a14="http://schemas.microsoft.com/office/drawing/2010/main" val="0"/>
-              </a:ext>
-            </a:extLst>
-          </a:blip>
-          <a:srcRect/>
-          <a:stretch>
-            <a:fillRect/>
-          </a:stretch>
-        </p:blipFill>
-        <p:spPr bwMode="auto">
-          <a:xfrm>
-            <a:off x="834433" y="3719603"/>
-            <a:ext cx="1088210" cy="942001"/>
-          </a:xfrm>
-          <a:prstGeom prst="rect">
-            <a:avLst/>
-          </a:prstGeom>
-          <a:noFill/>
-          <a:extLst>
-            <a:ext uri="{909E8E84-426E-40DD-AFC4-6F175D3DCCD1}">
-              <a14:hiddenFill xmlns:a14="http://schemas.microsoft.com/office/drawing/2010/main">
-                <a:solidFill>
-                  <a:srgbClr val="FFFFFF"/>
-                </a:solidFill>
-              </a14:hiddenFill>
-            </a:ext>
-          </a:extLst>
-        </p:spPr>
-      </p:pic>
-      <p:pic>
-        <p:nvPicPr>
-          <p:cNvPr id="2056" name="Picture 8" descr="Cosa è git? tutti i comandi da conoscere - Domenico Soriano">
-            <a:extLst>
-              <a:ext uri="{FF2B5EF4-FFF2-40B4-BE49-F238E27FC236}">
-                <a16:creationId xmlns:a16="http://schemas.microsoft.com/office/drawing/2014/main" id="{D9B2307E-43C9-4108-84E0-952210ED9D05}"/>
-              </a:ext>
-            </a:extLst>
-          </p:cNvPr>
-          <p:cNvPicPr>
-            <a:picLocks noChangeAspect="1" noChangeArrowheads="1"/>
-          </p:cNvPicPr>
-          <p:nvPr/>
-        </p:nvPicPr>
-        <p:blipFill>
-          <a:blip r:embed="rId6">
-            <a:extLst>
-              <a:ext uri="{28A0092B-C50C-407E-A947-70E740481C1C}">
-                <a14:useLocalDpi xmlns:a14="http://schemas.microsoft.com/office/drawing/2010/main" val="0"/>
-              </a:ext>
-            </a:extLst>
-          </a:blip>
-          <a:srcRect/>
-          <a:stretch>
-            <a:fillRect/>
-          </a:stretch>
-        </p:blipFill>
-        <p:spPr bwMode="auto">
-          <a:xfrm>
-            <a:off x="1384142" y="5061907"/>
-            <a:ext cx="2432612" cy="1243863"/>
-          </a:xfrm>
-          <a:prstGeom prst="rect">
-            <a:avLst/>
-          </a:prstGeom>
-          <a:noFill/>
-          <a:extLst>
-            <a:ext uri="{909E8E84-426E-40DD-AFC4-6F175D3DCCD1}">
-              <a14:hiddenFill xmlns:a14="http://schemas.microsoft.com/office/drawing/2010/main">
-                <a:solidFill>
-                  <a:srgbClr val="FFFFFF"/>
-                </a:solidFill>
-              </a14:hiddenFill>
-            </a:ext>
-          </a:extLst>
-        </p:spPr>
-      </p:pic>
-      <p:sp>
-        <p:nvSpPr>
-          <p:cNvPr id="2" name="Freccia a destra 1">
-            <a:extLst>
-              <a:ext uri="{FF2B5EF4-FFF2-40B4-BE49-F238E27FC236}">
-                <a16:creationId xmlns:a16="http://schemas.microsoft.com/office/drawing/2014/main" id="{3184EC7E-208E-44FC-8A49-86CEE3594D9F}"/>
-              </a:ext>
-            </a:extLst>
-          </p:cNvPr>
-          <p:cNvSpPr/>
-          <p:nvPr/>
-        </p:nvSpPr>
-        <p:spPr>
-          <a:xfrm>
-            <a:off x="3027872" y="2751827"/>
-            <a:ext cx="1300554" cy="1354348"/>
-          </a:xfrm>
-          <a:prstGeom prst="rightArrow">
-            <a:avLst/>
-          </a:prstGeom>
-          <a:solidFill>
-            <a:srgbClr val="C00000"/>
-          </a:solidFill>
-          <a:ln>
-            <a:noFill/>
-          </a:ln>
-        </p:spPr>
-        <p:style>
-          <a:lnRef idx="2">
-            <a:schemeClr val="accent1">
-              <a:shade val="50000"/>
-            </a:schemeClr>
-          </a:lnRef>
-          <a:fillRef idx="1">
-            <a:schemeClr val="accent1"/>
-          </a:fillRef>
-          <a:effectRef idx="0">
-            <a:schemeClr val="accent1"/>
-          </a:effectRef>
-          <a:fontRef idx="minor">
-            <a:schemeClr val="lt1"/>
-          </a:fontRef>
-        </p:style>
-        <p:txBody>
-          <a:bodyPr rtlCol="0" anchor="ctr"/>
-          <a:lstStyle/>
-          <a:p>
-            <a:pPr algn="ctr"/>
-            <a:endParaRPr lang="en-US"/>
-          </a:p>
-        </p:txBody>
-      </p:sp>
     </p:spTree>
     <p:extLst>
       <p:ext uri="{BB962C8B-B14F-4D97-AF65-F5344CB8AC3E}">
-        <p14:creationId xmlns:p14="http://schemas.microsoft.com/office/powerpoint/2010/main" val="3000851768"/>
+        <p14:creationId xmlns:p14="http://schemas.microsoft.com/office/powerpoint/2010/main" val="557582141"/>
       </p:ext>
     </p:extLst>
   </p:cSld>
@@ -5219,6 +8198,124 @@
       </p:grpSpPr>
       <p:sp>
         <p:nvSpPr>
+          <p:cNvPr id="32" name="Rettangolo con angoli arrotondati 31">
+            <a:extLst>
+              <a:ext uri="{FF2B5EF4-FFF2-40B4-BE49-F238E27FC236}">
+                <a16:creationId xmlns:a16="http://schemas.microsoft.com/office/drawing/2014/main" id="{C7E44050-AF65-4F8D-A492-0BEF270E8928}"/>
+              </a:ext>
+            </a:extLst>
+          </p:cNvPr>
+          <p:cNvSpPr/>
+          <p:nvPr/>
+        </p:nvSpPr>
+        <p:spPr>
+          <a:xfrm>
+            <a:off x="7337079" y="898500"/>
+            <a:ext cx="4595527" cy="5398783"/>
+          </a:xfrm>
+          <a:prstGeom prst="roundRect">
+            <a:avLst/>
+          </a:prstGeom>
+          <a:solidFill>
+            <a:schemeClr val="bg1"/>
+          </a:solidFill>
+          <a:ln w="25400">
+            <a:noFill/>
+          </a:ln>
+          <a:effectLst>
+            <a:outerShdw blurRad="571500" sx="98000" sy="98000" algn="ctr" rotWithShape="0">
+              <a:prstClr val="black">
+                <a:alpha val="16000"/>
+              </a:prstClr>
+            </a:outerShdw>
+          </a:effectLst>
+        </p:spPr>
+        <p:style>
+          <a:lnRef idx="2">
+            <a:schemeClr val="accent1">
+              <a:shade val="50000"/>
+            </a:schemeClr>
+          </a:lnRef>
+          <a:fillRef idx="1">
+            <a:schemeClr val="accent1"/>
+          </a:fillRef>
+          <a:effectRef idx="0">
+            <a:schemeClr val="accent1"/>
+          </a:effectRef>
+          <a:fontRef idx="minor">
+            <a:schemeClr val="lt1"/>
+          </a:fontRef>
+        </p:style>
+        <p:txBody>
+          <a:bodyPr rtlCol="0" anchor="ctr"/>
+          <a:lstStyle/>
+          <a:p>
+            <a:pPr algn="ctr"/>
+            <a:endParaRPr lang="en-US"/>
+          </a:p>
+        </p:txBody>
+      </p:sp>
+      <p:sp>
+        <p:nvSpPr>
+          <p:cNvPr id="24" name="Rettangolo con angoli arrotondati 23">
+            <a:extLst>
+              <a:ext uri="{FF2B5EF4-FFF2-40B4-BE49-F238E27FC236}">
+                <a16:creationId xmlns:a16="http://schemas.microsoft.com/office/drawing/2014/main" id="{42166D96-EE31-4249-B6A4-F41135CAE422}"/>
+              </a:ext>
+            </a:extLst>
+          </p:cNvPr>
+          <p:cNvSpPr/>
+          <p:nvPr/>
+        </p:nvSpPr>
+        <p:spPr>
+          <a:xfrm>
+            <a:off x="233950" y="898499"/>
+            <a:ext cx="6762073" cy="5398784"/>
+          </a:xfrm>
+          <a:prstGeom prst="roundRect">
+            <a:avLst/>
+          </a:prstGeom>
+          <a:solidFill>
+            <a:schemeClr val="bg1"/>
+          </a:solidFill>
+          <a:ln w="25400">
+            <a:noFill/>
+          </a:ln>
+          <a:effectLst>
+            <a:outerShdw blurRad="571500" sx="98000" sy="98000" algn="ctr" rotWithShape="0">
+              <a:prstClr val="black">
+                <a:alpha val="16000"/>
+              </a:prstClr>
+            </a:outerShdw>
+          </a:effectLst>
+        </p:spPr>
+        <p:style>
+          <a:lnRef idx="2">
+            <a:schemeClr val="accent1">
+              <a:shade val="50000"/>
+            </a:schemeClr>
+          </a:lnRef>
+          <a:fillRef idx="1">
+            <a:schemeClr val="accent1"/>
+          </a:fillRef>
+          <a:effectRef idx="0">
+            <a:schemeClr val="accent1"/>
+          </a:effectRef>
+          <a:fontRef idx="minor">
+            <a:schemeClr val="lt1"/>
+          </a:fontRef>
+        </p:style>
+        <p:txBody>
+          <a:bodyPr rtlCol="0" anchor="ctr"/>
+          <a:lstStyle/>
+          <a:p>
+            <a:pPr algn="ctr"/>
+            <a:endParaRPr lang="en-US"/>
+          </a:p>
+        </p:txBody>
+      </p:sp>
+      <p:sp>
+        <p:nvSpPr>
           <p:cNvPr id="3" name="Segnaposto testo 2">
             <a:extLst>
               <a:ext uri="{FF2B5EF4-FFF2-40B4-BE49-F238E27FC236}">
@@ -5248,7 +8345,11 @@
             </a:pPr>
             <a:r>
               <a:rPr lang="it-IT" dirty="0"/>
-              <a:t>WHAT IS QKD</a:t>
+              <a:t>PAT fine and </a:t>
+            </a:r>
+            <a:r>
+              <a:rPr lang="it-IT" dirty="0" err="1"/>
+              <a:t>coarse</a:t>
             </a:r>
             <a:endParaRPr lang="en-US" dirty="0"/>
           </a:p>
@@ -5305,7 +8406,7 @@
             </a:pPr>
             <a:r>
               <a:rPr lang="it-IT" dirty="0"/>
-              <a:t>4/9</a:t>
+              <a:t>3/9</a:t>
             </a:r>
             <a:endParaRPr lang="en-US" dirty="0"/>
           </a:p>
@@ -5325,8 +8426,243 @@
         </p:nvSpPr>
         <p:spPr>
           <a:xfrm>
-            <a:off x="5353619" y="857571"/>
-            <a:ext cx="1773430" cy="461661"/>
+            <a:off x="2798053" y="1150020"/>
+            <a:ext cx="1111775" cy="461661"/>
+          </a:xfrm>
+          <a:prstGeom prst="rect">
+            <a:avLst/>
+          </a:prstGeom>
+          <a:noFill/>
+          <a:ln w="12700" cap="flat">
+            <a:noFill/>
+            <a:miter lim="400000"/>
+          </a:ln>
+          <a:effectLst/>
+          <a:extLst>
+            <a:ext uri="{C572A759-6A51-4108-AA02-DFA0A04FC94B}">
+              <ma14:wrappingTextBoxFlag xmlns:ma14="http://schemas.microsoft.com/office/mac/drawingml/2011/main" xmlns="" val="1"/>
+            </a:ext>
+          </a:extLst>
+        </p:spPr>
+        <p:txBody>
+          <a:bodyPr wrap="none" lIns="45718" tIns="45718" rIns="45718" bIns="45718" numCol="1" rtlCol="0" anchor="ctr">
+            <a:spAutoFit/>
+          </a:bodyPr>
+          <a:lstStyle/>
+          <a:p>
+            <a:pPr algn="ctr"/>
+            <a:r>
+              <a:rPr lang="it-IT" sz="2400" b="1" dirty="0">
+                <a:solidFill>
+                  <a:srgbClr val="C00000"/>
+                </a:solidFill>
+              </a:rPr>
+              <a:t>PAT fine</a:t>
+            </a:r>
+            <a:endParaRPr lang="en-US" sz="2400" b="1" dirty="0">
+              <a:solidFill>
+                <a:srgbClr val="C00000"/>
+              </a:solidFill>
+            </a:endParaRPr>
+          </a:p>
+        </p:txBody>
+      </p:sp>
+      <p:pic>
+        <p:nvPicPr>
+          <p:cNvPr id="9" name="Immagine 8" descr="Immagine che contiene oggetto, treppiede&#10;&#10;Descrizione generata automaticamente">
+            <a:extLst>
+              <a:ext uri="{FF2B5EF4-FFF2-40B4-BE49-F238E27FC236}">
+                <a16:creationId xmlns:a16="http://schemas.microsoft.com/office/drawing/2014/main" id="{91A88D26-BD2D-4B06-8386-ADDCAC786B61}"/>
+              </a:ext>
+            </a:extLst>
+          </p:cNvPr>
+          <p:cNvPicPr>
+            <a:picLocks noChangeAspect="1"/>
+          </p:cNvPicPr>
+          <p:nvPr/>
+        </p:nvPicPr>
+        <p:blipFill>
+          <a:blip r:embed="rId3">
+            <a:extLst>
+              <a:ext uri="{28A0092B-C50C-407E-A947-70E740481C1C}">
+                <a14:useLocalDpi xmlns:a14="http://schemas.microsoft.com/office/drawing/2010/main" val="0"/>
+              </a:ext>
+            </a:extLst>
+          </a:blip>
+          <a:stretch>
+            <a:fillRect/>
+          </a:stretch>
+        </p:blipFill>
+        <p:spPr>
+          <a:xfrm>
+            <a:off x="9089930" y="2396518"/>
+            <a:ext cx="1131499" cy="1131499"/>
+          </a:xfrm>
+          <a:prstGeom prst="rect">
+            <a:avLst/>
+          </a:prstGeom>
+        </p:spPr>
+      </p:pic>
+      <p:pic>
+        <p:nvPicPr>
+          <p:cNvPr id="11" name="Immagine 10" descr="Immagine che contiene elettronico, fotocamera&#10;&#10;Descrizione generata automaticamente">
+            <a:extLst>
+              <a:ext uri="{FF2B5EF4-FFF2-40B4-BE49-F238E27FC236}">
+                <a16:creationId xmlns:a16="http://schemas.microsoft.com/office/drawing/2014/main" id="{9ED2E65E-063C-4E1D-9A75-3828F95975D2}"/>
+              </a:ext>
+            </a:extLst>
+          </p:cNvPr>
+          <p:cNvPicPr>
+            <a:picLocks noChangeAspect="1"/>
+          </p:cNvPicPr>
+          <p:nvPr/>
+        </p:nvPicPr>
+        <p:blipFill>
+          <a:blip r:embed="rId4">
+            <a:extLst>
+              <a:ext uri="{28A0092B-C50C-407E-A947-70E740481C1C}">
+                <a14:useLocalDpi xmlns:a14="http://schemas.microsoft.com/office/drawing/2010/main" val="0"/>
+              </a:ext>
+            </a:extLst>
+          </a:blip>
+          <a:stretch>
+            <a:fillRect/>
+          </a:stretch>
+        </p:blipFill>
+        <p:spPr>
+          <a:xfrm>
+            <a:off x="3199601" y="4760846"/>
+            <a:ext cx="3583353" cy="1135948"/>
+          </a:xfrm>
+          <a:prstGeom prst="rect">
+            <a:avLst/>
+          </a:prstGeom>
+        </p:spPr>
+      </p:pic>
+      <p:pic>
+        <p:nvPicPr>
+          <p:cNvPr id="13" name="Immagine 12" descr="Immagine che contiene elettronico, fotocamera&#10;&#10;Descrizione generata automaticamente">
+            <a:extLst>
+              <a:ext uri="{FF2B5EF4-FFF2-40B4-BE49-F238E27FC236}">
+                <a16:creationId xmlns:a16="http://schemas.microsoft.com/office/drawing/2014/main" id="{92271450-61D2-49FF-814F-D7276DF34B86}"/>
+              </a:ext>
+            </a:extLst>
+          </p:cNvPr>
+          <p:cNvPicPr>
+            <a:picLocks noChangeAspect="1"/>
+          </p:cNvPicPr>
+          <p:nvPr/>
+        </p:nvPicPr>
+        <p:blipFill>
+          <a:blip r:embed="rId5">
+            <a:extLst>
+              <a:ext uri="{28A0092B-C50C-407E-A947-70E740481C1C}">
+                <a14:useLocalDpi xmlns:a14="http://schemas.microsoft.com/office/drawing/2010/main" val="0"/>
+              </a:ext>
+            </a:extLst>
+          </a:blip>
+          <a:stretch>
+            <a:fillRect/>
+          </a:stretch>
+        </p:blipFill>
+        <p:spPr>
+          <a:xfrm>
+            <a:off x="867433" y="2410485"/>
+            <a:ext cx="1263755" cy="972120"/>
+          </a:xfrm>
+          <a:prstGeom prst="rect">
+            <a:avLst/>
+          </a:prstGeom>
+        </p:spPr>
+      </p:pic>
+      <p:pic>
+        <p:nvPicPr>
+          <p:cNvPr id="15" name="Immagine 14" descr="Immagine che contiene orologio, metro&#10;&#10;Descrizione generata automaticamente">
+            <a:extLst>
+              <a:ext uri="{FF2B5EF4-FFF2-40B4-BE49-F238E27FC236}">
+                <a16:creationId xmlns:a16="http://schemas.microsoft.com/office/drawing/2014/main" id="{D2F77ED3-08D0-4C33-AC27-CD25D248F929}"/>
+              </a:ext>
+            </a:extLst>
+          </p:cNvPr>
+          <p:cNvPicPr>
+            <a:picLocks noChangeAspect="1"/>
+          </p:cNvPicPr>
+          <p:nvPr/>
+        </p:nvPicPr>
+        <p:blipFill>
+          <a:blip r:embed="rId6">
+            <a:extLst>
+              <a:ext uri="{28A0092B-C50C-407E-A947-70E740481C1C}">
+                <a14:useLocalDpi xmlns:a14="http://schemas.microsoft.com/office/drawing/2010/main" val="0"/>
+              </a:ext>
+            </a:extLst>
+          </a:blip>
+          <a:stretch>
+            <a:fillRect/>
+          </a:stretch>
+        </p:blipFill>
+        <p:spPr>
+          <a:xfrm>
+            <a:off x="1009728" y="3589627"/>
+            <a:ext cx="1339857" cy="886367"/>
+          </a:xfrm>
+          <a:prstGeom prst="rect">
+            <a:avLst/>
+          </a:prstGeom>
+        </p:spPr>
+      </p:pic>
+      <p:pic>
+        <p:nvPicPr>
+          <p:cNvPr id="17" name="Immagine 16">
+            <a:extLst>
+              <a:ext uri="{FF2B5EF4-FFF2-40B4-BE49-F238E27FC236}">
+                <a16:creationId xmlns:a16="http://schemas.microsoft.com/office/drawing/2014/main" id="{3017DB41-DC4E-4F84-A642-AACAC23450BF}"/>
+              </a:ext>
+            </a:extLst>
+          </p:cNvPr>
+          <p:cNvPicPr>
+            <a:picLocks noChangeAspect="1"/>
+          </p:cNvPicPr>
+          <p:nvPr/>
+        </p:nvPicPr>
+        <p:blipFill>
+          <a:blip r:embed="rId7">
+            <a:extLst>
+              <a:ext uri="{28A0092B-C50C-407E-A947-70E740481C1C}">
+                <a14:useLocalDpi xmlns:a14="http://schemas.microsoft.com/office/drawing/2010/main" val="0"/>
+              </a:ext>
+            </a:extLst>
+          </a:blip>
+          <a:stretch>
+            <a:fillRect/>
+          </a:stretch>
+        </p:blipFill>
+        <p:spPr>
+          <a:xfrm>
+            <a:off x="1056126" y="4778777"/>
+            <a:ext cx="886367" cy="886367"/>
+          </a:xfrm>
+          <a:prstGeom prst="rect">
+            <a:avLst/>
+          </a:prstGeom>
+        </p:spPr>
+      </p:pic>
+      <p:sp>
+        <p:nvSpPr>
+          <p:cNvPr id="2" name="CasellaDiTesto 1">
+            <a:extLst>
+              <a:ext uri="{FF2B5EF4-FFF2-40B4-BE49-F238E27FC236}">
+                <a16:creationId xmlns:a16="http://schemas.microsoft.com/office/drawing/2014/main" id="{F113CF85-091A-41CE-8183-AC4026C1D40B}"/>
+              </a:ext>
+            </a:extLst>
+          </p:cNvPr>
+          <p:cNvSpPr txBox="1"/>
+          <p:nvPr/>
+        </p:nvSpPr>
+        <p:spPr>
+          <a:xfrm>
+            <a:off x="8932502" y="1150021"/>
+            <a:ext cx="1446354" cy="461661"/>
           </a:xfrm>
           <a:prstGeom prst="rect">
             <a:avLst/>
@@ -5356,7 +8692,15 @@
                   <a:srgbClr val="C00000"/>
                 </a:solidFill>
               </a:rPr>
-              <a:t>PAT Software</a:t>
+              <a:t>PAT </a:t>
+            </a:r>
+            <a:r>
+              <a:rPr lang="it-IT" sz="2400" b="1" dirty="0" err="1">
+                <a:solidFill>
+                  <a:srgbClr val="C00000"/>
+                </a:solidFill>
+              </a:rPr>
+              <a:t>coarse</a:t>
             </a:r>
             <a:endParaRPr lang="en-US" sz="2400" b="1" dirty="0">
               <a:solidFill>
@@ -5368,10 +8712,10 @@
       </p:sp>
       <p:pic>
         <p:nvPicPr>
-          <p:cNvPr id="7" name="Immagine 6" descr="Immagine che contiene screenshot&#10;&#10;Descrizione generata automaticamente">
-            <a:extLst>
-              <a:ext uri="{FF2B5EF4-FFF2-40B4-BE49-F238E27FC236}">
-                <a16:creationId xmlns:a16="http://schemas.microsoft.com/office/drawing/2014/main" id="{FDFF9A3A-87E2-48A6-BFAD-49D7130C5CD9}"/>
+          <p:cNvPr id="6" name="Elemento grafico 5">
+            <a:extLst>
+              <a:ext uri="{FF2B5EF4-FFF2-40B4-BE49-F238E27FC236}">
+                <a16:creationId xmlns:a16="http://schemas.microsoft.com/office/drawing/2014/main" id="{1D4A0E54-B429-42BC-AC44-6BB76D48FDC9}"/>
               </a:ext>
             </a:extLst>
           </p:cNvPr>
@@ -5381,10 +8725,13 @@
           <p:nvPr/>
         </p:nvPicPr>
         <p:blipFill>
-          <a:blip r:embed="rId2">
+          <a:blip r:embed="rId8">
             <a:extLst>
               <a:ext uri="{28A0092B-C50C-407E-A947-70E740481C1C}">
                 <a14:useLocalDpi xmlns:a14="http://schemas.microsoft.com/office/drawing/2010/main" val="0"/>
+              </a:ext>
+              <a:ext uri="{96DAC541-7B7A-43D3-8B79-37D633B846F1}">
+                <asvg:svgBlip xmlns:asvg="http://schemas.microsoft.com/office/drawing/2016/SVG/main" r:embed="rId9"/>
               </a:ext>
             </a:extLst>
           </a:blip>
@@ -5394,18 +8741,312 @@
         </p:blipFill>
         <p:spPr>
           <a:xfrm>
-            <a:off x="3240182" y="1319232"/>
-            <a:ext cx="5711636" cy="4726052"/>
+            <a:off x="9205351" y="3617013"/>
+            <a:ext cx="858981" cy="858981"/>
           </a:xfrm>
           <a:prstGeom prst="rect">
             <a:avLst/>
           </a:prstGeom>
         </p:spPr>
       </p:pic>
+      <p:pic>
+        <p:nvPicPr>
+          <p:cNvPr id="10" name="Immagine 9" descr="Immagine che contiene elettronico, fotocamera&#10;&#10;Descrizione generata automaticamente">
+            <a:extLst>
+              <a:ext uri="{FF2B5EF4-FFF2-40B4-BE49-F238E27FC236}">
+                <a16:creationId xmlns:a16="http://schemas.microsoft.com/office/drawing/2014/main" id="{CAEB93D2-20E5-4F1E-B2AE-8846407C0C31}"/>
+              </a:ext>
+            </a:extLst>
+          </p:cNvPr>
+          <p:cNvPicPr>
+            <a:picLocks noChangeAspect="1"/>
+          </p:cNvPicPr>
+          <p:nvPr/>
+        </p:nvPicPr>
+        <p:blipFill>
+          <a:blip r:embed="rId4">
+            <a:extLst>
+              <a:ext uri="{28A0092B-C50C-407E-A947-70E740481C1C}">
+                <a14:useLocalDpi xmlns:a14="http://schemas.microsoft.com/office/drawing/2010/main" val="0"/>
+              </a:ext>
+            </a:extLst>
+          </a:blip>
+          <a:stretch>
+            <a:fillRect/>
+          </a:stretch>
+        </p:blipFill>
+        <p:spPr>
+          <a:xfrm>
+            <a:off x="7864004" y="4653986"/>
+            <a:ext cx="3583353" cy="1135948"/>
+          </a:xfrm>
+          <a:prstGeom prst="rect">
+            <a:avLst/>
+          </a:prstGeom>
+        </p:spPr>
+      </p:pic>
+      <p:pic>
+        <p:nvPicPr>
+          <p:cNvPr id="12" name="Immagine 11" descr="Immagine che contiene elettronico, fotocamera&#10;&#10;Descrizione generata automaticamente">
+            <a:extLst>
+              <a:ext uri="{FF2B5EF4-FFF2-40B4-BE49-F238E27FC236}">
+                <a16:creationId xmlns:a16="http://schemas.microsoft.com/office/drawing/2014/main" id="{B8D74A85-9D75-4684-BEE6-F0FA7A90C365}"/>
+              </a:ext>
+            </a:extLst>
+          </p:cNvPr>
+          <p:cNvPicPr>
+            <a:picLocks noChangeAspect="1"/>
+          </p:cNvPicPr>
+          <p:nvPr/>
+        </p:nvPicPr>
+        <p:blipFill>
+          <a:blip r:embed="rId5">
+            <a:extLst>
+              <a:ext uri="{28A0092B-C50C-407E-A947-70E740481C1C}">
+                <a14:useLocalDpi xmlns:a14="http://schemas.microsoft.com/office/drawing/2010/main" val="0"/>
+              </a:ext>
+            </a:extLst>
+          </a:blip>
+          <a:stretch>
+            <a:fillRect/>
+          </a:stretch>
+        </p:blipFill>
+        <p:spPr>
+          <a:xfrm>
+            <a:off x="4194919" y="2456880"/>
+            <a:ext cx="1263755" cy="972120"/>
+          </a:xfrm>
+          <a:prstGeom prst="rect">
+            <a:avLst/>
+          </a:prstGeom>
+        </p:spPr>
+      </p:pic>
+      <p:pic>
+        <p:nvPicPr>
+          <p:cNvPr id="18" name="Elemento grafico 17">
+            <a:extLst>
+              <a:ext uri="{FF2B5EF4-FFF2-40B4-BE49-F238E27FC236}">
+                <a16:creationId xmlns:a16="http://schemas.microsoft.com/office/drawing/2014/main" id="{F87FFB57-5D66-428C-86E8-00DDA96C6941}"/>
+              </a:ext>
+            </a:extLst>
+          </p:cNvPr>
+          <p:cNvPicPr>
+            <a:picLocks noChangeAspect="1"/>
+          </p:cNvPicPr>
+          <p:nvPr/>
+        </p:nvPicPr>
+        <p:blipFill>
+          <a:blip r:embed="rId8">
+            <a:extLst>
+              <a:ext uri="{28A0092B-C50C-407E-A947-70E740481C1C}">
+                <a14:useLocalDpi xmlns:a14="http://schemas.microsoft.com/office/drawing/2010/main" val="0"/>
+              </a:ext>
+              <a:ext uri="{96DAC541-7B7A-43D3-8B79-37D633B846F1}">
+                <asvg:svgBlip xmlns:asvg="http://schemas.microsoft.com/office/drawing/2016/SVG/main" r:embed="rId9"/>
+              </a:ext>
+            </a:extLst>
+          </a:blip>
+          <a:stretch>
+            <a:fillRect/>
+          </a:stretch>
+        </p:blipFill>
+        <p:spPr>
+          <a:xfrm>
+            <a:off x="4397307" y="3584634"/>
+            <a:ext cx="858981" cy="858981"/>
+          </a:xfrm>
+          <a:prstGeom prst="rect">
+            <a:avLst/>
+          </a:prstGeom>
+        </p:spPr>
+      </p:pic>
+      <p:sp>
+        <p:nvSpPr>
+          <p:cNvPr id="16" name="CasellaDiTesto 15">
+            <a:extLst>
+              <a:ext uri="{FF2B5EF4-FFF2-40B4-BE49-F238E27FC236}">
+                <a16:creationId xmlns:a16="http://schemas.microsoft.com/office/drawing/2014/main" id="{9DB6FA52-8BC2-4A3C-AB7A-211B551EEF8E}"/>
+              </a:ext>
+            </a:extLst>
+          </p:cNvPr>
+          <p:cNvSpPr txBox="1"/>
+          <p:nvPr/>
+        </p:nvSpPr>
+        <p:spPr>
+          <a:xfrm>
+            <a:off x="1346237" y="1876871"/>
+            <a:ext cx="531553" cy="461661"/>
+          </a:xfrm>
+          <a:prstGeom prst="rect">
+            <a:avLst/>
+          </a:prstGeom>
+          <a:noFill/>
+          <a:ln w="12700" cap="flat">
+            <a:noFill/>
+            <a:miter lim="400000"/>
+          </a:ln>
+          <a:effectLst/>
+          <a:extLst>
+            <a:ext uri="{C572A759-6A51-4108-AA02-DFA0A04FC94B}">
+              <ma14:wrappingTextBoxFlag xmlns="" xmlns:ma14="http://schemas.microsoft.com/office/mac/drawingml/2011/main" val="1"/>
+            </a:ext>
+          </a:extLst>
+        </p:spPr>
+        <p:txBody>
+          <a:bodyPr wrap="none" lIns="45718" tIns="45718" rIns="45718" bIns="45718" numCol="1" rtlCol="0" anchor="ctr">
+            <a:spAutoFit/>
+          </a:bodyPr>
+          <a:lstStyle/>
+          <a:p>
+            <a:pPr algn="ctr"/>
+            <a:r>
+              <a:rPr lang="it-IT" sz="2400" b="1" dirty="0">
+                <a:solidFill>
+                  <a:schemeClr val="tx1">
+                    <a:lumMod val="95000"/>
+                    <a:lumOff val="5000"/>
+                  </a:schemeClr>
+                </a:solidFill>
+              </a:rPr>
+              <a:t>PID</a:t>
+            </a:r>
+            <a:endParaRPr lang="en-US" sz="2400" b="1" dirty="0">
+              <a:solidFill>
+                <a:schemeClr val="tx1">
+                  <a:lumMod val="95000"/>
+                  <a:lumOff val="5000"/>
+                </a:schemeClr>
+              </a:solidFill>
+            </a:endParaRPr>
+          </a:p>
+        </p:txBody>
+      </p:sp>
+      <p:sp>
+        <p:nvSpPr>
+          <p:cNvPr id="20" name="CasellaDiTesto 19">
+            <a:extLst>
+              <a:ext uri="{FF2B5EF4-FFF2-40B4-BE49-F238E27FC236}">
+                <a16:creationId xmlns:a16="http://schemas.microsoft.com/office/drawing/2014/main" id="{A7FA145A-70BE-4C69-83C0-362CA20923BF}"/>
+              </a:ext>
+            </a:extLst>
+          </p:cNvPr>
+          <p:cNvSpPr txBox="1"/>
+          <p:nvPr/>
+        </p:nvSpPr>
+        <p:spPr>
+          <a:xfrm>
+            <a:off x="4170069" y="1899542"/>
+            <a:ext cx="1251301" cy="461661"/>
+          </a:xfrm>
+          <a:prstGeom prst="rect">
+            <a:avLst/>
+          </a:prstGeom>
+          <a:noFill/>
+          <a:ln w="12700" cap="flat">
+            <a:noFill/>
+            <a:miter lim="400000"/>
+          </a:ln>
+          <a:effectLst/>
+          <a:extLst>
+            <a:ext uri="{C572A759-6A51-4108-AA02-DFA0A04FC94B}">
+              <ma14:wrappingTextBoxFlag xmlns:ma14="http://schemas.microsoft.com/office/mac/drawingml/2011/main" xmlns="" val="1"/>
+            </a:ext>
+          </a:extLst>
+        </p:spPr>
+        <p:txBody>
+          <a:bodyPr wrap="none" lIns="45718" tIns="45718" rIns="45718" bIns="45718" numCol="1" rtlCol="0" anchor="ctr">
+            <a:spAutoFit/>
+          </a:bodyPr>
+          <a:lstStyle/>
+          <a:p>
+            <a:pPr algn="ctr"/>
+            <a:r>
+              <a:rPr lang="it-IT" sz="2400" b="1" dirty="0">
+                <a:solidFill>
+                  <a:schemeClr val="tx1">
+                    <a:lumMod val="95000"/>
+                    <a:lumOff val="5000"/>
+                  </a:schemeClr>
+                </a:solidFill>
+              </a:rPr>
+              <a:t>One shot</a:t>
+            </a:r>
+            <a:endParaRPr lang="en-US" sz="2400" b="1" dirty="0">
+              <a:solidFill>
+                <a:schemeClr val="tx1">
+                  <a:lumMod val="95000"/>
+                  <a:lumOff val="5000"/>
+                </a:schemeClr>
+              </a:solidFill>
+            </a:endParaRPr>
+          </a:p>
+        </p:txBody>
+      </p:sp>
+      <p:sp>
+        <p:nvSpPr>
+          <p:cNvPr id="22" name="CasellaDiTesto 21">
+            <a:extLst>
+              <a:ext uri="{FF2B5EF4-FFF2-40B4-BE49-F238E27FC236}">
+                <a16:creationId xmlns:a16="http://schemas.microsoft.com/office/drawing/2014/main" id="{F4CBF483-2EA3-47DA-88D8-3207CD6EEBDE}"/>
+              </a:ext>
+            </a:extLst>
+          </p:cNvPr>
+          <p:cNvSpPr txBox="1"/>
+          <p:nvPr/>
+        </p:nvSpPr>
+        <p:spPr>
+          <a:xfrm>
+            <a:off x="9009190" y="1876871"/>
+            <a:ext cx="1251301" cy="461661"/>
+          </a:xfrm>
+          <a:prstGeom prst="rect">
+            <a:avLst/>
+          </a:prstGeom>
+          <a:noFill/>
+          <a:ln w="12700" cap="flat">
+            <a:noFill/>
+            <a:miter lim="400000"/>
+          </a:ln>
+          <a:effectLst/>
+          <a:extLst>
+            <a:ext uri="{C572A759-6A51-4108-AA02-DFA0A04FC94B}">
+              <ma14:wrappingTextBoxFlag xmlns="" xmlns:ma14="http://schemas.microsoft.com/office/mac/drawingml/2011/main" val="1"/>
+            </a:ext>
+          </a:extLst>
+        </p:spPr>
+        <p:txBody>
+          <a:bodyPr wrap="none" lIns="45718" tIns="45718" rIns="45718" bIns="45718" numCol="1" rtlCol="0" anchor="ctr">
+            <a:spAutoFit/>
+          </a:bodyPr>
+          <a:lstStyle/>
+          <a:p>
+            <a:pPr algn="ctr"/>
+            <a:r>
+              <a:rPr lang="it-IT" sz="2400" b="1" dirty="0">
+                <a:solidFill>
+                  <a:schemeClr val="tx1">
+                    <a:lumMod val="95000"/>
+                    <a:lumOff val="5000"/>
+                  </a:schemeClr>
+                </a:solidFill>
+              </a:rPr>
+              <a:t>One shot</a:t>
+            </a:r>
+            <a:endParaRPr lang="en-US" sz="2400" b="1" dirty="0">
+              <a:solidFill>
+                <a:schemeClr val="tx1">
+                  <a:lumMod val="95000"/>
+                  <a:lumOff val="5000"/>
+                </a:schemeClr>
+              </a:solidFill>
+            </a:endParaRPr>
+          </a:p>
+        </p:txBody>
+      </p:sp>
     </p:spTree>
     <p:extLst>
       <p:ext uri="{BB962C8B-B14F-4D97-AF65-F5344CB8AC3E}">
-        <p14:creationId xmlns:p14="http://schemas.microsoft.com/office/powerpoint/2010/main" val="1166520897"/>
+        <p14:creationId xmlns:p14="http://schemas.microsoft.com/office/powerpoint/2010/main" val="1114096668"/>
       </p:ext>
     </p:extLst>
   </p:cSld>
@@ -5434,6 +9075,58 @@
       </p:grpSpPr>
       <p:sp>
         <p:nvSpPr>
+          <p:cNvPr id="17" name="Rettangolo 16">
+            <a:extLst>
+              <a:ext uri="{FF2B5EF4-FFF2-40B4-BE49-F238E27FC236}">
+                <a16:creationId xmlns:a16="http://schemas.microsoft.com/office/drawing/2014/main" id="{18512113-3DF3-47D7-B211-F23DC4DC2B26}"/>
+              </a:ext>
+            </a:extLst>
+          </p:cNvPr>
+          <p:cNvSpPr/>
+          <p:nvPr/>
+        </p:nvSpPr>
+        <p:spPr>
+          <a:xfrm>
+            <a:off x="0" y="526211"/>
+            <a:ext cx="12192000" cy="6064370"/>
+          </a:xfrm>
+          <a:prstGeom prst="rect">
+            <a:avLst/>
+          </a:prstGeom>
+          <a:solidFill>
+            <a:srgbClr val="C00000"/>
+          </a:solidFill>
+          <a:ln>
+            <a:noFill/>
+          </a:ln>
+        </p:spPr>
+        <p:style>
+          <a:lnRef idx="2">
+            <a:schemeClr val="accent1">
+              <a:shade val="50000"/>
+            </a:schemeClr>
+          </a:lnRef>
+          <a:fillRef idx="1">
+            <a:schemeClr val="accent1"/>
+          </a:fillRef>
+          <a:effectRef idx="0">
+            <a:schemeClr val="accent1"/>
+          </a:effectRef>
+          <a:fontRef idx="minor">
+            <a:schemeClr val="lt1"/>
+          </a:fontRef>
+        </p:style>
+        <p:txBody>
+          <a:bodyPr rtlCol="0" anchor="ctr"/>
+          <a:lstStyle/>
+          <a:p>
+            <a:pPr algn="ctr"/>
+            <a:endParaRPr lang="en-US"/>
+          </a:p>
+        </p:txBody>
+      </p:sp>
+      <p:sp>
+        <p:nvSpPr>
           <p:cNvPr id="3" name="Segnaposto testo 2">
             <a:extLst>
               <a:ext uri="{FF2B5EF4-FFF2-40B4-BE49-F238E27FC236}">
@@ -5463,7 +9156,7 @@
             </a:pPr>
             <a:r>
               <a:rPr lang="it-IT" dirty="0"/>
-              <a:t>PATLIC</a:t>
+              <a:t>UML PAT</a:t>
             </a:r>
             <a:endParaRPr lang="en-US" dirty="0"/>
           </a:p>
@@ -5520,117 +9213,18 @@
             </a:pPr>
             <a:r>
               <a:rPr lang="it-IT" dirty="0"/>
-              <a:t>5/9</a:t>
+              <a:t>4/9</a:t>
             </a:r>
             <a:endParaRPr lang="en-US" dirty="0"/>
-          </a:p>
-        </p:txBody>
-      </p:sp>
-      <p:sp>
-        <p:nvSpPr>
-          <p:cNvPr id="88" name="CasellaDiTesto 87">
-            <a:extLst>
-              <a:ext uri="{FF2B5EF4-FFF2-40B4-BE49-F238E27FC236}">
-                <a16:creationId xmlns:a16="http://schemas.microsoft.com/office/drawing/2014/main" id="{A784452C-69B2-4E02-996A-CC354FFD1798}"/>
-              </a:ext>
-            </a:extLst>
-          </p:cNvPr>
-          <p:cNvSpPr txBox="1"/>
-          <p:nvPr/>
-        </p:nvSpPr>
-        <p:spPr>
-          <a:xfrm>
-            <a:off x="5007821" y="857571"/>
-            <a:ext cx="2465031" cy="461661"/>
-          </a:xfrm>
-          <a:prstGeom prst="rect">
-            <a:avLst/>
-          </a:prstGeom>
-          <a:noFill/>
-          <a:ln w="12700" cap="flat">
-            <a:noFill/>
-            <a:miter lim="400000"/>
-          </a:ln>
-          <a:effectLst/>
-          <a:extLst>
-            <a:ext uri="{C572A759-6A51-4108-AA02-DFA0A04FC94B}">
-              <ma14:wrappingTextBoxFlag xmlns="" xmlns:ma14="http://schemas.microsoft.com/office/mac/drawingml/2011/main" val="1"/>
-            </a:ext>
-          </a:extLst>
-        </p:spPr>
-        <p:txBody>
-          <a:bodyPr wrap="none" lIns="45718" tIns="45718" rIns="45718" bIns="45718" numCol="1" rtlCol="0" anchor="ctr">
-            <a:spAutoFit/>
-          </a:bodyPr>
-          <a:lstStyle/>
-          <a:p>
-            <a:pPr algn="ctr"/>
-            <a:r>
-              <a:rPr lang="it-IT" sz="2400" b="1" dirty="0">
-                <a:solidFill>
-                  <a:srgbClr val="C00000"/>
-                </a:solidFill>
-              </a:rPr>
-              <a:t>PATLIC </a:t>
-            </a:r>
-            <a:r>
-              <a:rPr lang="it-IT" sz="2400" b="1" dirty="0" err="1">
-                <a:solidFill>
-                  <a:srgbClr val="C00000"/>
-                </a:solidFill>
-              </a:rPr>
-              <a:t>experiment</a:t>
-            </a:r>
-            <a:endParaRPr lang="en-US" sz="2400" b="1" dirty="0">
-              <a:solidFill>
-                <a:srgbClr val="C00000"/>
-              </a:solidFill>
-            </a:endParaRPr>
           </a:p>
         </p:txBody>
       </p:sp>
       <p:pic>
         <p:nvPicPr>
-          <p:cNvPr id="6" name="Immagine 5">
-            <a:extLst>
-              <a:ext uri="{FF2B5EF4-FFF2-40B4-BE49-F238E27FC236}">
-                <a16:creationId xmlns:a16="http://schemas.microsoft.com/office/drawing/2014/main" id="{C4201112-D7B6-4182-BBE3-AAC6E23AA602}"/>
-              </a:ext>
-            </a:extLst>
-          </p:cNvPr>
-          <p:cNvPicPr>
-            <a:picLocks noChangeAspect="1"/>
-          </p:cNvPicPr>
-          <p:nvPr/>
-        </p:nvPicPr>
-        <p:blipFill>
-          <a:blip r:embed="rId2">
-            <a:extLst>
-              <a:ext uri="{28A0092B-C50C-407E-A947-70E740481C1C}">
-                <a14:useLocalDpi xmlns:a14="http://schemas.microsoft.com/office/drawing/2010/main" val="0"/>
-              </a:ext>
-            </a:extLst>
-          </a:blip>
-          <a:stretch>
-            <a:fillRect/>
-          </a:stretch>
-        </p:blipFill>
-        <p:spPr>
-          <a:xfrm>
-            <a:off x="850905" y="1405497"/>
-            <a:ext cx="4394426" cy="2466774"/>
-          </a:xfrm>
-          <a:prstGeom prst="rect">
-            <a:avLst/>
-          </a:prstGeom>
-        </p:spPr>
-      </p:pic>
-      <p:pic>
-        <p:nvPicPr>
-          <p:cNvPr id="9" name="Immagine 8">
-            <a:extLst>
-              <a:ext uri="{FF2B5EF4-FFF2-40B4-BE49-F238E27FC236}">
-                <a16:creationId xmlns:a16="http://schemas.microsoft.com/office/drawing/2014/main" id="{73C0D467-35F3-4336-907D-9BDA1F5E0673}"/>
+          <p:cNvPr id="16" name="Elemento grafico 15">
+            <a:extLst>
+              <a:ext uri="{FF2B5EF4-FFF2-40B4-BE49-F238E27FC236}">
+                <a16:creationId xmlns:a16="http://schemas.microsoft.com/office/drawing/2014/main" id="{A8B0C93F-2F19-480F-914E-02EF0DC7C284}"/>
               </a:ext>
             </a:extLst>
           </p:cNvPr>
@@ -5645,6 +9239,9 @@
               <a:ext uri="{28A0092B-C50C-407E-A947-70E740481C1C}">
                 <a14:useLocalDpi xmlns:a14="http://schemas.microsoft.com/office/drawing/2010/main" val="0"/>
               </a:ext>
+              <a:ext uri="{96DAC541-7B7A-43D3-8B79-37D633B846F1}">
+                <asvg:svgBlip xmlns:asvg="http://schemas.microsoft.com/office/drawing/2016/SVG/main" r:embed="rId4"/>
+              </a:ext>
             </a:extLst>
           </a:blip>
           <a:stretch>
@@ -5653,44 +9250,8 @@
         </p:blipFill>
         <p:spPr>
           <a:xfrm>
-            <a:off x="850905" y="3872271"/>
-            <a:ext cx="4394426" cy="2471865"/>
-          </a:xfrm>
-          <a:prstGeom prst="rect">
-            <a:avLst/>
-          </a:prstGeom>
-        </p:spPr>
-      </p:pic>
-      <p:pic>
-        <p:nvPicPr>
-          <p:cNvPr id="11" name="Immagine 10" descr="Immagine che contiene interni, tavolo, sedendo, stanza&#10;&#10;Descrizione generata automaticamente">
-            <a:extLst>
-              <a:ext uri="{FF2B5EF4-FFF2-40B4-BE49-F238E27FC236}">
-                <a16:creationId xmlns:a16="http://schemas.microsoft.com/office/drawing/2014/main" id="{A730D62E-89AF-4BE4-B0B6-662CF8E4CD89}"/>
-              </a:ext>
-            </a:extLst>
-          </p:cNvPr>
-          <p:cNvPicPr>
-            <a:picLocks noChangeAspect="1"/>
-          </p:cNvPicPr>
-          <p:nvPr/>
-        </p:nvPicPr>
-        <p:blipFill>
-          <a:blip r:embed="rId4">
-            <a:extLst>
-              <a:ext uri="{28A0092B-C50C-407E-A947-70E740481C1C}">
-                <a14:useLocalDpi xmlns:a14="http://schemas.microsoft.com/office/drawing/2010/main" val="0"/>
-              </a:ext>
-            </a:extLst>
-          </a:blip>
-          <a:stretch>
-            <a:fillRect/>
-          </a:stretch>
-        </p:blipFill>
-        <p:spPr>
-          <a:xfrm>
-            <a:off x="7046025" y="1566974"/>
-            <a:ext cx="3325091" cy="4433455"/>
+            <a:off x="0" y="1028233"/>
+            <a:ext cx="12192000" cy="4801533"/>
           </a:xfrm>
           <a:prstGeom prst="rect">
             <a:avLst/>
@@ -5700,7 +9261,7 @@
     </p:spTree>
     <p:extLst>
       <p:ext uri="{BB962C8B-B14F-4D97-AF65-F5344CB8AC3E}">
-        <p14:creationId xmlns:p14="http://schemas.microsoft.com/office/powerpoint/2010/main" val="2362692142"/>
+        <p14:creationId xmlns:p14="http://schemas.microsoft.com/office/powerpoint/2010/main" val="3000851768"/>
       </p:ext>
     </p:extLst>
   </p:cSld>
@@ -5727,78 +9288,6 @@
           <a:chExt cx="0" cy="0"/>
         </a:xfrm>
       </p:grpSpPr>
-      <p:pic>
-        <p:nvPicPr>
-          <p:cNvPr id="13" name="Immagine 12" descr="Immagine che contiene testo&#10;&#10;Descrizione generata automaticamente">
-            <a:extLst>
-              <a:ext uri="{FF2B5EF4-FFF2-40B4-BE49-F238E27FC236}">
-                <a16:creationId xmlns:a16="http://schemas.microsoft.com/office/drawing/2014/main" id="{53FD90BF-462B-40BC-BB97-3EF543309B8C}"/>
-              </a:ext>
-            </a:extLst>
-          </p:cNvPr>
-          <p:cNvPicPr>
-            <a:picLocks noChangeAspect="1"/>
-          </p:cNvPicPr>
-          <p:nvPr/>
-        </p:nvPicPr>
-        <p:blipFill>
-          <a:blip r:embed="rId2">
-            <a:extLst>
-              <a:ext uri="{28A0092B-C50C-407E-A947-70E740481C1C}">
-                <a14:useLocalDpi xmlns:a14="http://schemas.microsoft.com/office/drawing/2010/main" val="0"/>
-              </a:ext>
-            </a:extLst>
-          </a:blip>
-          <a:stretch>
-            <a:fillRect/>
-          </a:stretch>
-        </p:blipFill>
-        <p:spPr>
-          <a:xfrm>
-            <a:off x="-562708" y="1723030"/>
-            <a:ext cx="7410743" cy="3755549"/>
-          </a:xfrm>
-          <a:prstGeom prst="rect">
-            <a:avLst/>
-          </a:prstGeom>
-        </p:spPr>
-      </p:pic>
-      <p:pic>
-        <p:nvPicPr>
-          <p:cNvPr id="10" name="Immagine 9" descr="Immagine che contiene interni, guardando, sedendo, largo&#10;&#10;Descrizione generata automaticamente">
-            <a:extLst>
-              <a:ext uri="{FF2B5EF4-FFF2-40B4-BE49-F238E27FC236}">
-                <a16:creationId xmlns:a16="http://schemas.microsoft.com/office/drawing/2014/main" id="{CE4190A1-B415-4C05-BE42-41B0CAF0FC64}"/>
-              </a:ext>
-            </a:extLst>
-          </p:cNvPr>
-          <p:cNvPicPr>
-            <a:picLocks noChangeAspect="1"/>
-          </p:cNvPicPr>
-          <p:nvPr/>
-        </p:nvPicPr>
-        <p:blipFill>
-          <a:blip r:embed="rId3">
-            <a:extLst>
-              <a:ext uri="{28A0092B-C50C-407E-A947-70E740481C1C}">
-                <a14:useLocalDpi xmlns:a14="http://schemas.microsoft.com/office/drawing/2010/main" val="0"/>
-              </a:ext>
-            </a:extLst>
-          </a:blip>
-          <a:stretch>
-            <a:fillRect/>
-          </a:stretch>
-        </p:blipFill>
-        <p:spPr>
-          <a:xfrm>
-            <a:off x="6207525" y="3748628"/>
-            <a:ext cx="4843588" cy="2454589"/>
-          </a:xfrm>
-          <a:prstGeom prst="rect">
-            <a:avLst/>
-          </a:prstGeom>
-        </p:spPr>
-      </p:pic>
       <p:sp>
         <p:nvSpPr>
           <p:cNvPr id="3" name="Segnaposto testo 2">
@@ -5830,11 +9319,7 @@
             </a:pPr>
             <a:r>
               <a:rPr lang="it-IT" dirty="0" err="1"/>
-              <a:t>Heat</a:t>
-            </a:r>
-            <a:r>
-              <a:rPr lang="it-IT" dirty="0"/>
-              <a:t> – PIDKPA101 – Fine</a:t>
+              <a:t>Boilerplate</a:t>
             </a:r>
             <a:endParaRPr lang="en-US" dirty="0"/>
           </a:p>
@@ -5891,7 +9376,7 @@
             </a:pPr>
             <a:r>
               <a:rPr lang="it-IT" dirty="0"/>
-              <a:t>6/9</a:t>
+              <a:t>5/9</a:t>
             </a:r>
             <a:endParaRPr lang="en-US" dirty="0"/>
           </a:p>
@@ -5911,8 +9396,8 @@
         </p:nvSpPr>
         <p:spPr>
           <a:xfrm>
-            <a:off x="3989160" y="857571"/>
-            <a:ext cx="4502383" cy="461661"/>
+            <a:off x="5492986" y="857571"/>
+            <a:ext cx="1494701" cy="461661"/>
           </a:xfrm>
           <a:prstGeom prst="rect">
             <a:avLst/>
@@ -5925,7 +9410,7 @@
           <a:effectLst/>
           <a:extLst>
             <a:ext uri="{C572A759-6A51-4108-AA02-DFA0A04FC94B}">
-              <ma14:wrappingTextBoxFlag xmlns="" xmlns:ma14="http://schemas.microsoft.com/office/mac/drawingml/2011/main" val="1"/>
+              <ma14:wrappingTextBoxFlag xmlns:ma14="http://schemas.microsoft.com/office/mac/drawingml/2011/main" xmlns="" val="1"/>
             </a:ext>
           </a:extLst>
         </p:spPr>
@@ -5937,44 +9422,12 @@
           <a:p>
             <a:pPr algn="ctr"/>
             <a:r>
-              <a:rPr lang="it-IT" sz="2400" b="1" dirty="0">
+              <a:rPr lang="it-IT" sz="2400" b="1" dirty="0" err="1">
                 <a:solidFill>
                   <a:srgbClr val="C00000"/>
                 </a:solidFill>
               </a:rPr>
-              <a:t>PATLIC </a:t>
-            </a:r>
-            <a:r>
-              <a:rPr lang="it-IT" sz="2400" b="1" dirty="0" err="1">
-                <a:solidFill>
-                  <a:srgbClr val="C00000"/>
-                </a:solidFill>
-              </a:rPr>
-              <a:t>heat</a:t>
-            </a:r>
-            <a:r>
-              <a:rPr lang="it-IT" sz="2400" b="1" dirty="0">
-                <a:solidFill>
-                  <a:srgbClr val="C00000"/>
-                </a:solidFill>
-              </a:rPr>
-              <a:t> </a:t>
-            </a:r>
-            <a:r>
-              <a:rPr lang="it-IT" sz="2400" b="1" dirty="0" err="1">
-                <a:solidFill>
-                  <a:srgbClr val="C00000"/>
-                </a:solidFill>
-              </a:rPr>
-              <a:t>turbolence</a:t>
-            </a:r>
-            <a:r>
-              <a:rPr lang="it-IT" sz="2400" b="1" dirty="0">
-                <a:solidFill>
-                  <a:srgbClr val="C00000"/>
-                </a:solidFill>
-              </a:rPr>
-              <a:t> PIDKPA101</a:t>
+              <a:t>Boilerplate</a:t>
             </a:r>
             <a:endParaRPr lang="en-US" sz="2400" b="1" dirty="0">
               <a:solidFill>
@@ -5986,10 +9439,10 @@
       </p:sp>
       <p:pic>
         <p:nvPicPr>
-          <p:cNvPr id="7" name="Immagine 6" descr="Immagine che contiene acqua&#10;&#10;Descrizione generata automaticamente">
-            <a:extLst>
-              <a:ext uri="{FF2B5EF4-FFF2-40B4-BE49-F238E27FC236}">
-                <a16:creationId xmlns:a16="http://schemas.microsoft.com/office/drawing/2014/main" id="{09B7A6B4-8FEF-4027-B782-7C4910EF046D}"/>
+          <p:cNvPr id="6" name="Immagine 5">
+            <a:extLst>
+              <a:ext uri="{FF2B5EF4-FFF2-40B4-BE49-F238E27FC236}">
+                <a16:creationId xmlns:a16="http://schemas.microsoft.com/office/drawing/2014/main" id="{B0A870A5-B01D-469B-89D4-CFD3F89BAFC8}"/>
               </a:ext>
             </a:extLst>
           </p:cNvPr>
@@ -5999,7 +9452,7 @@
           <p:nvPr/>
         </p:nvPicPr>
         <p:blipFill>
-          <a:blip r:embed="rId4">
+          <a:blip r:embed="rId3">
             <a:extLst>
               <a:ext uri="{28A0092B-C50C-407E-A947-70E740481C1C}">
                 <a14:useLocalDpi xmlns:a14="http://schemas.microsoft.com/office/drawing/2010/main" val="0"/>
@@ -6012,18 +9465,258 @@
         </p:blipFill>
         <p:spPr>
           <a:xfrm>
-            <a:off x="6096000" y="1390920"/>
-            <a:ext cx="5066638" cy="2567625"/>
+            <a:off x="5148264" y="1586325"/>
+            <a:ext cx="6051550" cy="3797783"/>
           </a:xfrm>
           <a:prstGeom prst="rect">
             <a:avLst/>
           </a:prstGeom>
         </p:spPr>
       </p:pic>
+      <p:pic>
+        <p:nvPicPr>
+          <p:cNvPr id="2050" name="Picture 2" descr="C++ - Wikipedia">
+            <a:extLst>
+              <a:ext uri="{FF2B5EF4-FFF2-40B4-BE49-F238E27FC236}">
+                <a16:creationId xmlns:a16="http://schemas.microsoft.com/office/drawing/2014/main" id="{02F44A0F-6C10-4479-A306-A314C0CC88AA}"/>
+              </a:ext>
+            </a:extLst>
+          </p:cNvPr>
+          <p:cNvPicPr>
+            <a:picLocks noChangeAspect="1" noChangeArrowheads="1"/>
+          </p:cNvPicPr>
+          <p:nvPr/>
+        </p:nvPicPr>
+        <p:blipFill>
+          <a:blip r:embed="rId4">
+            <a:extLst>
+              <a:ext uri="{28A0092B-C50C-407E-A947-70E740481C1C}">
+                <a14:useLocalDpi xmlns:a14="http://schemas.microsoft.com/office/drawing/2010/main" val="0"/>
+              </a:ext>
+            </a:extLst>
+          </a:blip>
+          <a:srcRect/>
+          <a:stretch>
+            <a:fillRect/>
+          </a:stretch>
+        </p:blipFill>
+        <p:spPr bwMode="auto">
+          <a:xfrm>
+            <a:off x="1636429" y="842369"/>
+            <a:ext cx="848815" cy="953725"/>
+          </a:xfrm>
+          <a:prstGeom prst="rect">
+            <a:avLst/>
+          </a:prstGeom>
+          <a:noFill/>
+          <a:extLst>
+            <a:ext uri="{909E8E84-426E-40DD-AFC4-6F175D3DCCD1}">
+              <a14:hiddenFill xmlns:a14="http://schemas.microsoft.com/office/drawing/2010/main">
+                <a:solidFill>
+                  <a:srgbClr val="FFFFFF"/>
+                </a:solidFill>
+              </a14:hiddenFill>
+            </a:ext>
+          </a:extLst>
+        </p:spPr>
+      </p:pic>
+      <p:pic>
+        <p:nvPicPr>
+          <p:cNvPr id="2052" name="Picture 4" descr="Qt (software) - Wikipedia">
+            <a:extLst>
+              <a:ext uri="{FF2B5EF4-FFF2-40B4-BE49-F238E27FC236}">
+                <a16:creationId xmlns:a16="http://schemas.microsoft.com/office/drawing/2014/main" id="{D70F6A69-40B5-4E58-BDFD-4759DF071D03}"/>
+              </a:ext>
+            </a:extLst>
+          </p:cNvPr>
+          <p:cNvPicPr>
+            <a:picLocks noChangeAspect="1" noChangeArrowheads="1"/>
+          </p:cNvPicPr>
+          <p:nvPr/>
+        </p:nvPicPr>
+        <p:blipFill>
+          <a:blip r:embed="rId5">
+            <a:extLst>
+              <a:ext uri="{28A0092B-C50C-407E-A947-70E740481C1C}">
+                <a14:useLocalDpi xmlns:a14="http://schemas.microsoft.com/office/drawing/2010/main" val="0"/>
+              </a:ext>
+            </a:extLst>
+          </a:blip>
+          <a:srcRect/>
+          <a:stretch>
+            <a:fillRect/>
+          </a:stretch>
+        </p:blipFill>
+        <p:spPr bwMode="auto">
+          <a:xfrm>
+            <a:off x="514650" y="2184673"/>
+            <a:ext cx="1300554" cy="953725"/>
+          </a:xfrm>
+          <a:prstGeom prst="rect">
+            <a:avLst/>
+          </a:prstGeom>
+          <a:noFill/>
+          <a:extLst>
+            <a:ext uri="{909E8E84-426E-40DD-AFC4-6F175D3DCCD1}">
+              <a14:hiddenFill xmlns:a14="http://schemas.microsoft.com/office/drawing/2010/main">
+                <a:solidFill>
+                  <a:srgbClr val="FFFFFF"/>
+                </a:solidFill>
+              </a14:hiddenFill>
+            </a:ext>
+          </a:extLst>
+        </p:spPr>
+      </p:pic>
+      <p:pic>
+        <p:nvPicPr>
+          <p:cNvPr id="2054" name="Picture 6" descr="OpenSource">
+            <a:extLst>
+              <a:ext uri="{FF2B5EF4-FFF2-40B4-BE49-F238E27FC236}">
+                <a16:creationId xmlns:a16="http://schemas.microsoft.com/office/drawing/2014/main" id="{2EA43EFF-D07C-4E2F-A866-E0FAE5821EDA}"/>
+              </a:ext>
+            </a:extLst>
+          </p:cNvPr>
+          <p:cNvPicPr>
+            <a:picLocks noChangeAspect="1" noChangeArrowheads="1"/>
+          </p:cNvPicPr>
+          <p:nvPr/>
+        </p:nvPicPr>
+        <p:blipFill>
+          <a:blip r:embed="rId6">
+            <a:extLst>
+              <a:ext uri="{28A0092B-C50C-407E-A947-70E740481C1C}">
+                <a14:useLocalDpi xmlns:a14="http://schemas.microsoft.com/office/drawing/2010/main" val="0"/>
+              </a:ext>
+            </a:extLst>
+          </a:blip>
+          <a:srcRect/>
+          <a:stretch>
+            <a:fillRect/>
+          </a:stretch>
+        </p:blipFill>
+        <p:spPr bwMode="auto">
+          <a:xfrm>
+            <a:off x="834433" y="3719603"/>
+            <a:ext cx="1088210" cy="942001"/>
+          </a:xfrm>
+          <a:prstGeom prst="rect">
+            <a:avLst/>
+          </a:prstGeom>
+          <a:noFill/>
+          <a:extLst>
+            <a:ext uri="{909E8E84-426E-40DD-AFC4-6F175D3DCCD1}">
+              <a14:hiddenFill xmlns:a14="http://schemas.microsoft.com/office/drawing/2010/main">
+                <a:solidFill>
+                  <a:srgbClr val="FFFFFF"/>
+                </a:solidFill>
+              </a14:hiddenFill>
+            </a:ext>
+          </a:extLst>
+        </p:spPr>
+      </p:pic>
+      <p:pic>
+        <p:nvPicPr>
+          <p:cNvPr id="2056" name="Picture 8" descr="Cosa è git? tutti i comandi da conoscere - Domenico Soriano">
+            <a:extLst>
+              <a:ext uri="{FF2B5EF4-FFF2-40B4-BE49-F238E27FC236}">
+                <a16:creationId xmlns:a16="http://schemas.microsoft.com/office/drawing/2014/main" id="{D9B2307E-43C9-4108-84E0-952210ED9D05}"/>
+              </a:ext>
+            </a:extLst>
+          </p:cNvPr>
+          <p:cNvPicPr>
+            <a:picLocks noChangeAspect="1" noChangeArrowheads="1"/>
+          </p:cNvPicPr>
+          <p:nvPr/>
+        </p:nvPicPr>
+        <p:blipFill>
+          <a:blip r:embed="rId7">
+            <a:extLst>
+              <a:ext uri="{28A0092B-C50C-407E-A947-70E740481C1C}">
+                <a14:useLocalDpi xmlns:a14="http://schemas.microsoft.com/office/drawing/2010/main" val="0"/>
+              </a:ext>
+            </a:extLst>
+          </a:blip>
+          <a:srcRect/>
+          <a:stretch>
+            <a:fillRect/>
+          </a:stretch>
+        </p:blipFill>
+        <p:spPr bwMode="auto">
+          <a:xfrm>
+            <a:off x="1384142" y="5061907"/>
+            <a:ext cx="2432612" cy="1243863"/>
+          </a:xfrm>
+          <a:prstGeom prst="rect">
+            <a:avLst/>
+          </a:prstGeom>
+          <a:noFill/>
+          <a:extLst>
+            <a:ext uri="{909E8E84-426E-40DD-AFC4-6F175D3DCCD1}">
+              <a14:hiddenFill xmlns:a14="http://schemas.microsoft.com/office/drawing/2010/main">
+                <a:solidFill>
+                  <a:srgbClr val="FFFFFF"/>
+                </a:solidFill>
+              </a14:hiddenFill>
+            </a:ext>
+          </a:extLst>
+        </p:spPr>
+      </p:pic>
+      <p:sp>
+        <p:nvSpPr>
+          <p:cNvPr id="2" name="Freccia a destra 1">
+            <a:extLst>
+              <a:ext uri="{FF2B5EF4-FFF2-40B4-BE49-F238E27FC236}">
+                <a16:creationId xmlns:a16="http://schemas.microsoft.com/office/drawing/2014/main" id="{3184EC7E-208E-44FC-8A49-86CEE3594D9F}"/>
+              </a:ext>
+            </a:extLst>
+          </p:cNvPr>
+          <p:cNvSpPr/>
+          <p:nvPr/>
+        </p:nvSpPr>
+        <p:spPr>
+          <a:xfrm>
+            <a:off x="3027872" y="2751827"/>
+            <a:ext cx="1300554" cy="1354348"/>
+          </a:xfrm>
+          <a:prstGeom prst="rightArrow">
+            <a:avLst/>
+          </a:prstGeom>
+          <a:solidFill>
+            <a:srgbClr val="C00000"/>
+          </a:solidFill>
+          <a:ln>
+            <a:noFill/>
+          </a:ln>
+        </p:spPr>
+        <p:style>
+          <a:lnRef idx="2">
+            <a:schemeClr val="accent1">
+              <a:shade val="50000"/>
+            </a:schemeClr>
+          </a:lnRef>
+          <a:fillRef idx="1">
+            <a:schemeClr val="accent1"/>
+          </a:fillRef>
+          <a:effectRef idx="0">
+            <a:schemeClr val="accent1"/>
+          </a:effectRef>
+          <a:fontRef idx="minor">
+            <a:schemeClr val="lt1"/>
+          </a:fontRef>
+        </p:style>
+        <p:txBody>
+          <a:bodyPr rtlCol="0" anchor="ctr"/>
+          <a:lstStyle/>
+          <a:p>
+            <a:pPr algn="ctr"/>
+            <a:endParaRPr lang="en-US"/>
+          </a:p>
+        </p:txBody>
+      </p:sp>
     </p:spTree>
     <p:extLst>
       <p:ext uri="{BB962C8B-B14F-4D97-AF65-F5344CB8AC3E}">
-        <p14:creationId xmlns:p14="http://schemas.microsoft.com/office/powerpoint/2010/main" val="4068740803"/>
+        <p14:creationId xmlns:p14="http://schemas.microsoft.com/office/powerpoint/2010/main" val="1063928460"/>
       </p:ext>
     </p:extLst>
   </p:cSld>
@@ -6050,42 +9743,6 @@
           <a:chExt cx="0" cy="0"/>
         </a:xfrm>
       </p:grpSpPr>
-      <p:pic>
-        <p:nvPicPr>
-          <p:cNvPr id="6" name="Immagine 5" descr="Immagine che contiene mappa, mucchio, largo, molti&#10;&#10;Descrizione generata automaticamente">
-            <a:extLst>
-              <a:ext uri="{FF2B5EF4-FFF2-40B4-BE49-F238E27FC236}">
-                <a16:creationId xmlns:a16="http://schemas.microsoft.com/office/drawing/2014/main" id="{70272291-7E4F-40F9-A06C-D68AB0E25A28}"/>
-              </a:ext>
-            </a:extLst>
-          </p:cNvPr>
-          <p:cNvPicPr>
-            <a:picLocks noChangeAspect="1"/>
-          </p:cNvPicPr>
-          <p:nvPr/>
-        </p:nvPicPr>
-        <p:blipFill>
-          <a:blip r:embed="rId2">
-            <a:extLst>
-              <a:ext uri="{28A0092B-C50C-407E-A947-70E740481C1C}">
-                <a14:useLocalDpi xmlns:a14="http://schemas.microsoft.com/office/drawing/2010/main" val="0"/>
-              </a:ext>
-            </a:extLst>
-          </a:blip>
-          <a:stretch>
-            <a:fillRect/>
-          </a:stretch>
-        </p:blipFill>
-        <p:spPr>
-          <a:xfrm>
-            <a:off x="498611" y="1536720"/>
-            <a:ext cx="6457770" cy="4303362"/>
-          </a:xfrm>
-          <a:prstGeom prst="rect">
-            <a:avLst/>
-          </a:prstGeom>
-        </p:spPr>
-      </p:pic>
       <p:sp>
         <p:nvSpPr>
           <p:cNvPr id="3" name="Segnaposto testo 2">
@@ -6116,12 +9773,8 @@
               <a:buNone/>
             </a:pPr>
             <a:r>
-              <a:rPr lang="it-IT" dirty="0" err="1"/>
-              <a:t>Calibration</a:t>
-            </a:r>
-            <a:r>
               <a:rPr lang="it-IT" dirty="0"/>
-              <a:t> One shot</a:t>
+              <a:t>PAT software</a:t>
             </a:r>
             <a:endParaRPr lang="en-US" dirty="0"/>
           </a:p>
@@ -6178,7 +9831,7 @@
             </a:pPr>
             <a:r>
               <a:rPr lang="it-IT" dirty="0"/>
-              <a:t>7/9</a:t>
+              <a:t>6/9</a:t>
             </a:r>
             <a:endParaRPr lang="en-US" dirty="0"/>
           </a:p>
@@ -6198,198 +9851,8 @@
         </p:nvSpPr>
         <p:spPr>
           <a:xfrm>
-            <a:off x="5045656" y="857571"/>
-            <a:ext cx="2389368" cy="461661"/>
-          </a:xfrm>
-          <a:prstGeom prst="rect">
-            <a:avLst/>
-          </a:prstGeom>
-          <a:noFill/>
-          <a:ln w="12700" cap="flat">
-            <a:noFill/>
-            <a:miter lim="400000"/>
-          </a:ln>
-          <a:effectLst/>
-          <a:extLst>
-            <a:ext uri="{C572A759-6A51-4108-AA02-DFA0A04FC94B}">
-              <ma14:wrappingTextBoxFlag xmlns="" xmlns:ma14="http://schemas.microsoft.com/office/mac/drawingml/2011/main" val="1"/>
-            </a:ext>
-          </a:extLst>
-        </p:spPr>
-        <p:txBody>
-          <a:bodyPr wrap="none" lIns="45718" tIns="45718" rIns="45718" bIns="45718" numCol="1" rtlCol="0" anchor="ctr">
-            <a:spAutoFit/>
-          </a:bodyPr>
-          <a:lstStyle/>
-          <a:p>
-            <a:pPr algn="ctr"/>
-            <a:r>
-              <a:rPr lang="it-IT" sz="2400" b="1" dirty="0">
-                <a:solidFill>
-                  <a:srgbClr val="C00000"/>
-                </a:solidFill>
-              </a:rPr>
-              <a:t>PATLIC </a:t>
-            </a:r>
-            <a:r>
-              <a:rPr lang="it-IT" sz="2400" b="1" dirty="0" err="1">
-                <a:solidFill>
-                  <a:srgbClr val="C00000"/>
-                </a:solidFill>
-              </a:rPr>
-              <a:t>Calibration</a:t>
-            </a:r>
-            <a:endParaRPr lang="en-US" sz="2400" b="1" dirty="0">
-              <a:solidFill>
-                <a:srgbClr val="C00000"/>
-              </a:solidFill>
-            </a:endParaRPr>
-          </a:p>
-        </p:txBody>
-      </p:sp>
-      <p:pic>
-        <p:nvPicPr>
-          <p:cNvPr id="9" name="Immagine 8" descr="Immagine che contiene testo, mappa&#10;&#10;Descrizione generata automaticamente">
-            <a:extLst>
-              <a:ext uri="{FF2B5EF4-FFF2-40B4-BE49-F238E27FC236}">
-                <a16:creationId xmlns:a16="http://schemas.microsoft.com/office/drawing/2014/main" id="{C1C40E37-C34D-4980-818C-D77BDE1A16F5}"/>
-              </a:ext>
-            </a:extLst>
-          </p:cNvPr>
-          <p:cNvPicPr>
-            <a:picLocks noChangeAspect="1"/>
-          </p:cNvPicPr>
-          <p:nvPr/>
-        </p:nvPicPr>
-        <p:blipFill>
-          <a:blip r:embed="rId3">
-            <a:extLst>
-              <a:ext uri="{28A0092B-C50C-407E-A947-70E740481C1C}">
-                <a14:useLocalDpi xmlns:a14="http://schemas.microsoft.com/office/drawing/2010/main" val="0"/>
-              </a:ext>
-            </a:extLst>
-          </a:blip>
-          <a:stretch>
-            <a:fillRect/>
-          </a:stretch>
-        </p:blipFill>
-        <p:spPr>
-          <a:xfrm>
-            <a:off x="7962121" y="3923778"/>
-            <a:ext cx="3663844" cy="2348780"/>
-          </a:xfrm>
-          <a:prstGeom prst="rect">
-            <a:avLst/>
-          </a:prstGeom>
-        </p:spPr>
-      </p:pic>
-      <p:pic>
-        <p:nvPicPr>
-          <p:cNvPr id="11" name="Immagine 10" descr="Immagine che contiene testo, mappa&#10;&#10;Descrizione generata automaticamente">
-            <a:extLst>
-              <a:ext uri="{FF2B5EF4-FFF2-40B4-BE49-F238E27FC236}">
-                <a16:creationId xmlns:a16="http://schemas.microsoft.com/office/drawing/2014/main" id="{F5EEA78B-A216-4370-AFB0-EDAAB78980F1}"/>
-              </a:ext>
-            </a:extLst>
-          </p:cNvPr>
-          <p:cNvPicPr>
-            <a:picLocks noChangeAspect="1"/>
-          </p:cNvPicPr>
-          <p:nvPr/>
-        </p:nvPicPr>
-        <p:blipFill>
-          <a:blip r:embed="rId4">
-            <a:extLst>
-              <a:ext uri="{28A0092B-C50C-407E-A947-70E740481C1C}">
-                <a14:useLocalDpi xmlns:a14="http://schemas.microsoft.com/office/drawing/2010/main" val="0"/>
-              </a:ext>
-            </a:extLst>
-          </a:blip>
-          <a:stretch>
-            <a:fillRect/>
-          </a:stretch>
-        </p:blipFill>
-        <p:spPr>
-          <a:xfrm>
-            <a:off x="7894697" y="1390071"/>
-            <a:ext cx="3798692" cy="2425394"/>
-          </a:xfrm>
-          <a:prstGeom prst="rect">
-            <a:avLst/>
-          </a:prstGeom>
-        </p:spPr>
-      </p:pic>
-      <p:sp>
-        <p:nvSpPr>
-          <p:cNvPr id="18" name="CasellaDiTesto 17">
-            <a:extLst>
-              <a:ext uri="{FF2B5EF4-FFF2-40B4-BE49-F238E27FC236}">
-                <a16:creationId xmlns:a16="http://schemas.microsoft.com/office/drawing/2014/main" id="{055620D3-E437-4FD1-978D-EF1B33641138}"/>
-              </a:ext>
-            </a:extLst>
-          </p:cNvPr>
-          <p:cNvSpPr txBox="1"/>
-          <p:nvPr/>
-        </p:nvSpPr>
-        <p:spPr>
-          <a:xfrm>
-            <a:off x="664234" y="5797279"/>
-            <a:ext cx="2389517" cy="646327"/>
-          </a:xfrm>
-          <a:prstGeom prst="rect">
-            <a:avLst/>
-          </a:prstGeom>
-          <a:noFill/>
-          <a:ln w="12700" cap="flat">
-            <a:noFill/>
-            <a:miter lim="400000"/>
-          </a:ln>
-          <a:effectLst/>
-          <a:extLst>
-            <a:ext uri="{C572A759-6A51-4108-AA02-DFA0A04FC94B}">
-              <ma14:wrappingTextBoxFlag xmlns="" xmlns:ma14="http://schemas.microsoft.com/office/mac/drawingml/2011/main" val="1"/>
-            </a:ext>
-          </a:extLst>
-        </p:spPr>
-        <p:txBody>
-          <a:bodyPr wrap="square" lIns="45718" tIns="45718" rIns="45718" bIns="45718" numCol="1" rtlCol="0" anchor="ctr">
-            <a:spAutoFit/>
-          </a:bodyPr>
-          <a:lstStyle/>
-          <a:p>
-            <a:pPr algn="l"/>
-            <a:r>
-              <a:rPr lang="it-IT" dirty="0"/>
-              <a:t>Top: 2V, Bottom: 2V, Left: 3V, </a:t>
-            </a:r>
-            <a:r>
-              <a:rPr lang="it-IT" dirty="0" err="1"/>
-              <a:t>Right</a:t>
-            </a:r>
-            <a:r>
-              <a:rPr lang="it-IT" dirty="0"/>
-              <a:t>: 3.5V</a:t>
-            </a:r>
-            <a:endParaRPr lang="en-US" dirty="0"/>
-          </a:p>
-        </p:txBody>
-      </p:sp>
-      <p:sp>
-        <p:nvSpPr>
-          <p:cNvPr id="19" name="CasellaDiTesto 18">
-            <a:extLst>
-              <a:ext uri="{FF2B5EF4-FFF2-40B4-BE49-F238E27FC236}">
-                <a16:creationId xmlns:a16="http://schemas.microsoft.com/office/drawing/2014/main" id="{64A32ED3-6251-4A16-B80C-E11FD0AC736C}"/>
-              </a:ext>
-            </a:extLst>
-          </p:cNvPr>
-          <p:cNvSpPr txBox="1"/>
-          <p:nvPr/>
-        </p:nvSpPr>
-        <p:spPr>
-          <a:xfrm>
-            <a:off x="7962121" y="987919"/>
-            <a:ext cx="2389517" cy="369328"/>
+            <a:off x="5353619" y="857571"/>
+            <a:ext cx="1773430" cy="461661"/>
           </a:xfrm>
           <a:prstGeom prst="rect">
             <a:avLst/>
@@ -6407,79 +9870,68 @@
           </a:extLst>
         </p:spPr>
         <p:txBody>
-          <a:bodyPr wrap="square" lIns="45718" tIns="45718" rIns="45718" bIns="45718" numCol="1" rtlCol="0" anchor="ctr">
+          <a:bodyPr wrap="none" lIns="45718" tIns="45718" rIns="45718" bIns="45718" numCol="1" rtlCol="0" anchor="ctr">
             <a:spAutoFit/>
           </a:bodyPr>
           <a:lstStyle/>
           <a:p>
-            <a:pPr algn="l"/>
-            <a:r>
-              <a:rPr lang="it-IT" dirty="0" err="1"/>
-              <a:t>All</a:t>
-            </a:r>
-            <a:r>
-              <a:rPr lang="it-IT" dirty="0"/>
-              <a:t>: 1V</a:t>
-            </a:r>
-            <a:endParaRPr lang="en-US" dirty="0"/>
-          </a:p>
-        </p:txBody>
-      </p:sp>
-      <p:sp>
-        <p:nvSpPr>
-          <p:cNvPr id="21" name="CasellaDiTesto 20">
-            <a:extLst>
-              <a:ext uri="{FF2B5EF4-FFF2-40B4-BE49-F238E27FC236}">
-                <a16:creationId xmlns:a16="http://schemas.microsoft.com/office/drawing/2014/main" id="{157A34CF-C067-4A9E-BEC9-18189D0654CB}"/>
-              </a:ext>
-            </a:extLst>
-          </p:cNvPr>
-          <p:cNvSpPr txBox="1"/>
+            <a:pPr algn="ctr"/>
+            <a:r>
+              <a:rPr lang="it-IT" sz="2400" b="1" dirty="0">
+                <a:solidFill>
+                  <a:srgbClr val="C00000"/>
+                </a:solidFill>
+              </a:rPr>
+              <a:t>PAT Software</a:t>
+            </a:r>
+            <a:endParaRPr lang="en-US" sz="2400" b="1" dirty="0">
+              <a:solidFill>
+                <a:srgbClr val="C00000"/>
+              </a:solidFill>
+            </a:endParaRPr>
+          </a:p>
+        </p:txBody>
+      </p:sp>
+      <p:pic>
+        <p:nvPicPr>
+          <p:cNvPr id="7" name="Immagine 6" descr="Immagine che contiene screenshot&#10;&#10;Descrizione generata automaticamente">
+            <a:extLst>
+              <a:ext uri="{FF2B5EF4-FFF2-40B4-BE49-F238E27FC236}">
+                <a16:creationId xmlns:a16="http://schemas.microsoft.com/office/drawing/2014/main" id="{FDFF9A3A-87E2-48A6-BFAD-49D7130C5CD9}"/>
+              </a:ext>
+            </a:extLst>
+          </p:cNvPr>
+          <p:cNvPicPr>
+            <a:picLocks noChangeAspect="1"/>
+          </p:cNvPicPr>
           <p:nvPr/>
-        </p:nvSpPr>
-        <p:spPr>
-          <a:xfrm>
-            <a:off x="7962121" y="6125490"/>
-            <a:ext cx="2389517" cy="369328"/>
+        </p:nvPicPr>
+        <p:blipFill>
+          <a:blip r:embed="rId3">
+            <a:extLst>
+              <a:ext uri="{28A0092B-C50C-407E-A947-70E740481C1C}">
+                <a14:useLocalDpi xmlns:a14="http://schemas.microsoft.com/office/drawing/2010/main" val="0"/>
+              </a:ext>
+            </a:extLst>
+          </a:blip>
+          <a:stretch>
+            <a:fillRect/>
+          </a:stretch>
+        </p:blipFill>
+        <p:spPr>
+          <a:xfrm>
+            <a:off x="3240182" y="1319232"/>
+            <a:ext cx="5711636" cy="4726052"/>
           </a:xfrm>
           <a:prstGeom prst="rect">
             <a:avLst/>
           </a:prstGeom>
-          <a:noFill/>
-          <a:ln w="12700" cap="flat">
-            <a:noFill/>
-            <a:miter lim="400000"/>
-          </a:ln>
-          <a:effectLst/>
-          <a:extLst>
-            <a:ext uri="{C572A759-6A51-4108-AA02-DFA0A04FC94B}">
-              <ma14:wrappingTextBoxFlag xmlns="" xmlns:ma14="http://schemas.microsoft.com/office/mac/drawingml/2011/main" val="1"/>
-            </a:ext>
-          </a:extLst>
-        </p:spPr>
-        <p:txBody>
-          <a:bodyPr wrap="square" lIns="45718" tIns="45718" rIns="45718" bIns="45718" numCol="1" rtlCol="0" anchor="ctr">
-            <a:spAutoFit/>
-          </a:bodyPr>
-          <a:lstStyle/>
-          <a:p>
-            <a:pPr algn="l"/>
-            <a:r>
-              <a:rPr lang="it-IT" dirty="0" err="1"/>
-              <a:t>All</a:t>
-            </a:r>
-            <a:r>
-              <a:rPr lang="it-IT" dirty="0"/>
-              <a:t>: 4V</a:t>
-            </a:r>
-            <a:endParaRPr lang="en-US" dirty="0"/>
-          </a:p>
-        </p:txBody>
-      </p:sp>
+        </p:spPr>
+      </p:pic>
     </p:spTree>
     <p:extLst>
       <p:ext uri="{BB962C8B-B14F-4D97-AF65-F5344CB8AC3E}">
-        <p14:creationId xmlns:p14="http://schemas.microsoft.com/office/powerpoint/2010/main" val="175237601"/>
+        <p14:creationId xmlns:p14="http://schemas.microsoft.com/office/powerpoint/2010/main" val="1166520897"/>
       </p:ext>
     </p:extLst>
   </p:cSld>
@@ -6506,42 +9958,6 @@
           <a:chExt cx="0" cy="0"/>
         </a:xfrm>
       </p:grpSpPr>
-      <p:pic>
-        <p:nvPicPr>
-          <p:cNvPr id="12" name="Immagine 11" descr="Immagine che contiene sedendo, tavolo&#10;&#10;Descrizione generata automaticamente">
-            <a:extLst>
-              <a:ext uri="{FF2B5EF4-FFF2-40B4-BE49-F238E27FC236}">
-                <a16:creationId xmlns:a16="http://schemas.microsoft.com/office/drawing/2014/main" id="{CC3AADF3-389A-4507-96EE-9BFD4D42AB82}"/>
-              </a:ext>
-            </a:extLst>
-          </p:cNvPr>
-          <p:cNvPicPr>
-            <a:picLocks noChangeAspect="1"/>
-          </p:cNvPicPr>
-          <p:nvPr/>
-        </p:nvPicPr>
-        <p:blipFill>
-          <a:blip r:embed="rId2">
-            <a:extLst>
-              <a:ext uri="{28A0092B-C50C-407E-A947-70E740481C1C}">
-                <a14:useLocalDpi xmlns:a14="http://schemas.microsoft.com/office/drawing/2010/main" val="0"/>
-              </a:ext>
-            </a:extLst>
-          </a:blip>
-          <a:stretch>
-            <a:fillRect/>
-          </a:stretch>
-        </p:blipFill>
-        <p:spPr>
-          <a:xfrm>
-            <a:off x="-609726" y="1771798"/>
-            <a:ext cx="7161405" cy="3629191"/>
-          </a:xfrm>
-          <a:prstGeom prst="rect">
-            <a:avLst/>
-          </a:prstGeom>
-        </p:spPr>
-      </p:pic>
       <p:sp>
         <p:nvSpPr>
           <p:cNvPr id="3" name="Segnaposto testo 2">
@@ -6572,12 +9988,8 @@
               <a:buNone/>
             </a:pPr>
             <a:r>
-              <a:rPr lang="it-IT" dirty="0" err="1"/>
-              <a:t>Heat</a:t>
-            </a:r>
-            <a:r>
               <a:rPr lang="it-IT" dirty="0"/>
-              <a:t> – One shot – Fine</a:t>
+              <a:t>PATLIC</a:t>
             </a:r>
             <a:endParaRPr lang="en-US" dirty="0"/>
           </a:p>
@@ -6634,84 +10046,12 @@
             </a:pPr>
             <a:r>
               <a:rPr lang="it-IT" dirty="0"/>
-              <a:t>8/9</a:t>
+              <a:t>7/9</a:t>
             </a:r>
             <a:endParaRPr lang="en-US" dirty="0"/>
           </a:p>
         </p:txBody>
       </p:sp>
-      <p:pic>
-        <p:nvPicPr>
-          <p:cNvPr id="6" name="Immagine 5" descr="Immagine che contiene guardando, sedendo&#10;&#10;Descrizione generata automaticamente">
-            <a:extLst>
-              <a:ext uri="{FF2B5EF4-FFF2-40B4-BE49-F238E27FC236}">
-                <a16:creationId xmlns:a16="http://schemas.microsoft.com/office/drawing/2014/main" id="{DAC8AA75-7D75-4D21-817D-A022D6BA0822}"/>
-              </a:ext>
-            </a:extLst>
-          </p:cNvPr>
-          <p:cNvPicPr>
-            <a:picLocks noChangeAspect="1"/>
-          </p:cNvPicPr>
-          <p:nvPr/>
-        </p:nvPicPr>
-        <p:blipFill>
-          <a:blip r:embed="rId3">
-            <a:extLst>
-              <a:ext uri="{28A0092B-C50C-407E-A947-70E740481C1C}">
-                <a14:useLocalDpi xmlns:a14="http://schemas.microsoft.com/office/drawing/2010/main" val="0"/>
-              </a:ext>
-            </a:extLst>
-          </a:blip>
-          <a:stretch>
-            <a:fillRect/>
-          </a:stretch>
-        </p:blipFill>
-        <p:spPr>
-          <a:xfrm>
-            <a:off x="6414714" y="1162817"/>
-            <a:ext cx="4820738" cy="2443009"/>
-          </a:xfrm>
-          <a:prstGeom prst="rect">
-            <a:avLst/>
-          </a:prstGeom>
-        </p:spPr>
-      </p:pic>
-      <p:pic>
-        <p:nvPicPr>
-          <p:cNvPr id="9" name="Immagine 8" descr="Immagine che contiene mappa, guardando, tavolo, uomo&#10;&#10;Descrizione generata automaticamente">
-            <a:extLst>
-              <a:ext uri="{FF2B5EF4-FFF2-40B4-BE49-F238E27FC236}">
-                <a16:creationId xmlns:a16="http://schemas.microsoft.com/office/drawing/2014/main" id="{EB5B1C83-4ADE-48B7-AA8C-B8A41CE1753C}"/>
-              </a:ext>
-            </a:extLst>
-          </p:cNvPr>
-          <p:cNvPicPr>
-            <a:picLocks noChangeAspect="1"/>
-          </p:cNvPicPr>
-          <p:nvPr/>
-        </p:nvPicPr>
-        <p:blipFill>
-          <a:blip r:embed="rId4">
-            <a:extLst>
-              <a:ext uri="{28A0092B-C50C-407E-A947-70E740481C1C}">
-                <a14:useLocalDpi xmlns:a14="http://schemas.microsoft.com/office/drawing/2010/main" val="0"/>
-              </a:ext>
-            </a:extLst>
-          </a:blip>
-          <a:stretch>
-            <a:fillRect/>
-          </a:stretch>
-        </p:blipFill>
-        <p:spPr>
-          <a:xfrm>
-            <a:off x="6516803" y="3862199"/>
-            <a:ext cx="4753526" cy="2408948"/>
-          </a:xfrm>
-          <a:prstGeom prst="rect">
-            <a:avLst/>
-          </a:prstGeom>
-        </p:spPr>
-      </p:pic>
       <p:sp>
         <p:nvSpPr>
           <p:cNvPr id="88" name="CasellaDiTesto 87">
@@ -6726,8 +10066,8 @@
         </p:nvSpPr>
         <p:spPr>
           <a:xfrm>
-            <a:off x="4110953" y="857571"/>
-            <a:ext cx="4258790" cy="461661"/>
+            <a:off x="5007821" y="857571"/>
+            <a:ext cx="2465031" cy="461661"/>
           </a:xfrm>
           <a:prstGeom prst="rect">
             <a:avLst/>
@@ -6740,7 +10080,7 @@
           <a:effectLst/>
           <a:extLst>
             <a:ext uri="{C572A759-6A51-4108-AA02-DFA0A04FC94B}">
-              <ma14:wrappingTextBoxFlag xmlns="" xmlns:ma14="http://schemas.microsoft.com/office/mac/drawingml/2011/main" val="1"/>
+              <ma14:wrappingTextBoxFlag xmlns:ma14="http://schemas.microsoft.com/office/mac/drawingml/2011/main" xmlns="" val="1"/>
             </a:ext>
           </a:extLst>
         </p:spPr>
@@ -6765,39 +10105,128 @@
                   <a:srgbClr val="C00000"/>
                 </a:solidFill>
               </a:rPr>
-              <a:t>heat</a:t>
-            </a:r>
-            <a:r>
-              <a:rPr lang="it-IT" sz="2400" b="1" dirty="0">
-                <a:solidFill>
-                  <a:srgbClr val="C00000"/>
-                </a:solidFill>
-              </a:rPr>
-              <a:t> </a:t>
-            </a:r>
-            <a:r>
-              <a:rPr lang="it-IT" sz="2400" b="1" dirty="0" err="1">
-                <a:solidFill>
-                  <a:srgbClr val="C00000"/>
-                </a:solidFill>
-              </a:rPr>
-              <a:t>trubolence</a:t>
-            </a:r>
-            <a:r>
-              <a:rPr lang="it-IT" sz="2400" b="1" dirty="0">
-                <a:solidFill>
-                  <a:srgbClr val="C00000"/>
-                </a:solidFill>
-              </a:rPr>
-              <a:t> One shot</a:t>
-            </a:r>
-          </a:p>
-        </p:txBody>
-      </p:sp>
+              <a:t>experiment</a:t>
+            </a:r>
+            <a:endParaRPr lang="en-US" sz="2400" b="1" dirty="0">
+              <a:solidFill>
+                <a:srgbClr val="C00000"/>
+              </a:solidFill>
+            </a:endParaRPr>
+          </a:p>
+        </p:txBody>
+      </p:sp>
+      <p:pic>
+        <p:nvPicPr>
+          <p:cNvPr id="6" name="Immagine 5">
+            <a:extLst>
+              <a:ext uri="{FF2B5EF4-FFF2-40B4-BE49-F238E27FC236}">
+                <a16:creationId xmlns:a16="http://schemas.microsoft.com/office/drawing/2014/main" id="{C4201112-D7B6-4182-BBE3-AAC6E23AA602}"/>
+              </a:ext>
+            </a:extLst>
+          </p:cNvPr>
+          <p:cNvPicPr>
+            <a:picLocks noChangeAspect="1"/>
+          </p:cNvPicPr>
+          <p:nvPr/>
+        </p:nvPicPr>
+        <p:blipFill>
+          <a:blip r:embed="rId3">
+            <a:extLst>
+              <a:ext uri="{28A0092B-C50C-407E-A947-70E740481C1C}">
+                <a14:useLocalDpi xmlns:a14="http://schemas.microsoft.com/office/drawing/2010/main" val="0"/>
+              </a:ext>
+            </a:extLst>
+          </a:blip>
+          <a:stretch>
+            <a:fillRect/>
+          </a:stretch>
+        </p:blipFill>
+        <p:spPr>
+          <a:xfrm>
+            <a:off x="850905" y="1405497"/>
+            <a:ext cx="4394426" cy="2466774"/>
+          </a:xfrm>
+          <a:prstGeom prst="rect">
+            <a:avLst/>
+          </a:prstGeom>
+        </p:spPr>
+      </p:pic>
+      <p:pic>
+        <p:nvPicPr>
+          <p:cNvPr id="9" name="Immagine 8">
+            <a:extLst>
+              <a:ext uri="{FF2B5EF4-FFF2-40B4-BE49-F238E27FC236}">
+                <a16:creationId xmlns:a16="http://schemas.microsoft.com/office/drawing/2014/main" id="{73C0D467-35F3-4336-907D-9BDA1F5E0673}"/>
+              </a:ext>
+            </a:extLst>
+          </p:cNvPr>
+          <p:cNvPicPr>
+            <a:picLocks noChangeAspect="1"/>
+          </p:cNvPicPr>
+          <p:nvPr/>
+        </p:nvPicPr>
+        <p:blipFill>
+          <a:blip r:embed="rId4">
+            <a:extLst>
+              <a:ext uri="{28A0092B-C50C-407E-A947-70E740481C1C}">
+                <a14:useLocalDpi xmlns:a14="http://schemas.microsoft.com/office/drawing/2010/main" val="0"/>
+              </a:ext>
+            </a:extLst>
+          </a:blip>
+          <a:stretch>
+            <a:fillRect/>
+          </a:stretch>
+        </p:blipFill>
+        <p:spPr>
+          <a:xfrm>
+            <a:off x="850905" y="3872271"/>
+            <a:ext cx="4394426" cy="2471865"/>
+          </a:xfrm>
+          <a:prstGeom prst="rect">
+            <a:avLst/>
+          </a:prstGeom>
+        </p:spPr>
+      </p:pic>
+      <p:pic>
+        <p:nvPicPr>
+          <p:cNvPr id="11" name="Immagine 10" descr="Immagine che contiene interni, tavolo, sedendo, stanza&#10;&#10;Descrizione generata automaticamente">
+            <a:extLst>
+              <a:ext uri="{FF2B5EF4-FFF2-40B4-BE49-F238E27FC236}">
+                <a16:creationId xmlns:a16="http://schemas.microsoft.com/office/drawing/2014/main" id="{A730D62E-89AF-4BE4-B0B6-662CF8E4CD89}"/>
+              </a:ext>
+            </a:extLst>
+          </p:cNvPr>
+          <p:cNvPicPr>
+            <a:picLocks noChangeAspect="1"/>
+          </p:cNvPicPr>
+          <p:nvPr/>
+        </p:nvPicPr>
+        <p:blipFill>
+          <a:blip r:embed="rId5">
+            <a:extLst>
+              <a:ext uri="{28A0092B-C50C-407E-A947-70E740481C1C}">
+                <a14:useLocalDpi xmlns:a14="http://schemas.microsoft.com/office/drawing/2010/main" val="0"/>
+              </a:ext>
+            </a:extLst>
+          </a:blip>
+          <a:stretch>
+            <a:fillRect/>
+          </a:stretch>
+        </p:blipFill>
+        <p:spPr>
+          <a:xfrm>
+            <a:off x="7046025" y="1566974"/>
+            <a:ext cx="3325091" cy="4433455"/>
+          </a:xfrm>
+          <a:prstGeom prst="rect">
+            <a:avLst/>
+          </a:prstGeom>
+        </p:spPr>
+      </p:pic>
     </p:spTree>
     <p:extLst>
       <p:ext uri="{BB962C8B-B14F-4D97-AF65-F5344CB8AC3E}">
-        <p14:creationId xmlns:p14="http://schemas.microsoft.com/office/powerpoint/2010/main" val="163713597"/>
+        <p14:creationId xmlns:p14="http://schemas.microsoft.com/office/powerpoint/2010/main" val="2362692142"/>
       </p:ext>
     </p:extLst>
   </p:cSld>
@@ -7066,7 +10495,7 @@
         <a:effectLst/>
         <a:extLst>
           <a:ext uri="{C572A759-6A51-4108-AA02-DFA0A04FC94B}">
-            <ma14:wrappingTextBoxFlag xmlns:r="http://schemas.openxmlformats.org/officeDocument/2006/relationships" xmlns:p="http://schemas.openxmlformats.org/presentationml/2006/main" xmlns="" xmlns:ma14="http://schemas.microsoft.com/office/mac/drawingml/2011/main" val="1"/>
+            <ma14:wrappingTextBoxFlag xmlns:ma14="http://schemas.microsoft.com/office/mac/drawingml/2011/main" xmlns="" xmlns:p="http://schemas.openxmlformats.org/presentationml/2006/main" xmlns:r="http://schemas.openxmlformats.org/officeDocument/2006/relationships" val="1"/>
           </a:ext>
         </a:extLst>
       </a:spPr>
@@ -7087,4 +10516,299 @@
     </a:ext>
   </a:extLst>
 </a:theme>
+</file>
+
+<file path=ppt/theme/theme2.xml><?xml version="1.0" encoding="utf-8"?>
+<a:theme xmlns:a="http://schemas.openxmlformats.org/drawingml/2006/main" name="Tema di Office">
+  <a:themeElements>
+    <a:clrScheme name="Office">
+      <a:dk1>
+        <a:sysClr val="windowText" lastClr="000000"/>
+      </a:dk1>
+      <a:lt1>
+        <a:sysClr val="window" lastClr="FFFFFF"/>
+      </a:lt1>
+      <a:dk2>
+        <a:srgbClr val="44546A"/>
+      </a:dk2>
+      <a:lt2>
+        <a:srgbClr val="E7E6E6"/>
+      </a:lt2>
+      <a:accent1>
+        <a:srgbClr val="4472C4"/>
+      </a:accent1>
+      <a:accent2>
+        <a:srgbClr val="ED7D31"/>
+      </a:accent2>
+      <a:accent3>
+        <a:srgbClr val="A5A5A5"/>
+      </a:accent3>
+      <a:accent4>
+        <a:srgbClr val="FFC000"/>
+      </a:accent4>
+      <a:accent5>
+        <a:srgbClr val="5B9BD5"/>
+      </a:accent5>
+      <a:accent6>
+        <a:srgbClr val="70AD47"/>
+      </a:accent6>
+      <a:hlink>
+        <a:srgbClr val="0563C1"/>
+      </a:hlink>
+      <a:folHlink>
+        <a:srgbClr val="954F72"/>
+      </a:folHlink>
+    </a:clrScheme>
+    <a:fontScheme name="Office">
+      <a:majorFont>
+        <a:latin typeface="Calibri Light" panose="020F0302020204030204"/>
+        <a:ea typeface=""/>
+        <a:cs typeface=""/>
+        <a:font script="Jpan" typeface="游ゴシック Light"/>
+        <a:font script="Hang" typeface="맑은 고딕"/>
+        <a:font script="Hans" typeface="等线 Light"/>
+        <a:font script="Hant" typeface="新細明體"/>
+        <a:font script="Arab" typeface="Times New Roman"/>
+        <a:font script="Hebr" typeface="Times New Roman"/>
+        <a:font script="Thai" typeface="Angsana New"/>
+        <a:font script="Ethi" typeface="Nyala"/>
+        <a:font script="Beng" typeface="Vrinda"/>
+        <a:font script="Gujr" typeface="Shruti"/>
+        <a:font script="Khmr" typeface="MoolBoran"/>
+        <a:font script="Knda" typeface="Tunga"/>
+        <a:font script="Guru" typeface="Raavi"/>
+        <a:font script="Cans" typeface="Euphemia"/>
+        <a:font script="Cher" typeface="Plantagenet Cherokee"/>
+        <a:font script="Yiii" typeface="Microsoft Yi Baiti"/>
+        <a:font script="Tibt" typeface="Microsoft Himalaya"/>
+        <a:font script="Thaa" typeface="MV Boli"/>
+        <a:font script="Deva" typeface="Mangal"/>
+        <a:font script="Telu" typeface="Gautami"/>
+        <a:font script="Taml" typeface="Latha"/>
+        <a:font script="Syrc" typeface="Estrangelo Edessa"/>
+        <a:font script="Orya" typeface="Kalinga"/>
+        <a:font script="Mlym" typeface="Kartika"/>
+        <a:font script="Laoo" typeface="DokChampa"/>
+        <a:font script="Sinh" typeface="Iskoola Pota"/>
+        <a:font script="Mong" typeface="Mongolian Baiti"/>
+        <a:font script="Viet" typeface="Times New Roman"/>
+        <a:font script="Uigh" typeface="Microsoft Uighur"/>
+        <a:font script="Geor" typeface="Sylfaen"/>
+        <a:font script="Armn" typeface="Arial"/>
+        <a:font script="Bugi" typeface="Leelawadee UI"/>
+        <a:font script="Bopo" typeface="Microsoft JhengHei"/>
+        <a:font script="Java" typeface="Javanese Text"/>
+        <a:font script="Lisu" typeface="Segoe UI"/>
+        <a:font script="Mymr" typeface="Myanmar Text"/>
+        <a:font script="Nkoo" typeface="Ebrima"/>
+        <a:font script="Olck" typeface="Nirmala UI"/>
+        <a:font script="Osma" typeface="Ebrima"/>
+        <a:font script="Phag" typeface="Phagspa"/>
+        <a:font script="Syrn" typeface="Estrangelo Edessa"/>
+        <a:font script="Syrj" typeface="Estrangelo Edessa"/>
+        <a:font script="Syre" typeface="Estrangelo Edessa"/>
+        <a:font script="Sora" typeface="Nirmala UI"/>
+        <a:font script="Tale" typeface="Microsoft Tai Le"/>
+        <a:font script="Talu" typeface="Microsoft New Tai Lue"/>
+        <a:font script="Tfng" typeface="Ebrima"/>
+      </a:majorFont>
+      <a:minorFont>
+        <a:latin typeface="Calibri" panose="020F0502020204030204"/>
+        <a:ea typeface=""/>
+        <a:cs typeface=""/>
+        <a:font script="Jpan" typeface="游ゴシック"/>
+        <a:font script="Hang" typeface="맑은 고딕"/>
+        <a:font script="Hans" typeface="等线"/>
+        <a:font script="Hant" typeface="新細明體"/>
+        <a:font script="Arab" typeface="Arial"/>
+        <a:font script="Hebr" typeface="Arial"/>
+        <a:font script="Thai" typeface="Cordia New"/>
+        <a:font script="Ethi" typeface="Nyala"/>
+        <a:font script="Beng" typeface="Vrinda"/>
+        <a:font script="Gujr" typeface="Shruti"/>
+        <a:font script="Khmr" typeface="DaunPenh"/>
+        <a:font script="Knda" typeface="Tunga"/>
+        <a:font script="Guru" typeface="Raavi"/>
+        <a:font script="Cans" typeface="Euphemia"/>
+        <a:font script="Cher" typeface="Plantagenet Cherokee"/>
+        <a:font script="Yiii" typeface="Microsoft Yi Baiti"/>
+        <a:font script="Tibt" typeface="Microsoft Himalaya"/>
+        <a:font script="Thaa" typeface="MV Boli"/>
+        <a:font script="Deva" typeface="Mangal"/>
+        <a:font script="Telu" typeface="Gautami"/>
+        <a:font script="Taml" typeface="Latha"/>
+        <a:font script="Syrc" typeface="Estrangelo Edessa"/>
+        <a:font script="Orya" typeface="Kalinga"/>
+        <a:font script="Mlym" typeface="Kartika"/>
+        <a:font script="Laoo" typeface="DokChampa"/>
+        <a:font script="Sinh" typeface="Iskoola Pota"/>
+        <a:font script="Mong" typeface="Mongolian Baiti"/>
+        <a:font script="Viet" typeface="Arial"/>
+        <a:font script="Uigh" typeface="Microsoft Uighur"/>
+        <a:font script="Geor" typeface="Sylfaen"/>
+        <a:font script="Armn" typeface="Arial"/>
+        <a:font script="Bugi" typeface="Leelawadee UI"/>
+        <a:font script="Bopo" typeface="Microsoft JhengHei"/>
+        <a:font script="Java" typeface="Javanese Text"/>
+        <a:font script="Lisu" typeface="Segoe UI"/>
+        <a:font script="Mymr" typeface="Myanmar Text"/>
+        <a:font script="Nkoo" typeface="Ebrima"/>
+        <a:font script="Olck" typeface="Nirmala UI"/>
+        <a:font script="Osma" typeface="Ebrima"/>
+        <a:font script="Phag" typeface="Phagspa"/>
+        <a:font script="Syrn" typeface="Estrangelo Edessa"/>
+        <a:font script="Syrj" typeface="Estrangelo Edessa"/>
+        <a:font script="Syre" typeface="Estrangelo Edessa"/>
+        <a:font script="Sora" typeface="Nirmala UI"/>
+        <a:font script="Tale" typeface="Microsoft Tai Le"/>
+        <a:font script="Talu" typeface="Microsoft New Tai Lue"/>
+        <a:font script="Tfng" typeface="Ebrima"/>
+      </a:minorFont>
+    </a:fontScheme>
+    <a:fmtScheme name="Office">
+      <a:fillStyleLst>
+        <a:solidFill>
+          <a:schemeClr val="phClr"/>
+        </a:solidFill>
+        <a:gradFill rotWithShape="1">
+          <a:gsLst>
+            <a:gs pos="0">
+              <a:schemeClr val="phClr">
+                <a:lumMod val="110000"/>
+                <a:satMod val="105000"/>
+                <a:tint val="67000"/>
+              </a:schemeClr>
+            </a:gs>
+            <a:gs pos="50000">
+              <a:schemeClr val="phClr">
+                <a:lumMod val="105000"/>
+                <a:satMod val="103000"/>
+                <a:tint val="73000"/>
+              </a:schemeClr>
+            </a:gs>
+            <a:gs pos="100000">
+              <a:schemeClr val="phClr">
+                <a:lumMod val="105000"/>
+                <a:satMod val="109000"/>
+                <a:tint val="81000"/>
+              </a:schemeClr>
+            </a:gs>
+          </a:gsLst>
+          <a:lin ang="5400000" scaled="0"/>
+        </a:gradFill>
+        <a:gradFill rotWithShape="1">
+          <a:gsLst>
+            <a:gs pos="0">
+              <a:schemeClr val="phClr">
+                <a:satMod val="103000"/>
+                <a:lumMod val="102000"/>
+                <a:tint val="94000"/>
+              </a:schemeClr>
+            </a:gs>
+            <a:gs pos="50000">
+              <a:schemeClr val="phClr">
+                <a:satMod val="110000"/>
+                <a:lumMod val="100000"/>
+                <a:shade val="100000"/>
+              </a:schemeClr>
+            </a:gs>
+            <a:gs pos="100000">
+              <a:schemeClr val="phClr">
+                <a:lumMod val="99000"/>
+                <a:satMod val="120000"/>
+                <a:shade val="78000"/>
+              </a:schemeClr>
+            </a:gs>
+          </a:gsLst>
+          <a:lin ang="5400000" scaled="0"/>
+        </a:gradFill>
+      </a:fillStyleLst>
+      <a:lnStyleLst>
+        <a:ln w="6350" cap="flat" cmpd="sng" algn="ctr">
+          <a:solidFill>
+            <a:schemeClr val="phClr"/>
+          </a:solidFill>
+          <a:prstDash val="solid"/>
+          <a:miter lim="800000"/>
+        </a:ln>
+        <a:ln w="12700" cap="flat" cmpd="sng" algn="ctr">
+          <a:solidFill>
+            <a:schemeClr val="phClr"/>
+          </a:solidFill>
+          <a:prstDash val="solid"/>
+          <a:miter lim="800000"/>
+        </a:ln>
+        <a:ln w="19050" cap="flat" cmpd="sng" algn="ctr">
+          <a:solidFill>
+            <a:schemeClr val="phClr"/>
+          </a:solidFill>
+          <a:prstDash val="solid"/>
+          <a:miter lim="800000"/>
+        </a:ln>
+      </a:lnStyleLst>
+      <a:effectStyleLst>
+        <a:effectStyle>
+          <a:effectLst/>
+        </a:effectStyle>
+        <a:effectStyle>
+          <a:effectLst/>
+        </a:effectStyle>
+        <a:effectStyle>
+          <a:effectLst>
+            <a:outerShdw blurRad="57150" dist="19050" dir="5400000" algn="ctr" rotWithShape="0">
+              <a:srgbClr val="000000">
+                <a:alpha val="63000"/>
+              </a:srgbClr>
+            </a:outerShdw>
+          </a:effectLst>
+        </a:effectStyle>
+      </a:effectStyleLst>
+      <a:bgFillStyleLst>
+        <a:solidFill>
+          <a:schemeClr val="phClr"/>
+        </a:solidFill>
+        <a:solidFill>
+          <a:schemeClr val="phClr">
+            <a:tint val="95000"/>
+            <a:satMod val="170000"/>
+          </a:schemeClr>
+        </a:solidFill>
+        <a:gradFill rotWithShape="1">
+          <a:gsLst>
+            <a:gs pos="0">
+              <a:schemeClr val="phClr">
+                <a:tint val="93000"/>
+                <a:satMod val="150000"/>
+                <a:shade val="98000"/>
+                <a:lumMod val="102000"/>
+              </a:schemeClr>
+            </a:gs>
+            <a:gs pos="50000">
+              <a:schemeClr val="phClr">
+                <a:tint val="98000"/>
+                <a:satMod val="130000"/>
+                <a:shade val="90000"/>
+                <a:lumMod val="103000"/>
+              </a:schemeClr>
+            </a:gs>
+            <a:gs pos="100000">
+              <a:schemeClr val="phClr">
+                <a:shade val="63000"/>
+                <a:satMod val="120000"/>
+              </a:schemeClr>
+            </a:gs>
+          </a:gsLst>
+          <a:lin ang="5400000" scaled="0"/>
+        </a:gradFill>
+      </a:bgFillStyleLst>
+    </a:fmtScheme>
+  </a:themeElements>
+  <a:objectDefaults/>
+  <a:extraClrSchemeLst/>
+  <a:extLst>
+    <a:ext uri="{05A4C25C-085E-4340-85A3-A5531E510DB2}">
+      <thm15:themeFamily xmlns:thm15="http://schemas.microsoft.com/office/thememl/2012/main" name="Office Theme" id="{62F939B6-93AF-4DB8-9C6B-D6C7DFDC589F}" vid="{4A3C46E8-61CC-4603-A589-7422A47A8E4A}"/>
+    </a:ext>
+  </a:extLst>
+</a:theme>
 </file>
--- a/presentazione_EN.pptx
+++ b/presentazione_EN.pptx
@@ -1249,7 +1249,67 @@
                 <a:effectLst/>
                 <a:latin typeface="Open Sans"/>
               </a:rPr>
-              <a:t>il software e le varie componenti fisiche sono quindi state testate per garantire che quello che noi ci aspettassimo su carta fosse davvero quello che accadesse nella realtà, è così e stato. Risultato non scontato.</a:t>
+              <a:t>il software e le varie componenti fisiche sono quindi state testate per garantire che quello che noi ci aspettassimo su carta fosse davvero quello che accadesse nella realtà, è così e stato. Il sistema Fine accoppiato con il </a:t>
+            </a:r>
+            <a:r>
+              <a:rPr lang="it-IT" b="0" i="0" dirty="0" err="1">
+                <a:solidFill>
+                  <a:srgbClr val="333333"/>
+                </a:solidFill>
+                <a:effectLst/>
+                <a:latin typeface="Open Sans"/>
+              </a:rPr>
+              <a:t>Coarse</a:t>
+            </a:r>
+            <a:r>
+              <a:rPr lang="it-IT" b="0" i="0" dirty="0">
+                <a:solidFill>
+                  <a:srgbClr val="333333"/>
+                </a:solidFill>
+                <a:effectLst/>
+                <a:latin typeface="Open Sans"/>
+              </a:rPr>
+              <a:t> è sempre riuscito a portare a 0 la media e quindi a compensare i </a:t>
+            </a:r>
+            <a:r>
+              <a:rPr lang="it-IT" b="0" i="0" dirty="0" err="1">
+                <a:solidFill>
+                  <a:srgbClr val="333333"/>
+                </a:solidFill>
+                <a:effectLst/>
+                <a:latin typeface="Open Sans"/>
+              </a:rPr>
+              <a:t>drift</a:t>
+            </a:r>
+            <a:r>
+              <a:rPr lang="it-IT" b="0" i="0" dirty="0">
+                <a:solidFill>
+                  <a:srgbClr val="333333"/>
+                </a:solidFill>
+                <a:effectLst/>
+                <a:latin typeface="Open Sans"/>
+              </a:rPr>
+              <a:t> del </a:t>
+            </a:r>
+            <a:r>
+              <a:rPr lang="it-IT" b="0" i="0" dirty="0" err="1">
+                <a:solidFill>
+                  <a:srgbClr val="333333"/>
+                </a:solidFill>
+                <a:effectLst/>
+                <a:latin typeface="Open Sans"/>
+              </a:rPr>
+              <a:t>sisteama</a:t>
+            </a:r>
+            <a:r>
+              <a:rPr lang="it-IT" b="0" i="0" dirty="0">
+                <a:solidFill>
+                  <a:srgbClr val="333333"/>
+                </a:solidFill>
+                <a:effectLst/>
+                <a:latin typeface="Open Sans"/>
+              </a:rPr>
+              <a:t>. Il sistema PID è riuscito a ridurre la deviazione di un fattore 7, e si è arrivati a fare un’iniezione in fibra multi modo con delle perdite inferiori al 40%.</a:t>
             </a:r>
           </a:p>
           <a:p>
@@ -1459,7 +1519,7 @@
                 <a:effectLst/>
                 <a:latin typeface="Open Sans"/>
               </a:rPr>
-              <a:t> La QKD è una branchia della comunicazione quantistica e che permette a due utenti, tipicamente chiamati Alice e Bob, di generare una chiave segreta casuale. Questa chiave verrà poi usata per cifrare la comunicazione tra i due. La QKD avviene tipicamente attraverso lo scambio di fotoni tra due telescopi. Per avere la QKD bisogna quindi che i due telescopi siano allineati ecco perché è necessario un sistema di allineamento.</a:t>
+              <a:t> La QKD è una branca della comunicazione quantistica e che permette a due utenti, tipicamente chiamati Alice e Bob, di generare una chiave segreta casuale. Questa chiave verrà poi usata per cifrare la comunicazione tra i due. La QKD avviene tipicamente attraverso lo scambio di fotoni tra due telescopi. Per avere la QKD bisogna quindi che i due telescopi siano allineati ecco perché è necessario un sistema di allineamento.</a:t>
             </a:r>
             <a:endParaRPr lang="en-US" dirty="0"/>
           </a:p>
@@ -6140,6 +6200,81 @@
       </p:grpSpPr>
       <p:sp>
         <p:nvSpPr>
+          <p:cNvPr id="18" name="Esplosione: 14 punte 17">
+            <a:extLst>
+              <a:ext uri="{FF2B5EF4-FFF2-40B4-BE49-F238E27FC236}">
+                <a16:creationId xmlns:a16="http://schemas.microsoft.com/office/drawing/2014/main" id="{09596D84-04EA-4AA3-990D-3C59B132313A}"/>
+              </a:ext>
+            </a:extLst>
+          </p:cNvPr>
+          <p:cNvSpPr/>
+          <p:nvPr/>
+        </p:nvSpPr>
+        <p:spPr>
+          <a:xfrm>
+            <a:off x="8307762" y="1586652"/>
+            <a:ext cx="2486609" cy="1446882"/>
+          </a:xfrm>
+          <a:prstGeom prst="irregularSeal2">
+            <a:avLst/>
+          </a:prstGeom>
+          <a:solidFill>
+            <a:srgbClr val="69D6F4"/>
+          </a:solidFill>
+          <a:ln w="38100">
+            <a:solidFill>
+              <a:schemeClr val="tx1">
+                <a:lumMod val="95000"/>
+                <a:lumOff val="5000"/>
+              </a:schemeClr>
+            </a:solidFill>
+          </a:ln>
+        </p:spPr>
+        <p:style>
+          <a:lnRef idx="2">
+            <a:schemeClr val="accent1">
+              <a:shade val="50000"/>
+            </a:schemeClr>
+          </a:lnRef>
+          <a:fillRef idx="1">
+            <a:schemeClr val="accent1"/>
+          </a:fillRef>
+          <a:effectRef idx="0">
+            <a:schemeClr val="accent1"/>
+          </a:effectRef>
+          <a:fontRef idx="minor">
+            <a:schemeClr val="lt1"/>
+          </a:fontRef>
+        </p:style>
+        <p:txBody>
+          <a:bodyPr rtlCol="0" anchor="ctr"/>
+          <a:lstStyle/>
+          <a:p>
+            <a:pPr algn="ctr"/>
+            <a:r>
+              <a:rPr lang="it-IT" b="1" dirty="0">
+                <a:solidFill>
+                  <a:schemeClr val="tx1">
+                    <a:lumMod val="95000"/>
+                    <a:lumOff val="5000"/>
+                  </a:schemeClr>
+                </a:solidFill>
+              </a:rPr>
+              <a:t>SD 7</a:t>
+            </a:r>
+            <a:endParaRPr lang="en-US" b="1" dirty="0">
+              <a:solidFill>
+                <a:schemeClr val="tx1">
+                  <a:lumMod val="95000"/>
+                  <a:lumOff val="5000"/>
+                </a:schemeClr>
+              </a:solidFill>
+            </a:endParaRPr>
+          </a:p>
+        </p:txBody>
+      </p:sp>
+      <p:sp>
+        <p:nvSpPr>
           <p:cNvPr id="3" name="Segnaposto testo 2">
             <a:extLst>
               <a:ext uri="{FF2B5EF4-FFF2-40B4-BE49-F238E27FC236}">
@@ -6568,6 +6703,148 @@
             <a:r>
               <a:rPr lang="en-US" dirty="0"/>
               <a:t>expected</a:t>
+            </a:r>
+          </a:p>
+        </p:txBody>
+      </p:sp>
+      <p:sp>
+        <p:nvSpPr>
+          <p:cNvPr id="17" name="Esplosione: 14 punte 16">
+            <a:extLst>
+              <a:ext uri="{FF2B5EF4-FFF2-40B4-BE49-F238E27FC236}">
+                <a16:creationId xmlns:a16="http://schemas.microsoft.com/office/drawing/2014/main" id="{AD96E8FD-6936-4DFB-A736-835027DF1622}"/>
+              </a:ext>
+            </a:extLst>
+          </p:cNvPr>
+          <p:cNvSpPr/>
+          <p:nvPr/>
+        </p:nvSpPr>
+        <p:spPr>
+          <a:xfrm>
+            <a:off x="10427322" y="2417764"/>
+            <a:ext cx="1395624" cy="982012"/>
+          </a:xfrm>
+          <a:prstGeom prst="irregularSeal2">
+            <a:avLst/>
+          </a:prstGeom>
+          <a:solidFill>
+            <a:srgbClr val="69D6F4"/>
+          </a:solidFill>
+          <a:ln w="38100">
+            <a:solidFill>
+              <a:schemeClr val="tx1">
+                <a:lumMod val="95000"/>
+                <a:lumOff val="5000"/>
+              </a:schemeClr>
+            </a:solidFill>
+          </a:ln>
+        </p:spPr>
+        <p:style>
+          <a:lnRef idx="2">
+            <a:schemeClr val="accent1">
+              <a:shade val="50000"/>
+            </a:schemeClr>
+          </a:lnRef>
+          <a:fillRef idx="1">
+            <a:schemeClr val="accent1"/>
+          </a:fillRef>
+          <a:effectRef idx="0">
+            <a:schemeClr val="accent1"/>
+          </a:effectRef>
+          <a:fontRef idx="minor">
+            <a:schemeClr val="lt1"/>
+          </a:fontRef>
+        </p:style>
+        <p:txBody>
+          <a:bodyPr rtlCol="0" anchor="ctr"/>
+          <a:lstStyle/>
+          <a:p>
+            <a:pPr algn="ctr"/>
+            <a:r>
+              <a:rPr lang="it-IT" b="1" dirty="0">
+                <a:solidFill>
+                  <a:schemeClr val="tx1">
+                    <a:lumMod val="95000"/>
+                    <a:lumOff val="5000"/>
+                  </a:schemeClr>
+                </a:solidFill>
+              </a:rPr>
+              <a:t>40%</a:t>
+            </a:r>
+            <a:endParaRPr lang="en-US" b="1" dirty="0">
+              <a:solidFill>
+                <a:schemeClr val="tx1">
+                  <a:lumMod val="95000"/>
+                  <a:lumOff val="5000"/>
+                </a:schemeClr>
+              </a:solidFill>
+            </a:endParaRPr>
+          </a:p>
+        </p:txBody>
+      </p:sp>
+      <p:sp>
+        <p:nvSpPr>
+          <p:cNvPr id="20" name="Esplosione: 14 punte 19">
+            <a:extLst>
+              <a:ext uri="{FF2B5EF4-FFF2-40B4-BE49-F238E27FC236}">
+                <a16:creationId xmlns:a16="http://schemas.microsoft.com/office/drawing/2014/main" id="{ECC9D51D-10DA-4621-B02E-6983E1F1307D}"/>
+              </a:ext>
+            </a:extLst>
+          </p:cNvPr>
+          <p:cNvSpPr/>
+          <p:nvPr/>
+        </p:nvSpPr>
+        <p:spPr>
+          <a:xfrm>
+            <a:off x="9995989" y="1879328"/>
+            <a:ext cx="1596765" cy="934355"/>
+          </a:xfrm>
+          <a:prstGeom prst="irregularSeal2">
+            <a:avLst/>
+          </a:prstGeom>
+          <a:solidFill>
+            <a:srgbClr val="69D6F4"/>
+          </a:solidFill>
+          <a:ln w="38100">
+            <a:solidFill>
+              <a:schemeClr val="tx1">
+                <a:lumMod val="95000"/>
+                <a:lumOff val="5000"/>
+              </a:schemeClr>
+            </a:solidFill>
+          </a:ln>
+        </p:spPr>
+        <p:style>
+          <a:lnRef idx="2">
+            <a:schemeClr val="accent1">
+              <a:shade val="50000"/>
+            </a:schemeClr>
+          </a:lnRef>
+          <a:fillRef idx="1">
+            <a:schemeClr val="accent1"/>
+          </a:fillRef>
+          <a:effectRef idx="0">
+            <a:schemeClr val="accent1"/>
+          </a:effectRef>
+          <a:fontRef idx="minor">
+            <a:schemeClr val="lt1"/>
+          </a:fontRef>
+        </p:style>
+        <p:txBody>
+          <a:bodyPr rtlCol="0" anchor="ctr"/>
+          <a:lstStyle/>
+          <a:p>
+            <a:pPr algn="ctr"/>
+            <a:r>
+              <a:rPr lang="en-US" sz="1400" b="1" dirty="0">
+                <a:solidFill>
+                  <a:schemeClr val="tx1">
+                    <a:lumMod val="95000"/>
+                    <a:lumOff val="5000"/>
+                  </a:schemeClr>
+                </a:solidFill>
+              </a:rPr>
+              <a:t>Mean 0</a:t>
             </a:r>
           </a:p>
         </p:txBody>
@@ -7334,7 +7611,7 @@
           <a:graphicData uri="http://schemas.openxmlformats.org/presentationml/2006/ole">
             <mc:AlternateContent xmlns:mc="http://schemas.openxmlformats.org/markup-compatibility/2006">
               <mc:Choice xmlns:v="urn:schemas-microsoft-com:vml" Requires="v">
-                <p:oleObj spid="_x0000_s1064" name="Acrobat Document" r:id="rId4" imgW="4848186" imgH="2533096" progId="AcroExch.Document.DC">
+                <p:oleObj spid="_x0000_s1073" name="Acrobat Document" r:id="rId4" imgW="4848186" imgH="2533096" progId="AcroExch.Document.DC">
                   <p:embed/>
                 </p:oleObj>
               </mc:Choice>

--- a/presentazione_EN.pptx
+++ b/presentazione_EN.pptx
@@ -6844,7 +6844,7 @@
                   </a:schemeClr>
                 </a:solidFill>
               </a:rPr>
-              <a:t>Mean 0</a:t>
+              <a:t>Mean 1e-4</a:t>
             </a:r>
           </a:p>
         </p:txBody>
@@ -7611,7 +7611,7 @@
           <a:graphicData uri="http://schemas.openxmlformats.org/presentationml/2006/ole">
             <mc:AlternateContent xmlns:mc="http://schemas.openxmlformats.org/markup-compatibility/2006">
               <mc:Choice xmlns:v="urn:schemas-microsoft-com:vml" Requires="v">
-                <p:oleObj spid="_x0000_s1073" name="Acrobat Document" r:id="rId4" imgW="4848186" imgH="2533096" progId="AcroExch.Document.DC">
+                <p:oleObj spid="_x0000_s1077" name="Acrobat Document" r:id="rId4" imgW="4848186" imgH="2533096" progId="AcroExch.Document.DC">
                   <p:embed/>
                 </p:oleObj>
               </mc:Choice>
